--- a/docs/major project main ppt.pptx
+++ b/docs/major project main ppt.pptx
@@ -5,15 +5,20 @@
     <p:sldMasterId id="2147483660" r:id="rId1"/>
   </p:sldMasterIdLst>
   <p:notesMasterIdLst>
-    <p:notesMasterId r:id="rId8"/>
+    <p:notesMasterId r:id="rId13"/>
   </p:notesMasterIdLst>
   <p:sldIdLst>
     <p:sldId id="256" r:id="rId2"/>
-    <p:sldId id="257" r:id="rId3"/>
-    <p:sldId id="258" r:id="rId4"/>
-    <p:sldId id="259" r:id="rId5"/>
-    <p:sldId id="260" r:id="rId6"/>
-    <p:sldId id="261" r:id="rId7"/>
+    <p:sldId id="262" r:id="rId3"/>
+    <p:sldId id="263" r:id="rId4"/>
+    <p:sldId id="257" r:id="rId5"/>
+    <p:sldId id="265" r:id="rId6"/>
+    <p:sldId id="264" r:id="rId7"/>
+    <p:sldId id="266" r:id="rId8"/>
+    <p:sldId id="268" r:id="rId9"/>
+    <p:sldId id="267" r:id="rId10"/>
+    <p:sldId id="269" r:id="rId11"/>
+    <p:sldId id="270" r:id="rId12"/>
   </p:sldIdLst>
   <p:sldSz cx="9144000" cy="6858000" type="screen4x3"/>
   <p:notesSz cx="9144000" cy="6858000"/>
@@ -195,7 +200,7 @@
           <a:p>
             <a:fld id="{44B65459-4C01-9248-BDAA-F28591FAF6F5}" type="datetimeFigureOut">
               <a:rPr lang="en-US" smtClean="0"/>
-              <a:t>06-Sep-22</a:t>
+              <a:t>13-Sep-22</a:t>
             </a:fld>
             <a:endParaRPr lang="en-US"/>
           </a:p>
@@ -4985,13 +4990,7 @@
               <a:rPr lang="en-US" sz="4400" dirty="0">
                 <a:cs typeface="Calibri" panose="020F0502020204030204" pitchFamily="34" charset="0"/>
               </a:rPr>
-              <a:t>Geo-fenced </a:t>
-            </a:r>
-            <a:r>
-              <a:rPr lang="en-US" sz="4400" dirty="0">
-                <a:cs typeface="Calibri" panose="020F0502020204030204" pitchFamily="34" charset="0"/>
-              </a:rPr>
-              <a:t>S</a:t>
+              <a:t>Geo-fenced S</a:t>
             </a:r>
             <a:r>
               <a:rPr lang="en-US" sz="4400" dirty="0" smtClean="0">
@@ -5266,6 +5265,816 @@
     <p:extLst>
       <p:ext uri="{552D9A06-466C-4401-A957-73B44D61482C}">
         <p14:creationId xmlns="" xmlns:c="http://schemas.openxmlformats.org/drawingml/2006/chart" xmlns:cs="http://schemas.microsoft.com/office/drawing/2012/chartStyle" xmlns:ns1="http://schemas.openxmlformats.org/officeDocument/2006/extended-properties" xmlns:vt="http://schemas.openxmlformats.org/officeDocument/2006/docPropsVTypes" xmlns:p14="http://schemas.microsoft.com/office/powerpoint/2010/main" val="1658769465809"/>
+      </p:ext>
+    </p:extLst>
+  </p:cSld>
+  <p:clrMapOvr>
+    <a:masterClrMapping/>
+  </p:clrMapOvr>
+  <p:timing>
+    <p:tnLst>
+      <p:par>
+        <p:cTn id="1" dur="indefinite" restart="never" nodeType="tmRoot"/>
+      </p:par>
+    </p:tnLst>
+  </p:timing>
+</p:sld>
+</file>
+
+<file path=ppt/slides/slide10.xml><?xml version="1.0" encoding="utf-8"?>
+<p:sld xmlns:a="http://schemas.openxmlformats.org/drawingml/2006/main" xmlns:r="http://schemas.openxmlformats.org/officeDocument/2006/relationships" xmlns:p="http://schemas.openxmlformats.org/presentationml/2006/main">
+  <p:cSld>
+    <p:spTree>
+      <p:nvGrpSpPr>
+        <p:cNvPr id="1" name="Shape 14"/>
+        <p:cNvGrpSpPr/>
+        <p:nvPr/>
+      </p:nvGrpSpPr>
+      <p:grpSpPr>
+        <a:xfrm>
+          <a:off x="0" y="0"/>
+          <a:ext cx="0" cy="0"/>
+          <a:chOff x="0" y="0"/>
+          <a:chExt cx="0" cy="0"/>
+        </a:xfrm>
+      </p:grpSpPr>
+      <p:sp>
+        <p:nvSpPr>
+          <p:cNvPr id="15" name="Google Shape;15;p1"/>
+          <p:cNvSpPr txBox="1">
+            <a:spLocks noGrp="1"/>
+          </p:cNvSpPr>
+          <p:nvPr>
+            <p:ph type="title"/>
+          </p:nvPr>
+        </p:nvSpPr>
+        <p:spPr>
+          <a:xfrm>
+            <a:off x="605780" y="489301"/>
+            <a:ext cx="7269480" cy="733466"/>
+          </a:xfrm>
+          <a:prstGeom prst="rect">
+            <a:avLst/>
+          </a:prstGeom>
+          <a:noFill/>
+          <a:ln>
+            <a:noFill/>
+          </a:ln>
+        </p:spPr>
+        <p:txBody>
+          <a:bodyPr spcFirstLastPara="1" wrap="square" lIns="91425" tIns="45700" rIns="91425" bIns="45700" anchor="b" anchorCtr="0">
+            <a:noAutofit/>
+          </a:bodyPr>
+          <a:lstStyle/>
+          <a:p>
+            <a:pPr marL="0" lvl="0" indent="0" rtl="0">
+              <a:lnSpc>
+                <a:spcPct val="85000"/>
+              </a:lnSpc>
+              <a:spcBef>
+                <a:spcPts val="0"/>
+              </a:spcBef>
+              <a:spcAft>
+                <a:spcPts val="0"/>
+              </a:spcAft>
+              <a:buClr>
+                <a:schemeClr val="dk2"/>
+              </a:buClr>
+              <a:buSzPts val="4000"/>
+              <a:buFont typeface="Roboto Black"/>
+              <a:buNone/>
+            </a:pPr>
+            <a:r>
+              <a:rPr lang="en-US" sz="4000" dirty="0" smtClean="0">
+                <a:solidFill>
+                  <a:schemeClr val="tx2"/>
+                </a:solidFill>
+              </a:rPr>
+              <a:t>Class Diagram</a:t>
+            </a:r>
+            <a:endParaRPr dirty="0">
+              <a:solidFill>
+                <a:schemeClr val="tx2"/>
+              </a:solidFill>
+            </a:endParaRPr>
+          </a:p>
+        </p:txBody>
+      </p:sp>
+      <p:pic>
+        <p:nvPicPr>
+          <p:cNvPr id="3" name="Picture 2"/>
+          <p:cNvPicPr>
+            <a:picLocks noChangeAspect="1"/>
+          </p:cNvPicPr>
+          <p:nvPr/>
+        </p:nvPicPr>
+        <p:blipFill rotWithShape="1">
+          <a:blip r:embed="rId2">
+            <a:extLst>
+              <a:ext uri="{28A0092B-C50C-407E-A947-70E740481C1C}">
+                <a14:useLocalDpi xmlns:a14="http://schemas.microsoft.com/office/drawing/2010/main" val="0"/>
+              </a:ext>
+            </a:extLst>
+          </a:blip>
+          <a:srcRect l="10319" t="4782" b="6571"/>
+          <a:stretch/>
+        </p:blipFill>
+        <p:spPr>
+          <a:xfrm>
+            <a:off x="0" y="1566153"/>
+            <a:ext cx="8481040" cy="5291847"/>
+          </a:xfrm>
+          <a:prstGeom prst="rect">
+            <a:avLst/>
+          </a:prstGeom>
+        </p:spPr>
+      </p:pic>
+    </p:spTree>
+    <p:extLst>
+      <p:ext uri="{BB962C8B-B14F-4D97-AF65-F5344CB8AC3E}">
+        <p14:creationId xmlns:p14="http://schemas.microsoft.com/office/powerpoint/2010/main" val="3675815158"/>
+      </p:ext>
+    </p:extLst>
+  </p:cSld>
+  <p:clrMapOvr>
+    <a:masterClrMapping/>
+  </p:clrMapOvr>
+  <p:timing>
+    <p:tnLst>
+      <p:par>
+        <p:cTn id="1" dur="indefinite" restart="never" nodeType="tmRoot"/>
+      </p:par>
+    </p:tnLst>
+  </p:timing>
+</p:sld>
+</file>
+
+<file path=ppt/slides/slide11.xml><?xml version="1.0" encoding="utf-8"?>
+<p:sld xmlns:a="http://schemas.openxmlformats.org/drawingml/2006/main" xmlns:r="http://schemas.openxmlformats.org/officeDocument/2006/relationships" xmlns:p="http://schemas.openxmlformats.org/presentationml/2006/main">
+  <p:cSld>
+    <p:spTree>
+      <p:nvGrpSpPr>
+        <p:cNvPr id="1" name="Shape 14"/>
+        <p:cNvGrpSpPr/>
+        <p:nvPr/>
+      </p:nvGrpSpPr>
+      <p:grpSpPr>
+        <a:xfrm>
+          <a:off x="0" y="0"/>
+          <a:ext cx="0" cy="0"/>
+          <a:chOff x="0" y="0"/>
+          <a:chExt cx="0" cy="0"/>
+        </a:xfrm>
+      </p:grpSpPr>
+      <p:sp>
+        <p:nvSpPr>
+          <p:cNvPr id="15" name="Google Shape;15;p1"/>
+          <p:cNvSpPr txBox="1">
+            <a:spLocks noGrp="1"/>
+          </p:cNvSpPr>
+          <p:nvPr>
+            <p:ph type="title"/>
+          </p:nvPr>
+        </p:nvSpPr>
+        <p:spPr>
+          <a:xfrm>
+            <a:off x="543413" y="411480"/>
+            <a:ext cx="7269480" cy="733466"/>
+          </a:xfrm>
+          <a:prstGeom prst="rect">
+            <a:avLst/>
+          </a:prstGeom>
+          <a:noFill/>
+          <a:ln>
+            <a:noFill/>
+          </a:ln>
+        </p:spPr>
+        <p:txBody>
+          <a:bodyPr spcFirstLastPara="1" wrap="square" lIns="91425" tIns="45700" rIns="91425" bIns="45700" anchor="b" anchorCtr="0">
+            <a:noAutofit/>
+          </a:bodyPr>
+          <a:lstStyle/>
+          <a:p>
+            <a:pPr marL="0" lvl="0" indent="0" rtl="0">
+              <a:lnSpc>
+                <a:spcPct val="85000"/>
+              </a:lnSpc>
+              <a:spcBef>
+                <a:spcPts val="0"/>
+              </a:spcBef>
+              <a:spcAft>
+                <a:spcPts val="0"/>
+              </a:spcAft>
+              <a:buClr>
+                <a:schemeClr val="dk2"/>
+              </a:buClr>
+              <a:buSzPts val="4000"/>
+              <a:buFont typeface="Roboto Black"/>
+              <a:buNone/>
+            </a:pPr>
+            <a:r>
+              <a:rPr lang="en-US" sz="4000" dirty="0" smtClean="0">
+                <a:solidFill>
+                  <a:schemeClr val="tx2"/>
+                </a:solidFill>
+              </a:rPr>
+              <a:t>Technology Stack</a:t>
+            </a:r>
+            <a:endParaRPr dirty="0">
+              <a:solidFill>
+                <a:schemeClr val="tx2"/>
+              </a:solidFill>
+            </a:endParaRPr>
+          </a:p>
+        </p:txBody>
+      </p:sp>
+      <p:sp>
+        <p:nvSpPr>
+          <p:cNvPr id="7" name="Google Shape;16;p1"/>
+          <p:cNvSpPr txBox="1">
+            <a:spLocks noGrp="1"/>
+          </p:cNvSpPr>
+          <p:nvPr>
+            <p:ph idx="1"/>
+          </p:nvPr>
+        </p:nvSpPr>
+        <p:spPr>
+          <a:xfrm>
+            <a:off x="543413" y="1242031"/>
+            <a:ext cx="5118086" cy="2308564"/>
+          </a:xfrm>
+          <a:prstGeom prst="rect">
+            <a:avLst/>
+          </a:prstGeom>
+          <a:noFill/>
+          <a:ln>
+            <a:noFill/>
+          </a:ln>
+        </p:spPr>
+        <p:txBody>
+          <a:bodyPr spcFirstLastPara="1" wrap="square" lIns="91425" tIns="45700" rIns="91425" bIns="45700" anchor="t" anchorCtr="0">
+            <a:noAutofit/>
+          </a:bodyPr>
+          <a:lstStyle/>
+          <a:p>
+            <a:r>
+              <a:rPr lang="en-US" sz="1500" dirty="0"/>
+              <a:t>MOBILE APPLICATION:FLUTTER FRAMEWORK AND DART</a:t>
+            </a:r>
+          </a:p>
+          <a:p>
+            <a:r>
+              <a:rPr lang="en-US" sz="1500" dirty="0"/>
+              <a:t>BACKEND SERVER:NODE.JS </a:t>
+            </a:r>
+          </a:p>
+          <a:p>
+            <a:r>
+              <a:rPr lang="en-US" sz="1500" dirty="0"/>
+              <a:t>THIRD-PARTY API:GOOGLE MAPS(LOCATION SERVICE)</a:t>
+            </a:r>
+          </a:p>
+          <a:p>
+            <a:r>
+              <a:rPr lang="en-US" sz="1500" dirty="0"/>
+              <a:t>DATABASE:SQL/NOSQL(DEPENDS ON USECASE)</a:t>
+            </a:r>
+          </a:p>
+          <a:p>
+            <a:pPr marL="342900" lvl="0" indent="-355600" algn="just" rtl="0">
+              <a:lnSpc>
+                <a:spcPct val="100000"/>
+              </a:lnSpc>
+              <a:spcBef>
+                <a:spcPts val="1200"/>
+              </a:spcBef>
+              <a:spcAft>
+                <a:spcPts val="0"/>
+              </a:spcAft>
+              <a:buClr>
+                <a:schemeClr val="dk1"/>
+              </a:buClr>
+              <a:buSzPts val="2000"/>
+              <a:buFont typeface="Roboto Light"/>
+              <a:buChar char="•"/>
+            </a:pPr>
+            <a:endParaRPr lang="en-US" sz="1500" dirty="0" smtClean="0">
+              <a:solidFill>
+                <a:schemeClr val="dk1"/>
+              </a:solidFill>
+              <a:cs typeface="Calibri" panose="020F0502020204030204" pitchFamily="34" charset="0"/>
+            </a:endParaRPr>
+          </a:p>
+        </p:txBody>
+      </p:sp>
+      <p:sp>
+        <p:nvSpPr>
+          <p:cNvPr id="6" name="Google Shape;15;p1"/>
+          <p:cNvSpPr txBox="1">
+            <a:spLocks/>
+          </p:cNvSpPr>
+          <p:nvPr/>
+        </p:nvSpPr>
+        <p:spPr>
+          <a:xfrm>
+            <a:off x="543413" y="4299435"/>
+            <a:ext cx="7269480" cy="733466"/>
+          </a:xfrm>
+          <a:prstGeom prst="rect">
+            <a:avLst/>
+          </a:prstGeom>
+          <a:noFill/>
+          <a:ln>
+            <a:noFill/>
+          </a:ln>
+        </p:spPr>
+        <p:txBody>
+          <a:bodyPr spcFirstLastPara="1" vert="horz" wrap="square" lIns="91425" tIns="45700" rIns="91425" bIns="45700" rtlCol="0" anchor="b" anchorCtr="0">
+            <a:noAutofit/>
+          </a:bodyPr>
+          <a:lstStyle>
+            <a:lvl1pPr algn="l" defTabSz="685800" rtl="0" eaLnBrk="1" latinLnBrk="0" hangingPunct="1">
+              <a:lnSpc>
+                <a:spcPct val="90000"/>
+              </a:lnSpc>
+              <a:spcBef>
+                <a:spcPct val="0"/>
+              </a:spcBef>
+              <a:buNone/>
+              <a:defRPr sz="3300" kern="1200" spc="-38" baseline="0">
+                <a:solidFill>
+                  <a:schemeClr val="tx1"/>
+                </a:solidFill>
+                <a:latin typeface="+mj-lt"/>
+                <a:ea typeface="+mj-ea"/>
+                <a:cs typeface="+mj-cs"/>
+              </a:defRPr>
+            </a:lvl1pPr>
+          </a:lstStyle>
+          <a:p>
+            <a:pPr>
+              <a:lnSpc>
+                <a:spcPct val="85000"/>
+              </a:lnSpc>
+              <a:spcBef>
+                <a:spcPts val="0"/>
+              </a:spcBef>
+              <a:buClr>
+                <a:schemeClr val="dk2"/>
+              </a:buClr>
+              <a:buSzPts val="4000"/>
+              <a:buFont typeface="Roboto Black"/>
+              <a:buNone/>
+            </a:pPr>
+            <a:r>
+              <a:rPr lang="en-US" sz="4000" dirty="0" smtClean="0">
+                <a:solidFill>
+                  <a:schemeClr val="tx2"/>
+                </a:solidFill>
+              </a:rPr>
+              <a:t>Non Functional Requirements</a:t>
+            </a:r>
+            <a:endParaRPr lang="en-US" dirty="0">
+              <a:solidFill>
+                <a:schemeClr val="tx2"/>
+              </a:solidFill>
+            </a:endParaRPr>
+          </a:p>
+        </p:txBody>
+      </p:sp>
+      <p:sp>
+        <p:nvSpPr>
+          <p:cNvPr id="8" name="Google Shape;16;p1"/>
+          <p:cNvSpPr txBox="1">
+            <a:spLocks/>
+          </p:cNvSpPr>
+          <p:nvPr/>
+        </p:nvSpPr>
+        <p:spPr>
+          <a:xfrm>
+            <a:off x="543412" y="5198078"/>
+            <a:ext cx="7805116" cy="1494553"/>
+          </a:xfrm>
+          <a:prstGeom prst="rect">
+            <a:avLst/>
+          </a:prstGeom>
+          <a:noFill/>
+          <a:ln>
+            <a:noFill/>
+          </a:ln>
+        </p:spPr>
+        <p:txBody>
+          <a:bodyPr spcFirstLastPara="1" vert="horz" wrap="square" lIns="91425" tIns="45700" rIns="91425" bIns="45700" rtlCol="0" anchor="t" anchorCtr="0">
+            <a:noAutofit/>
+          </a:bodyPr>
+          <a:lstStyle>
+            <a:lvl1pPr marL="137160" indent="-137160" algn="l" defTabSz="685800" rtl="0" eaLnBrk="1" latinLnBrk="0" hangingPunct="1">
+              <a:lnSpc>
+                <a:spcPct val="95000"/>
+              </a:lnSpc>
+              <a:spcBef>
+                <a:spcPts val="1050"/>
+              </a:spcBef>
+              <a:spcAft>
+                <a:spcPts val="150"/>
+              </a:spcAft>
+              <a:buClr>
+                <a:schemeClr val="accent1"/>
+              </a:buClr>
+              <a:buSzPct val="80000"/>
+              <a:buFont typeface="Arial" pitchFamily="34" charset="0"/>
+              <a:buChar char="•"/>
+              <a:defRPr sz="1350" kern="1200" spc="8" baseline="0">
+                <a:solidFill>
+                  <a:schemeClr val="tx1"/>
+                </a:solidFill>
+                <a:latin typeface="+mn-lt"/>
+                <a:ea typeface="+mn-ea"/>
+                <a:cs typeface="+mn-cs"/>
+              </a:defRPr>
+            </a:lvl1pPr>
+            <a:lvl2pPr marL="342900" indent="-137160" algn="l" defTabSz="685800" rtl="0" eaLnBrk="1" latinLnBrk="0" hangingPunct="1">
+              <a:lnSpc>
+                <a:spcPct val="90000"/>
+              </a:lnSpc>
+              <a:spcBef>
+                <a:spcPts val="225"/>
+              </a:spcBef>
+              <a:spcAft>
+                <a:spcPts val="225"/>
+              </a:spcAft>
+              <a:buClr>
+                <a:schemeClr val="accent1"/>
+              </a:buClr>
+              <a:buFont typeface="Wingdings 2" pitchFamily="18" charset="2"/>
+              <a:buChar char=""/>
+              <a:defRPr sz="1200" kern="1200">
+                <a:solidFill>
+                  <a:schemeClr val="tx1">
+                    <a:lumMod val="85000"/>
+                    <a:lumOff val="15000"/>
+                  </a:schemeClr>
+                </a:solidFill>
+                <a:latin typeface="+mn-lt"/>
+                <a:ea typeface="+mn-ea"/>
+                <a:cs typeface="+mn-cs"/>
+              </a:defRPr>
+            </a:lvl2pPr>
+            <a:lvl3pPr marL="548640" indent="-137160" algn="l" defTabSz="685800" rtl="0" eaLnBrk="1" latinLnBrk="0" hangingPunct="1">
+              <a:lnSpc>
+                <a:spcPct val="90000"/>
+              </a:lnSpc>
+              <a:spcBef>
+                <a:spcPts val="225"/>
+              </a:spcBef>
+              <a:spcAft>
+                <a:spcPts val="225"/>
+              </a:spcAft>
+              <a:buClr>
+                <a:schemeClr val="accent1"/>
+              </a:buClr>
+              <a:buFont typeface="Wingdings 2" pitchFamily="18" charset="2"/>
+              <a:buChar char=""/>
+              <a:defRPr sz="1050" kern="1200">
+                <a:solidFill>
+                  <a:schemeClr val="tx1">
+                    <a:lumMod val="85000"/>
+                    <a:lumOff val="15000"/>
+                  </a:schemeClr>
+                </a:solidFill>
+                <a:latin typeface="+mn-lt"/>
+                <a:ea typeface="+mn-ea"/>
+                <a:cs typeface="+mn-cs"/>
+              </a:defRPr>
+            </a:lvl3pPr>
+            <a:lvl4pPr marL="754380" indent="-137160" algn="l" defTabSz="685800" rtl="0" eaLnBrk="1" latinLnBrk="0" hangingPunct="1">
+              <a:lnSpc>
+                <a:spcPct val="90000"/>
+              </a:lnSpc>
+              <a:spcBef>
+                <a:spcPts val="225"/>
+              </a:spcBef>
+              <a:spcAft>
+                <a:spcPts val="225"/>
+              </a:spcAft>
+              <a:buClr>
+                <a:schemeClr val="accent1"/>
+              </a:buClr>
+              <a:buFont typeface="Wingdings 2" pitchFamily="18" charset="2"/>
+              <a:buChar char=""/>
+              <a:defRPr sz="1050" kern="1200">
+                <a:solidFill>
+                  <a:schemeClr val="tx1">
+                    <a:lumMod val="85000"/>
+                    <a:lumOff val="15000"/>
+                  </a:schemeClr>
+                </a:solidFill>
+                <a:latin typeface="+mn-lt"/>
+                <a:ea typeface="+mn-ea"/>
+                <a:cs typeface="+mn-cs"/>
+              </a:defRPr>
+            </a:lvl4pPr>
+            <a:lvl5pPr marL="960120" indent="-137160" algn="l" defTabSz="685800" rtl="0" eaLnBrk="1" latinLnBrk="0" hangingPunct="1">
+              <a:lnSpc>
+                <a:spcPct val="90000"/>
+              </a:lnSpc>
+              <a:spcBef>
+                <a:spcPts val="225"/>
+              </a:spcBef>
+              <a:spcAft>
+                <a:spcPts val="225"/>
+              </a:spcAft>
+              <a:buClr>
+                <a:schemeClr val="accent1"/>
+              </a:buClr>
+              <a:buFont typeface="Wingdings 2" pitchFamily="18" charset="2"/>
+              <a:buChar char=""/>
+              <a:defRPr sz="1050" kern="1200">
+                <a:solidFill>
+                  <a:schemeClr val="tx1">
+                    <a:lumMod val="85000"/>
+                    <a:lumOff val="15000"/>
+                  </a:schemeClr>
+                </a:solidFill>
+                <a:latin typeface="+mn-lt"/>
+                <a:ea typeface="+mn-ea"/>
+                <a:cs typeface="+mn-cs"/>
+              </a:defRPr>
+            </a:lvl5pPr>
+            <a:lvl6pPr marL="1200000" indent="-171450" algn="l" defTabSz="685800" rtl="0" eaLnBrk="1" latinLnBrk="0" hangingPunct="1">
+              <a:lnSpc>
+                <a:spcPct val="90000"/>
+              </a:lnSpc>
+              <a:spcBef>
+                <a:spcPts val="225"/>
+              </a:spcBef>
+              <a:spcAft>
+                <a:spcPts val="225"/>
+              </a:spcAft>
+              <a:buClr>
+                <a:schemeClr val="accent1"/>
+              </a:buClr>
+              <a:buFont typeface="Wingdings 2" pitchFamily="18" charset="2"/>
+              <a:buChar char=""/>
+              <a:defRPr sz="1050" kern="1200">
+                <a:solidFill>
+                  <a:schemeClr val="tx1">
+                    <a:lumMod val="85000"/>
+                    <a:lumOff val="15000"/>
+                  </a:schemeClr>
+                </a:solidFill>
+                <a:latin typeface="+mn-lt"/>
+                <a:ea typeface="+mn-ea"/>
+                <a:cs typeface="+mn-cs"/>
+              </a:defRPr>
+            </a:lvl6pPr>
+            <a:lvl7pPr marL="1425000" indent="-171450" algn="l" defTabSz="685800" rtl="0" eaLnBrk="1" latinLnBrk="0" hangingPunct="1">
+              <a:lnSpc>
+                <a:spcPct val="90000"/>
+              </a:lnSpc>
+              <a:spcBef>
+                <a:spcPts val="225"/>
+              </a:spcBef>
+              <a:spcAft>
+                <a:spcPts val="225"/>
+              </a:spcAft>
+              <a:buClr>
+                <a:schemeClr val="accent1"/>
+              </a:buClr>
+              <a:buFont typeface="Wingdings 2" pitchFamily="18" charset="2"/>
+              <a:buChar char=""/>
+              <a:defRPr sz="1050" kern="1200">
+                <a:solidFill>
+                  <a:schemeClr val="tx1">
+                    <a:lumMod val="85000"/>
+                    <a:lumOff val="15000"/>
+                  </a:schemeClr>
+                </a:solidFill>
+                <a:latin typeface="+mn-lt"/>
+                <a:ea typeface="+mn-ea"/>
+                <a:cs typeface="+mn-cs"/>
+              </a:defRPr>
+            </a:lvl7pPr>
+            <a:lvl8pPr marL="1650000" indent="-171450" algn="l" defTabSz="685800" rtl="0" eaLnBrk="1" latinLnBrk="0" hangingPunct="1">
+              <a:lnSpc>
+                <a:spcPct val="90000"/>
+              </a:lnSpc>
+              <a:spcBef>
+                <a:spcPts val="225"/>
+              </a:spcBef>
+              <a:spcAft>
+                <a:spcPts val="225"/>
+              </a:spcAft>
+              <a:buClr>
+                <a:schemeClr val="accent1"/>
+              </a:buClr>
+              <a:buFont typeface="Wingdings 2" pitchFamily="18" charset="2"/>
+              <a:buChar char=""/>
+              <a:defRPr sz="1050" kern="1200">
+                <a:solidFill>
+                  <a:schemeClr val="tx1">
+                    <a:lumMod val="85000"/>
+                    <a:lumOff val="15000"/>
+                  </a:schemeClr>
+                </a:solidFill>
+                <a:latin typeface="+mn-lt"/>
+                <a:ea typeface="+mn-ea"/>
+                <a:cs typeface="+mn-cs"/>
+              </a:defRPr>
+            </a:lvl8pPr>
+            <a:lvl9pPr marL="1875000" indent="-171450" algn="l" defTabSz="685800" rtl="0" eaLnBrk="1" latinLnBrk="0" hangingPunct="1">
+              <a:lnSpc>
+                <a:spcPct val="90000"/>
+              </a:lnSpc>
+              <a:spcBef>
+                <a:spcPts val="225"/>
+              </a:spcBef>
+              <a:spcAft>
+                <a:spcPts val="225"/>
+              </a:spcAft>
+              <a:buClr>
+                <a:schemeClr val="accent1"/>
+              </a:buClr>
+              <a:buFont typeface="Wingdings 2" pitchFamily="18" charset="2"/>
+              <a:buChar char=""/>
+              <a:defRPr sz="1050" kern="1200">
+                <a:solidFill>
+                  <a:schemeClr val="tx1">
+                    <a:lumMod val="85000"/>
+                    <a:lumOff val="15000"/>
+                  </a:schemeClr>
+                </a:solidFill>
+                <a:latin typeface="+mn-lt"/>
+                <a:ea typeface="+mn-ea"/>
+                <a:cs typeface="+mn-cs"/>
+              </a:defRPr>
+            </a:lvl9pPr>
+          </a:lstStyle>
+          <a:p>
+            <a:r>
+              <a:rPr lang="en-US" sz="1600" cap="small" dirty="0" smtClean="0"/>
+              <a:t>ANDROID DEVICE USING ANDROID 9.0 AND ABOVE WITH AT LEAST 2 GB RAM AND 2 GB STORAGE</a:t>
+            </a:r>
+          </a:p>
+          <a:p>
+            <a:r>
+              <a:rPr lang="en-US" sz="1600" cap="small" dirty="0" smtClean="0"/>
+              <a:t>INTERNET CONNECTIVITY WITH LOCATION ACCESS TO THE APPLICATION</a:t>
+            </a:r>
+            <a:endParaRPr lang="en-US" sz="1600" cap="small" dirty="0"/>
+          </a:p>
+        </p:txBody>
+      </p:sp>
+      <p:pic>
+        <p:nvPicPr>
+          <p:cNvPr id="10" name="Picture 9"/>
+          <p:cNvPicPr>
+            <a:picLocks noChangeAspect="1"/>
+          </p:cNvPicPr>
+          <p:nvPr/>
+        </p:nvPicPr>
+        <p:blipFill rotWithShape="1">
+          <a:blip r:embed="rId2">
+            <a:extLst>
+              <a:ext uri="{28A0092B-C50C-407E-A947-70E740481C1C}">
+                <a14:useLocalDpi xmlns:a14="http://schemas.microsoft.com/office/drawing/2010/main" val="0"/>
+              </a:ext>
+            </a:extLst>
+          </a:blip>
+          <a:srcRect r="4009" b="8146"/>
+          <a:stretch/>
+        </p:blipFill>
+        <p:spPr>
+          <a:xfrm>
+            <a:off x="6766009" y="1155380"/>
+            <a:ext cx="2041259" cy="922719"/>
+          </a:xfrm>
+          <a:prstGeom prst="rect">
+            <a:avLst/>
+          </a:prstGeom>
+        </p:spPr>
+      </p:pic>
+      <p:pic>
+        <p:nvPicPr>
+          <p:cNvPr id="11" name="Picture 10"/>
+          <p:cNvPicPr>
+            <a:picLocks noChangeAspect="1"/>
+          </p:cNvPicPr>
+          <p:nvPr/>
+        </p:nvPicPr>
+        <p:blipFill>
+          <a:blip r:embed="rId3">
+            <a:extLst>
+              <a:ext uri="{28A0092B-C50C-407E-A947-70E740481C1C}">
+                <a14:useLocalDpi xmlns:a14="http://schemas.microsoft.com/office/drawing/2010/main" val="0"/>
+              </a:ext>
+            </a:extLst>
+          </a:blip>
+          <a:stretch>
+            <a:fillRect/>
+          </a:stretch>
+        </p:blipFill>
+        <p:spPr>
+          <a:xfrm>
+            <a:off x="6991844" y="2846478"/>
+            <a:ext cx="1689671" cy="882989"/>
+          </a:xfrm>
+          <a:prstGeom prst="rect">
+            <a:avLst/>
+          </a:prstGeom>
+        </p:spPr>
+      </p:pic>
+      <p:pic>
+        <p:nvPicPr>
+          <p:cNvPr id="13" name="Picture 12"/>
+          <p:cNvPicPr>
+            <a:picLocks noChangeAspect="1"/>
+          </p:cNvPicPr>
+          <p:nvPr/>
+        </p:nvPicPr>
+        <p:blipFill rotWithShape="1">
+          <a:blip r:embed="rId4">
+            <a:extLst>
+              <a:ext uri="{28A0092B-C50C-407E-A947-70E740481C1C}">
+                <a14:useLocalDpi xmlns:a14="http://schemas.microsoft.com/office/drawing/2010/main" val="0"/>
+              </a:ext>
+            </a:extLst>
+          </a:blip>
+          <a:srcRect l="17906" t="16838" r="20528" b="12268"/>
+          <a:stretch/>
+        </p:blipFill>
+        <p:spPr>
+          <a:xfrm>
+            <a:off x="5406236" y="1712068"/>
+            <a:ext cx="1451764" cy="956871"/>
+          </a:xfrm>
+          <a:prstGeom prst="rect">
+            <a:avLst/>
+          </a:prstGeom>
+        </p:spPr>
+      </p:pic>
+      <p:pic>
+        <p:nvPicPr>
+          <p:cNvPr id="12" name="Picture 11"/>
+          <p:cNvPicPr>
+            <a:picLocks noChangeAspect="1"/>
+          </p:cNvPicPr>
+          <p:nvPr/>
+        </p:nvPicPr>
+        <p:blipFill rotWithShape="1">
+          <a:blip r:embed="rId5">
+            <a:extLst>
+              <a:ext uri="{28A0092B-C50C-407E-A947-70E740481C1C}">
+                <a14:useLocalDpi xmlns:a14="http://schemas.microsoft.com/office/drawing/2010/main" val="0"/>
+              </a:ext>
+            </a:extLst>
+          </a:blip>
+          <a:srcRect t="20264" b="19295"/>
+          <a:stretch/>
+        </p:blipFill>
+        <p:spPr>
+          <a:xfrm>
+            <a:off x="6646882" y="2288033"/>
+            <a:ext cx="1675307" cy="567047"/>
+          </a:xfrm>
+          <a:prstGeom prst="rect">
+            <a:avLst/>
+          </a:prstGeom>
+        </p:spPr>
+      </p:pic>
+      <p:pic>
+        <p:nvPicPr>
+          <p:cNvPr id="16" name="Picture 15"/>
+          <p:cNvPicPr>
+            <a:picLocks noChangeAspect="1"/>
+          </p:cNvPicPr>
+          <p:nvPr/>
+        </p:nvPicPr>
+        <p:blipFill rotWithShape="1">
+          <a:blip r:embed="rId6">
+            <a:extLst>
+              <a:ext uri="{28A0092B-C50C-407E-A947-70E740481C1C}">
+                <a14:useLocalDpi xmlns:a14="http://schemas.microsoft.com/office/drawing/2010/main" val="0"/>
+              </a:ext>
+            </a:extLst>
+          </a:blip>
+          <a:srcRect b="76466"/>
+          <a:stretch/>
+        </p:blipFill>
+        <p:spPr>
+          <a:xfrm>
+            <a:off x="5049680" y="3576733"/>
+            <a:ext cx="2692536" cy="367624"/>
+          </a:xfrm>
+          <a:prstGeom prst="rect">
+            <a:avLst/>
+          </a:prstGeom>
+        </p:spPr>
+      </p:pic>
+    </p:spTree>
+    <p:extLst>
+      <p:ext uri="{BB962C8B-B14F-4D97-AF65-F5344CB8AC3E}">
+        <p14:creationId xmlns:p14="http://schemas.microsoft.com/office/powerpoint/2010/main" val="215570871"/>
       </p:ext>
     </p:extLst>
   </p:cSld>
@@ -5299,20 +6108,86 @@
           <a:chExt cx="0" cy="0"/>
         </a:xfrm>
       </p:grpSpPr>
-      <p:sp>
-        <p:nvSpPr>
-          <p:cNvPr id="15" name="Google Shape;15;p1"/>
-          <p:cNvSpPr txBox="1">
-            <a:spLocks noGrp="1"/>
-          </p:cNvSpPr>
-          <p:nvPr>
-            <p:ph type="title"/>
-          </p:nvPr>
-        </p:nvSpPr>
+      <p:pic>
+        <p:nvPicPr>
+          <p:cNvPr id="5" name="Picture 4"/>
+          <p:cNvPicPr>
+            <a:picLocks noChangeAspect="1"/>
+          </p:cNvPicPr>
+          <p:nvPr/>
+        </p:nvPicPr>
+        <p:blipFill rotWithShape="1">
+          <a:blip r:embed="rId2">
+            <a:extLst>
+              <a:ext uri="{28A0092B-C50C-407E-A947-70E740481C1C}">
+                <a14:useLocalDpi xmlns:a14="http://schemas.microsoft.com/office/drawing/2010/main" val="0"/>
+              </a:ext>
+            </a:extLst>
+          </a:blip>
+          <a:srcRect r="72097"/>
+          <a:stretch/>
+        </p:blipFill>
         <p:spPr>
           <a:xfrm>
-            <a:off x="946404" y="732493"/>
-            <a:ext cx="7269480" cy="733466"/>
+            <a:off x="0" y="0"/>
+            <a:ext cx="3249038" cy="6858000"/>
+          </a:xfrm>
+          <a:prstGeom prst="rect">
+            <a:avLst/>
+          </a:prstGeom>
+        </p:spPr>
+      </p:pic>
+      <p:pic>
+        <p:nvPicPr>
+          <p:cNvPr id="8" name="Content Placeholder 7"/>
+          <p:cNvPicPr>
+            <a:picLocks noGrp="1" noChangeAspect="1"/>
+          </p:cNvPicPr>
+          <p:nvPr>
+            <p:ph idx="1"/>
+          </p:nvPr>
+        </p:nvPicPr>
+        <p:blipFill rotWithShape="1">
+          <a:blip r:embed="rId3">
+            <a:extLst>
+              <a:ext uri="{28A0092B-C50C-407E-A947-70E740481C1C}">
+                <a14:useLocalDpi xmlns:a14="http://schemas.microsoft.com/office/drawing/2010/main" val="0"/>
+              </a:ext>
+            </a:extLst>
+          </a:blip>
+          <a:srcRect l="10225" t="12935" r="10796" b="14440"/>
+          <a:stretch/>
+        </p:blipFill>
+        <p:spPr>
+          <a:xfrm>
+            <a:off x="2402732" y="5048657"/>
+            <a:ext cx="1692613" cy="1556426"/>
+          </a:xfrm>
+        </p:spPr>
+      </p:pic>
+      <p:pic>
+        <p:nvPicPr>
+          <p:cNvPr id="9" name="Content Placeholder 3"/>
+          <p:cNvPicPr>
+            <a:picLocks noChangeAspect="1"/>
+          </p:cNvPicPr>
+          <p:nvPr/>
+        </p:nvPicPr>
+        <p:blipFill rotWithShape="1">
+          <a:blip r:embed="rId4">
+            <a:extLst>
+              <a:ext uri="{28A0092B-C50C-407E-A947-70E740481C1C}">
+                <a14:useLocalDpi xmlns:a14="http://schemas.microsoft.com/office/drawing/2010/main" val="0"/>
+              </a:ext>
+            </a:extLst>
+          </a:blip>
+          <a:srcRect l="3278" t="11085" r="9836" b="7003"/>
+          <a:stretch/>
+        </p:blipFill>
+        <p:spPr>
+          <a:xfrm>
+            <a:off x="2529190" y="184824"/>
+            <a:ext cx="2062264" cy="1293779"/>
           </a:xfrm>
           <a:prstGeom prst="rect">
             <a:avLst/>
@@ -5322,89 +6197,19 @@
             <a:noFill/>
           </a:ln>
         </p:spPr>
-        <p:txBody>
-          <a:bodyPr spcFirstLastPara="1" wrap="square" lIns="91425" tIns="45700" rIns="91425" bIns="45700" anchor="b" anchorCtr="0">
-            <a:noAutofit/>
-          </a:bodyPr>
-          <a:lstStyle/>
-          <a:p>
-            <a:pPr marL="0" lvl="0" indent="0" rtl="0">
-              <a:lnSpc>
-                <a:spcPct val="85000"/>
-              </a:lnSpc>
-              <a:spcBef>
-                <a:spcPts val="0"/>
-              </a:spcBef>
-              <a:spcAft>
-                <a:spcPts val="0"/>
-              </a:spcAft>
-              <a:buClr>
-                <a:schemeClr val="dk2"/>
-              </a:buClr>
-              <a:buSzPts val="4000"/>
-              <a:buFont typeface="Roboto Black"/>
-              <a:buNone/>
-            </a:pPr>
-            <a:r>
-              <a:rPr lang="en-US" sz="4000" dirty="0">
-                <a:solidFill>
-                  <a:schemeClr val="tx2"/>
-                </a:solidFill>
-              </a:rPr>
-              <a:t>ABSTRACT</a:t>
-            </a:r>
-            <a:endParaRPr dirty="0">
-              <a:solidFill>
-                <a:schemeClr val="tx2"/>
-              </a:solidFill>
-            </a:endParaRPr>
-          </a:p>
-        </p:txBody>
-      </p:sp>
-      <p:pic>
-        <p:nvPicPr>
-          <p:cNvPr id="3" name="Picture 2"/>
-          <p:cNvPicPr>
-            <a:picLocks noChangeAspect="1"/>
-          </p:cNvPicPr>
+      </p:pic>
+      <p:sp>
+        <p:nvSpPr>
+          <p:cNvPr id="11" name="Google Shape;16;p1"/>
+          <p:cNvSpPr txBox="1">
+            <a:spLocks/>
+          </p:cNvSpPr>
           <p:nvPr/>
-        </p:nvPicPr>
-        <p:blipFill>
-          <a:blip r:embed="rId2">
-            <a:extLst>
-              <a:ext uri="{28A0092B-C50C-407E-A947-70E740481C1C}">
-                <a14:useLocalDpi xmlns:a14="http://schemas.microsoft.com/office/drawing/2010/main" val="0"/>
-              </a:ext>
-            </a:extLst>
-          </a:blip>
-          <a:stretch>
-            <a:fillRect/>
-          </a:stretch>
-        </p:blipFill>
+        </p:nvSpPr>
         <p:spPr>
           <a:xfrm>
-            <a:off x="4535688" y="4215673"/>
-            <a:ext cx="3907920" cy="2604629"/>
-          </a:xfrm>
-          <a:prstGeom prst="rect">
-            <a:avLst/>
-          </a:prstGeom>
-        </p:spPr>
-      </p:pic>
-      <p:sp>
-        <p:nvSpPr>
-          <p:cNvPr id="7" name="Google Shape;16;p1"/>
-          <p:cNvSpPr txBox="1">
-            <a:spLocks noGrp="1"/>
-          </p:cNvSpPr>
-          <p:nvPr>
-            <p:ph idx="1"/>
-          </p:nvPr>
-        </p:nvSpPr>
-        <p:spPr>
-          <a:xfrm>
-            <a:off x="543413" y="1815964"/>
-            <a:ext cx="7672471" cy="4287600"/>
+            <a:off x="3560322" y="831714"/>
+            <a:ext cx="4494179" cy="5486401"/>
           </a:xfrm>
           <a:prstGeom prst="rect">
             <a:avLst/>
@@ -5415,12 +6220,254 @@
           </a:ln>
         </p:spPr>
         <p:txBody>
-          <a:bodyPr spcFirstLastPara="1" wrap="square" lIns="91425" tIns="45700" rIns="91425" bIns="45700" anchor="t" anchorCtr="0">
+          <a:bodyPr spcFirstLastPara="1" vert="horz" wrap="square" lIns="91425" tIns="45700" rIns="91425" bIns="45700" rtlCol="0" anchor="t" anchorCtr="0">
             <a:noAutofit/>
           </a:bodyPr>
-          <a:lstStyle/>
-          <a:p>
-            <a:pPr marL="342900" lvl="0" indent="-355600" algn="just" rtl="0">
+          <a:lstStyle>
+            <a:lvl1pPr marL="137160" indent="-137160" algn="l" defTabSz="685800" rtl="0" eaLnBrk="1" latinLnBrk="0" hangingPunct="1">
+              <a:lnSpc>
+                <a:spcPct val="95000"/>
+              </a:lnSpc>
+              <a:spcBef>
+                <a:spcPts val="1050"/>
+              </a:spcBef>
+              <a:spcAft>
+                <a:spcPts val="150"/>
+              </a:spcAft>
+              <a:buClr>
+                <a:schemeClr val="accent1"/>
+              </a:buClr>
+              <a:buSzPct val="80000"/>
+              <a:buFont typeface="Arial" pitchFamily="34" charset="0"/>
+              <a:buChar char="•"/>
+              <a:defRPr sz="1350" kern="1200" spc="8" baseline="0">
+                <a:solidFill>
+                  <a:schemeClr val="tx1"/>
+                </a:solidFill>
+                <a:latin typeface="+mn-lt"/>
+                <a:ea typeface="+mn-ea"/>
+                <a:cs typeface="+mn-cs"/>
+              </a:defRPr>
+            </a:lvl1pPr>
+            <a:lvl2pPr marL="342900" indent="-137160" algn="l" defTabSz="685800" rtl="0" eaLnBrk="1" latinLnBrk="0" hangingPunct="1">
+              <a:lnSpc>
+                <a:spcPct val="90000"/>
+              </a:lnSpc>
+              <a:spcBef>
+                <a:spcPts val="225"/>
+              </a:spcBef>
+              <a:spcAft>
+                <a:spcPts val="225"/>
+              </a:spcAft>
+              <a:buClr>
+                <a:schemeClr val="accent1"/>
+              </a:buClr>
+              <a:buFont typeface="Wingdings 2" pitchFamily="18" charset="2"/>
+              <a:buChar char=""/>
+              <a:defRPr sz="1200" kern="1200">
+                <a:solidFill>
+                  <a:schemeClr val="tx1">
+                    <a:lumMod val="85000"/>
+                    <a:lumOff val="15000"/>
+                  </a:schemeClr>
+                </a:solidFill>
+                <a:latin typeface="+mn-lt"/>
+                <a:ea typeface="+mn-ea"/>
+                <a:cs typeface="+mn-cs"/>
+              </a:defRPr>
+            </a:lvl2pPr>
+            <a:lvl3pPr marL="548640" indent="-137160" algn="l" defTabSz="685800" rtl="0" eaLnBrk="1" latinLnBrk="0" hangingPunct="1">
+              <a:lnSpc>
+                <a:spcPct val="90000"/>
+              </a:lnSpc>
+              <a:spcBef>
+                <a:spcPts val="225"/>
+              </a:spcBef>
+              <a:spcAft>
+                <a:spcPts val="225"/>
+              </a:spcAft>
+              <a:buClr>
+                <a:schemeClr val="accent1"/>
+              </a:buClr>
+              <a:buFont typeface="Wingdings 2" pitchFamily="18" charset="2"/>
+              <a:buChar char=""/>
+              <a:defRPr sz="1050" kern="1200">
+                <a:solidFill>
+                  <a:schemeClr val="tx1">
+                    <a:lumMod val="85000"/>
+                    <a:lumOff val="15000"/>
+                  </a:schemeClr>
+                </a:solidFill>
+                <a:latin typeface="+mn-lt"/>
+                <a:ea typeface="+mn-ea"/>
+                <a:cs typeface="+mn-cs"/>
+              </a:defRPr>
+            </a:lvl3pPr>
+            <a:lvl4pPr marL="754380" indent="-137160" algn="l" defTabSz="685800" rtl="0" eaLnBrk="1" latinLnBrk="0" hangingPunct="1">
+              <a:lnSpc>
+                <a:spcPct val="90000"/>
+              </a:lnSpc>
+              <a:spcBef>
+                <a:spcPts val="225"/>
+              </a:spcBef>
+              <a:spcAft>
+                <a:spcPts val="225"/>
+              </a:spcAft>
+              <a:buClr>
+                <a:schemeClr val="accent1"/>
+              </a:buClr>
+              <a:buFont typeface="Wingdings 2" pitchFamily="18" charset="2"/>
+              <a:buChar char=""/>
+              <a:defRPr sz="1050" kern="1200">
+                <a:solidFill>
+                  <a:schemeClr val="tx1">
+                    <a:lumMod val="85000"/>
+                    <a:lumOff val="15000"/>
+                  </a:schemeClr>
+                </a:solidFill>
+                <a:latin typeface="+mn-lt"/>
+                <a:ea typeface="+mn-ea"/>
+                <a:cs typeface="+mn-cs"/>
+              </a:defRPr>
+            </a:lvl4pPr>
+            <a:lvl5pPr marL="960120" indent="-137160" algn="l" defTabSz="685800" rtl="0" eaLnBrk="1" latinLnBrk="0" hangingPunct="1">
+              <a:lnSpc>
+                <a:spcPct val="90000"/>
+              </a:lnSpc>
+              <a:spcBef>
+                <a:spcPts val="225"/>
+              </a:spcBef>
+              <a:spcAft>
+                <a:spcPts val="225"/>
+              </a:spcAft>
+              <a:buClr>
+                <a:schemeClr val="accent1"/>
+              </a:buClr>
+              <a:buFont typeface="Wingdings 2" pitchFamily="18" charset="2"/>
+              <a:buChar char=""/>
+              <a:defRPr sz="1050" kern="1200">
+                <a:solidFill>
+                  <a:schemeClr val="tx1">
+                    <a:lumMod val="85000"/>
+                    <a:lumOff val="15000"/>
+                  </a:schemeClr>
+                </a:solidFill>
+                <a:latin typeface="+mn-lt"/>
+                <a:ea typeface="+mn-ea"/>
+                <a:cs typeface="+mn-cs"/>
+              </a:defRPr>
+            </a:lvl5pPr>
+            <a:lvl6pPr marL="1200000" indent="-171450" algn="l" defTabSz="685800" rtl="0" eaLnBrk="1" latinLnBrk="0" hangingPunct="1">
+              <a:lnSpc>
+                <a:spcPct val="90000"/>
+              </a:lnSpc>
+              <a:spcBef>
+                <a:spcPts val="225"/>
+              </a:spcBef>
+              <a:spcAft>
+                <a:spcPts val="225"/>
+              </a:spcAft>
+              <a:buClr>
+                <a:schemeClr val="accent1"/>
+              </a:buClr>
+              <a:buFont typeface="Wingdings 2" pitchFamily="18" charset="2"/>
+              <a:buChar char=""/>
+              <a:defRPr sz="1050" kern="1200">
+                <a:solidFill>
+                  <a:schemeClr val="tx1">
+                    <a:lumMod val="85000"/>
+                    <a:lumOff val="15000"/>
+                  </a:schemeClr>
+                </a:solidFill>
+                <a:latin typeface="+mn-lt"/>
+                <a:ea typeface="+mn-ea"/>
+                <a:cs typeface="+mn-cs"/>
+              </a:defRPr>
+            </a:lvl6pPr>
+            <a:lvl7pPr marL="1425000" indent="-171450" algn="l" defTabSz="685800" rtl="0" eaLnBrk="1" latinLnBrk="0" hangingPunct="1">
+              <a:lnSpc>
+                <a:spcPct val="90000"/>
+              </a:lnSpc>
+              <a:spcBef>
+                <a:spcPts val="225"/>
+              </a:spcBef>
+              <a:spcAft>
+                <a:spcPts val="225"/>
+              </a:spcAft>
+              <a:buClr>
+                <a:schemeClr val="accent1"/>
+              </a:buClr>
+              <a:buFont typeface="Wingdings 2" pitchFamily="18" charset="2"/>
+              <a:buChar char=""/>
+              <a:defRPr sz="1050" kern="1200">
+                <a:solidFill>
+                  <a:schemeClr val="tx1">
+                    <a:lumMod val="85000"/>
+                    <a:lumOff val="15000"/>
+                  </a:schemeClr>
+                </a:solidFill>
+                <a:latin typeface="+mn-lt"/>
+                <a:ea typeface="+mn-ea"/>
+                <a:cs typeface="+mn-cs"/>
+              </a:defRPr>
+            </a:lvl7pPr>
+            <a:lvl8pPr marL="1650000" indent="-171450" algn="l" defTabSz="685800" rtl="0" eaLnBrk="1" latinLnBrk="0" hangingPunct="1">
+              <a:lnSpc>
+                <a:spcPct val="90000"/>
+              </a:lnSpc>
+              <a:spcBef>
+                <a:spcPts val="225"/>
+              </a:spcBef>
+              <a:spcAft>
+                <a:spcPts val="225"/>
+              </a:spcAft>
+              <a:buClr>
+                <a:schemeClr val="accent1"/>
+              </a:buClr>
+              <a:buFont typeface="Wingdings 2" pitchFamily="18" charset="2"/>
+              <a:buChar char=""/>
+              <a:defRPr sz="1050" kern="1200">
+                <a:solidFill>
+                  <a:schemeClr val="tx1">
+                    <a:lumMod val="85000"/>
+                    <a:lumOff val="15000"/>
+                  </a:schemeClr>
+                </a:solidFill>
+                <a:latin typeface="+mn-lt"/>
+                <a:ea typeface="+mn-ea"/>
+                <a:cs typeface="+mn-cs"/>
+              </a:defRPr>
+            </a:lvl8pPr>
+            <a:lvl9pPr marL="1875000" indent="-171450" algn="l" defTabSz="685800" rtl="0" eaLnBrk="1" latinLnBrk="0" hangingPunct="1">
+              <a:lnSpc>
+                <a:spcPct val="90000"/>
+              </a:lnSpc>
+              <a:spcBef>
+                <a:spcPts val="225"/>
+              </a:spcBef>
+              <a:spcAft>
+                <a:spcPts val="225"/>
+              </a:spcAft>
+              <a:buClr>
+                <a:schemeClr val="accent1"/>
+              </a:buClr>
+              <a:buFont typeface="Wingdings 2" pitchFamily="18" charset="2"/>
+              <a:buChar char=""/>
+              <a:defRPr sz="1050" kern="1200">
+                <a:solidFill>
+                  <a:schemeClr val="tx1">
+                    <a:lumMod val="85000"/>
+                    <a:lumOff val="15000"/>
+                  </a:schemeClr>
+                </a:solidFill>
+                <a:latin typeface="+mn-lt"/>
+                <a:ea typeface="+mn-ea"/>
+                <a:cs typeface="+mn-cs"/>
+              </a:defRPr>
+            </a:lvl9pPr>
+          </a:lstStyle>
+          <a:p>
+            <a:pPr marL="342900" indent="-355600" algn="just">
               <a:spcBef>
                 <a:spcPts val="1200"/>
               </a:spcBef>
@@ -5435,30 +6482,19 @@
               <a:buChar char="•"/>
             </a:pPr>
             <a:r>
-              <a:rPr lang="en-US" sz="2000" b="0" dirty="0">
+              <a:rPr lang="en-US" sz="2400" dirty="0" smtClean="0">
                 <a:solidFill>
                   <a:schemeClr val="dk1"/>
                 </a:solidFill>
-                <a:ea typeface="Roboto Light"/>
                 <a:cs typeface="Calibri" panose="020F0502020204030204" pitchFamily="34" charset="0"/>
-                <a:sym typeface="Roboto Light"/>
               </a:rPr>
-              <a:t>Smartphones have become increasingly popular among teenagers and are always with them. </a:t>
-            </a:r>
-            <a:endParaRPr sz="2000" dirty="0">
-              <a:solidFill>
-                <a:schemeClr val="dk1"/>
-              </a:solidFill>
-              <a:cs typeface="Calibri" panose="020F0502020204030204" pitchFamily="34" charset="0"/>
-            </a:endParaRPr>
-          </a:p>
-          <a:p>
-            <a:pPr marL="342900" lvl="0" indent="-355600" algn="just" rtl="0">
-              <a:lnSpc>
-                <a:spcPct val="100000"/>
-              </a:lnSpc>
+              <a:t>Introduction</a:t>
+            </a:r>
+          </a:p>
+          <a:p>
+            <a:pPr marL="342900" indent="-355600" algn="just">
               <a:spcBef>
-                <a:spcPts val="0"/>
+                <a:spcPts val="1200"/>
               </a:spcBef>
               <a:spcAft>
                 <a:spcPts val="0"/>
@@ -5471,51 +6507,19 @@
               <a:buChar char="•"/>
             </a:pPr>
             <a:r>
-              <a:rPr lang="en-US" sz="2000" b="0" dirty="0">
+              <a:rPr lang="en-US" sz="2400" dirty="0" smtClean="0">
                 <a:solidFill>
                   <a:schemeClr val="dk1"/>
                 </a:solidFill>
-                <a:ea typeface="Roboto Light"/>
                 <a:cs typeface="Calibri" panose="020F0502020204030204" pitchFamily="34" charset="0"/>
-                <a:sym typeface="Roboto Light"/>
               </a:rPr>
-              <a:t>Attendance tracking can be taken to the upgraded level through new technologies like </a:t>
-            </a:r>
-            <a:r>
-              <a:rPr lang="en-US" sz="2000" b="0" dirty="0" err="1">
-                <a:solidFill>
-                  <a:schemeClr val="dk1"/>
-                </a:solidFill>
-                <a:ea typeface="Roboto Light"/>
-                <a:cs typeface="Calibri" panose="020F0502020204030204" pitchFamily="34" charset="0"/>
-                <a:sym typeface="Roboto Light"/>
-              </a:rPr>
-              <a:t>geofencing</a:t>
-            </a:r>
-            <a:r>
-              <a:rPr lang="en-US" sz="2000" b="0" dirty="0">
-                <a:solidFill>
-                  <a:schemeClr val="dk1"/>
-                </a:solidFill>
-                <a:ea typeface="Roboto Light"/>
-                <a:cs typeface="Calibri" panose="020F0502020204030204" pitchFamily="34" charset="0"/>
-                <a:sym typeface="Roboto Light"/>
-              </a:rPr>
-              <a:t>. </a:t>
-            </a:r>
-            <a:endParaRPr sz="2000" b="0" dirty="0">
-              <a:solidFill>
-                <a:schemeClr val="dk1"/>
-              </a:solidFill>
-              <a:ea typeface="Roboto Light"/>
-              <a:cs typeface="Calibri" panose="020F0502020204030204" pitchFamily="34" charset="0"/>
-              <a:sym typeface="Roboto Light"/>
-            </a:endParaRPr>
-          </a:p>
-          <a:p>
-            <a:pPr marL="342900" lvl="0" indent="-355600" algn="just" rtl="0">
+              <a:t>Abstract</a:t>
+            </a:r>
+          </a:p>
+          <a:p>
+            <a:pPr marL="342900" indent="-355600" algn="just">
               <a:spcBef>
-                <a:spcPts val="0"/>
+                <a:spcPts val="1200"/>
               </a:spcBef>
               <a:spcAft>
                 <a:spcPts val="0"/>
@@ -5528,29 +6532,19 @@
               <a:buChar char="•"/>
             </a:pPr>
             <a:r>
-              <a:rPr lang="en-US" sz="2000" b="0" dirty="0">
+              <a:rPr lang="en-US" sz="2400" dirty="0" smtClean="0">
                 <a:solidFill>
                   <a:schemeClr val="dk1"/>
                 </a:solidFill>
-                <a:ea typeface="Roboto Light"/>
                 <a:cs typeface="Calibri" panose="020F0502020204030204" pitchFamily="34" charset="0"/>
-                <a:sym typeface="Roboto Light"/>
               </a:rPr>
-              <a:t>System aims to capture attendance smartly by determining students location.</a:t>
-            </a:r>
-            <a:endParaRPr sz="2000" b="0" dirty="0">
-              <a:solidFill>
-                <a:schemeClr val="dk1"/>
-              </a:solidFill>
-              <a:ea typeface="Roboto Light"/>
-              <a:cs typeface="Calibri" panose="020F0502020204030204" pitchFamily="34" charset="0"/>
-              <a:sym typeface="Roboto Light"/>
-            </a:endParaRPr>
-          </a:p>
-          <a:p>
-            <a:pPr marL="342900" lvl="0" indent="-355600" algn="just" rtl="0">
+              <a:t>Literature Survey</a:t>
+            </a:r>
+          </a:p>
+          <a:p>
+            <a:pPr marL="342900" indent="-355600" algn="just">
               <a:spcBef>
-                <a:spcPts val="0"/>
+                <a:spcPts val="1200"/>
               </a:spcBef>
               <a:spcAft>
                 <a:spcPts val="0"/>
@@ -5559,37 +6553,23 @@
                 <a:schemeClr val="dk1"/>
               </a:buClr>
               <a:buSzPts val="2000"/>
+              <a:buFont typeface="Roboto Light"/>
               <a:buChar char="•"/>
             </a:pPr>
             <a:r>
-              <a:rPr lang="en-US" sz="2000" dirty="0" err="1">
+              <a:rPr lang="en-US" sz="2400" dirty="0" smtClean="0">
                 <a:solidFill>
                   <a:schemeClr val="dk1"/>
                 </a:solidFill>
                 <a:cs typeface="Calibri" panose="020F0502020204030204" pitchFamily="34" charset="0"/>
               </a:rPr>
-              <a:t>Geofencing</a:t>
-            </a:r>
-            <a:r>
-              <a:rPr lang="en-US" sz="2000" dirty="0">
-                <a:solidFill>
-                  <a:schemeClr val="dk1"/>
-                </a:solidFill>
-                <a:cs typeface="Calibri" panose="020F0502020204030204" pitchFamily="34" charset="0"/>
-              </a:rPr>
-              <a:t> is a location-based service that allows a particular entity to perform actions based on smartphone users location when they enter a </a:t>
-            </a:r>
-            <a:endParaRPr lang="en-US" sz="2000" dirty="0" smtClean="0">
-              <a:solidFill>
-                <a:schemeClr val="dk1"/>
-              </a:solidFill>
-              <a:cs typeface="Calibri" panose="020F0502020204030204" pitchFamily="34" charset="0"/>
-            </a:endParaRPr>
-          </a:p>
-          <a:p>
-            <a:pPr marL="0" lvl="0" indent="0" algn="just" rtl="0">
+              <a:t>Problem Statement</a:t>
+            </a:r>
+          </a:p>
+          <a:p>
+            <a:pPr marL="342900" indent="-355600" algn="just">
               <a:spcBef>
-                <a:spcPts val="0"/>
+                <a:spcPts val="1200"/>
               </a:spcBef>
               <a:spcAft>
                 <a:spcPts val="0"/>
@@ -5598,40 +6578,23 @@
                 <a:schemeClr val="dk1"/>
               </a:buClr>
               <a:buSzPts val="2000"/>
-              <a:buNone/>
+              <a:buFont typeface="Roboto Light"/>
+              <a:buChar char="•"/>
             </a:pPr>
             <a:r>
-              <a:rPr lang="en-US" sz="2000" dirty="0" smtClean="0">
+              <a:rPr lang="en-US" sz="2400" dirty="0" smtClean="0">
                 <a:solidFill>
                   <a:schemeClr val="dk1"/>
                 </a:solidFill>
                 <a:cs typeface="Calibri" panose="020F0502020204030204" pitchFamily="34" charset="0"/>
               </a:rPr>
-              <a:t>     predetermined </a:t>
-            </a:r>
-            <a:r>
-              <a:rPr lang="en-US" sz="2000" dirty="0">
-                <a:solidFill>
-                  <a:schemeClr val="dk1"/>
-                </a:solidFill>
-                <a:cs typeface="Calibri" panose="020F0502020204030204" pitchFamily="34" charset="0"/>
-              </a:rPr>
-              <a:t>location, </a:t>
-            </a:r>
-            <a:r>
-              <a:rPr lang="en-US" sz="2000" dirty="0" smtClean="0">
-                <a:solidFill>
-                  <a:schemeClr val="dk1"/>
-                </a:solidFill>
-                <a:cs typeface="Calibri" panose="020F0502020204030204" pitchFamily="34" charset="0"/>
-              </a:rPr>
-              <a:t>known </a:t>
-            </a:r>
-          </a:p>
-          <a:p>
-            <a:pPr marL="0" lvl="0" indent="0" algn="just" rtl="0">
+              <a:t>Proposed Methodology</a:t>
+            </a:r>
+          </a:p>
+          <a:p>
+            <a:pPr marL="342900" indent="-355600" algn="just">
               <a:spcBef>
-                <a:spcPts val="0"/>
+                <a:spcPts val="1200"/>
               </a:spcBef>
               <a:spcAft>
                 <a:spcPts val="0"/>
@@ -5640,54 +6603,130 @@
                 <a:schemeClr val="dk1"/>
               </a:buClr>
               <a:buSzPts val="2000"/>
-              <a:buNone/>
+              <a:buFont typeface="Roboto Light"/>
+              <a:buChar char="•"/>
             </a:pPr>
             <a:r>
-              <a:rPr lang="en-US" sz="2000" dirty="0">
+              <a:rPr lang="en-US" sz="2400" dirty="0" smtClean="0">
                 <a:solidFill>
                   <a:schemeClr val="dk1"/>
                 </a:solidFill>
                 <a:cs typeface="Calibri" panose="020F0502020204030204" pitchFamily="34" charset="0"/>
               </a:rPr>
-              <a:t> </a:t>
-            </a:r>
-            <a:r>
-              <a:rPr lang="en-US" sz="2000" dirty="0" smtClean="0">
+              <a:t>DFD level 0 and Timeline chart</a:t>
+            </a:r>
+          </a:p>
+          <a:p>
+            <a:pPr marL="342900" indent="-355600" algn="just">
+              <a:spcBef>
+                <a:spcPts val="1200"/>
+              </a:spcBef>
+              <a:spcAft>
+                <a:spcPts val="0"/>
+              </a:spcAft>
+              <a:buClr>
+                <a:schemeClr val="dk1"/>
+              </a:buClr>
+              <a:buSzPts val="2000"/>
+              <a:buFont typeface="Roboto Light"/>
+              <a:buChar char="•"/>
+            </a:pPr>
+            <a:r>
+              <a:rPr lang="en-US" sz="2400" dirty="0" smtClean="0">
                 <a:solidFill>
                   <a:schemeClr val="dk1"/>
                 </a:solidFill>
                 <a:cs typeface="Calibri" panose="020F0502020204030204" pitchFamily="34" charset="0"/>
               </a:rPr>
-              <a:t>    </a:t>
-            </a:r>
-            <a:r>
-              <a:rPr lang="en-US" sz="2000" dirty="0" smtClean="0">
+              <a:t>Use Case Diagram</a:t>
+            </a:r>
+          </a:p>
+          <a:p>
+            <a:pPr marL="342900" indent="-355600" algn="just">
+              <a:spcBef>
+                <a:spcPts val="1200"/>
+              </a:spcBef>
+              <a:spcAft>
+                <a:spcPts val="0"/>
+              </a:spcAft>
+              <a:buClr>
+                <a:schemeClr val="dk1"/>
+              </a:buClr>
+              <a:buSzPts val="2000"/>
+              <a:buFont typeface="Roboto Light"/>
+              <a:buChar char="•"/>
+            </a:pPr>
+            <a:r>
+              <a:rPr lang="en-US" sz="2400" dirty="0" smtClean="0">
                 <a:solidFill>
                   <a:schemeClr val="dk1"/>
                 </a:solidFill>
                 <a:cs typeface="Calibri" panose="020F0502020204030204" pitchFamily="34" charset="0"/>
               </a:rPr>
-              <a:t>as </a:t>
-            </a:r>
-            <a:r>
-              <a:rPr lang="en-US" sz="2000" dirty="0">
-                <a:solidFill>
-                  <a:schemeClr val="dk1"/>
-                </a:solidFill>
-                <a:cs typeface="Calibri" panose="020F0502020204030204" pitchFamily="34" charset="0"/>
-              </a:rPr>
-              <a:t>a geo-fence.</a:t>
-            </a:r>
-            <a:endParaRPr sz="2000" dirty="0">
+              <a:t>Class Diagram</a:t>
+            </a:r>
+            <a:endParaRPr lang="en-US" sz="2400" dirty="0">
               <a:solidFill>
                 <a:schemeClr val="dk1"/>
               </a:solidFill>
               <a:cs typeface="Calibri" panose="020F0502020204030204" pitchFamily="34" charset="0"/>
             </a:endParaRPr>
           </a:p>
+          <a:p>
+            <a:pPr marL="342900" indent="-355600" algn="just">
+              <a:spcBef>
+                <a:spcPts val="1200"/>
+              </a:spcBef>
+              <a:spcAft>
+                <a:spcPts val="0"/>
+              </a:spcAft>
+              <a:buClr>
+                <a:schemeClr val="dk1"/>
+              </a:buClr>
+              <a:buSzPts val="2000"/>
+              <a:buFont typeface="Roboto Light"/>
+              <a:buChar char="•"/>
+            </a:pPr>
+            <a:r>
+              <a:rPr lang="en-US" sz="2400" dirty="0" smtClean="0">
+                <a:solidFill>
+                  <a:schemeClr val="dk1"/>
+                </a:solidFill>
+                <a:cs typeface="Calibri" panose="020F0502020204030204" pitchFamily="34" charset="0"/>
+              </a:rPr>
+              <a:t>Technology Stack</a:t>
+            </a:r>
+          </a:p>
+          <a:p>
+            <a:pPr marL="342900" indent="-355600" algn="just">
+              <a:spcBef>
+                <a:spcPts val="1200"/>
+              </a:spcBef>
+              <a:spcAft>
+                <a:spcPts val="0"/>
+              </a:spcAft>
+              <a:buClr>
+                <a:schemeClr val="dk1"/>
+              </a:buClr>
+              <a:buSzPts val="2000"/>
+              <a:buFont typeface="Roboto Light"/>
+              <a:buChar char="•"/>
+            </a:pPr>
+            <a:endParaRPr lang="en-US" sz="2400" dirty="0">
+              <a:solidFill>
+                <a:schemeClr val="dk1"/>
+              </a:solidFill>
+              <a:cs typeface="Calibri" panose="020F0502020204030204" pitchFamily="34" charset="0"/>
+            </a:endParaRPr>
+          </a:p>
         </p:txBody>
       </p:sp>
     </p:spTree>
+    <p:extLst>
+      <p:ext uri="{BB962C8B-B14F-4D97-AF65-F5344CB8AC3E}">
+        <p14:creationId xmlns:p14="http://schemas.microsoft.com/office/powerpoint/2010/main" val="3667455444"/>
+      </p:ext>
+    </p:extLst>
   </p:cSld>
   <p:clrMapOvr>
     <a:masterClrMapping/>
@@ -5707,7 +6746,7 @@
   <p:cSld>
     <p:spTree>
       <p:nvGrpSpPr>
-        <p:cNvPr id="1" name=""/>
+        <p:cNvPr id="1" name="Shape 14"/>
         <p:cNvGrpSpPr/>
         <p:nvPr/>
       </p:nvGrpSpPr>
@@ -5721,190 +6760,298 @@
       </p:grpSpPr>
       <p:sp>
         <p:nvSpPr>
-          <p:cNvPr id="2" name="Title Placeholder 1">
+          <p:cNvPr id="15" name="Google Shape;15;p1"/>
+          <p:cNvSpPr txBox="1">
+            <a:spLocks noGrp="1"/>
+          </p:cNvSpPr>
+          <p:nvPr>
+            <p:ph type="title"/>
+          </p:nvPr>
+        </p:nvSpPr>
+        <p:spPr>
+          <a:xfrm>
+            <a:off x="543413" y="732493"/>
+            <a:ext cx="7269480" cy="733466"/>
+          </a:xfrm>
+          <a:prstGeom prst="rect">
+            <a:avLst/>
+          </a:prstGeom>
+          <a:noFill/>
+          <a:ln>
+            <a:noFill/>
+          </a:ln>
+        </p:spPr>
+        <p:txBody>
+          <a:bodyPr spcFirstLastPara="1" wrap="square" lIns="91425" tIns="45700" rIns="91425" bIns="45700" anchor="b" anchorCtr="0">
+            <a:noAutofit/>
+          </a:bodyPr>
+          <a:lstStyle/>
+          <a:p>
+            <a:pPr lvl="0">
+              <a:lnSpc>
+                <a:spcPct val="85000"/>
+              </a:lnSpc>
+              <a:spcBef>
+                <a:spcPts val="0"/>
+              </a:spcBef>
+              <a:buClr>
+                <a:schemeClr val="dk2"/>
+              </a:buClr>
+              <a:buSzPts val="4000"/>
+            </a:pPr>
+            <a:r>
+              <a:rPr lang="en-US" sz="4000" dirty="0">
+                <a:solidFill>
+                  <a:schemeClr val="tx2"/>
+                </a:solidFill>
+              </a:rPr>
+              <a:t>Introduction</a:t>
+            </a:r>
+            <a:endParaRPr dirty="0">
+              <a:solidFill>
+                <a:schemeClr val="tx2"/>
+              </a:solidFill>
+            </a:endParaRPr>
+          </a:p>
+        </p:txBody>
+      </p:sp>
+      <p:sp>
+        <p:nvSpPr>
+          <p:cNvPr id="7" name="Google Shape;16;p1"/>
+          <p:cNvSpPr txBox="1">
+            <a:spLocks noGrp="1"/>
+          </p:cNvSpPr>
+          <p:nvPr>
+            <p:ph idx="1"/>
+          </p:nvPr>
+        </p:nvSpPr>
+        <p:spPr>
+          <a:xfrm>
+            <a:off x="543413" y="1621411"/>
+            <a:ext cx="7672471" cy="4769662"/>
+          </a:xfrm>
+          <a:prstGeom prst="rect">
+            <a:avLst/>
+          </a:prstGeom>
+          <a:noFill/>
+          <a:ln>
+            <a:noFill/>
+          </a:ln>
+        </p:spPr>
+        <p:txBody>
+          <a:bodyPr spcFirstLastPara="1" wrap="square" lIns="91425" tIns="45700" rIns="91425" bIns="45700" anchor="t" anchorCtr="0">
+            <a:noAutofit/>
+          </a:bodyPr>
+          <a:lstStyle/>
+          <a:p>
+            <a:pPr algn="just"/>
+            <a:r>
+              <a:rPr lang="en-US" sz="2000" dirty="0"/>
+              <a:t>Attendance </a:t>
+            </a:r>
+            <a:r>
+              <a:rPr lang="en-US" sz="2000" dirty="0" smtClean="0"/>
+              <a:t>tracking </a:t>
+            </a:r>
+            <a:r>
+              <a:rPr lang="en-US" sz="2000" dirty="0"/>
+              <a:t>is a </a:t>
+            </a:r>
+            <a:r>
+              <a:rPr lang="en-US" sz="2000" b="1" dirty="0">
+                <a:solidFill>
+                  <a:schemeClr val="tx2">
+                    <a:lumMod val="50000"/>
+                  </a:schemeClr>
+                </a:solidFill>
+              </a:rPr>
+              <a:t>time consuming</a:t>
+            </a:r>
+            <a:r>
+              <a:rPr lang="en-US" sz="2000" dirty="0"/>
+              <a:t> process </a:t>
+            </a:r>
+            <a:r>
+              <a:rPr lang="en-US" sz="2000" dirty="0" smtClean="0"/>
+              <a:t>determining </a:t>
+            </a:r>
+            <a:r>
+              <a:rPr lang="en-US" sz="2000" dirty="0"/>
+              <a:t>the performance of the organization/institution. </a:t>
+            </a:r>
+          </a:p>
+          <a:p>
+            <a:pPr algn="just"/>
+            <a:r>
+              <a:rPr lang="en-US" sz="2000" dirty="0"/>
+              <a:t>Managing </a:t>
+            </a:r>
+            <a:r>
+              <a:rPr lang="en-US" sz="2000" dirty="0" smtClean="0"/>
+              <a:t>attendance </a:t>
+            </a:r>
+            <a:r>
+              <a:rPr lang="en-US" sz="2000" dirty="0"/>
+              <a:t>using the traditional methods </a:t>
+            </a:r>
+            <a:r>
+              <a:rPr lang="en-US" sz="2000" dirty="0" smtClean="0"/>
+              <a:t>becomes tedious </a:t>
+            </a:r>
+            <a:r>
+              <a:rPr lang="en-US" sz="2000" dirty="0"/>
+              <a:t>when we </a:t>
+            </a:r>
+            <a:r>
+              <a:rPr lang="en-US" sz="2000" dirty="0" smtClean="0"/>
+              <a:t>consider </a:t>
+            </a:r>
+            <a:r>
+              <a:rPr lang="en-US" sz="2000" dirty="0"/>
+              <a:t>a large population. </a:t>
+            </a:r>
+            <a:endParaRPr lang="en-US" sz="2000" dirty="0" smtClean="0"/>
+          </a:p>
+          <a:p>
+            <a:pPr algn="just"/>
+            <a:r>
+              <a:rPr lang="en-US" sz="2000" dirty="0"/>
+              <a:t>There is a dire need for an efficient system that can solve problems</a:t>
+            </a:r>
+            <a:r>
+              <a:rPr lang="en-US" sz="2000" dirty="0" smtClean="0"/>
+              <a:t>.</a:t>
+            </a:r>
+            <a:endParaRPr lang="en-US" sz="2000" dirty="0"/>
+          </a:p>
+          <a:p>
+            <a:pPr algn="just"/>
+            <a:r>
+              <a:rPr lang="en-US" sz="2000" dirty="0" smtClean="0"/>
+              <a:t>Therefore, </a:t>
+            </a:r>
+            <a:r>
+              <a:rPr lang="en-US" sz="2000" b="1" dirty="0" smtClean="0">
+                <a:solidFill>
+                  <a:schemeClr val="tx2">
+                    <a:lumMod val="50000"/>
+                  </a:schemeClr>
+                </a:solidFill>
+              </a:rPr>
+              <a:t>automated </a:t>
+            </a:r>
+            <a:r>
+              <a:rPr lang="en-US" sz="2000" b="1" dirty="0">
+                <a:solidFill>
+                  <a:schemeClr val="tx2">
+                    <a:lumMod val="50000"/>
+                  </a:schemeClr>
+                </a:solidFill>
+              </a:rPr>
+              <a:t>attendance </a:t>
+            </a:r>
+            <a:r>
+              <a:rPr lang="en-US" sz="2000" b="1" dirty="0" smtClean="0">
+                <a:solidFill>
+                  <a:schemeClr val="tx2">
+                    <a:lumMod val="50000"/>
+                  </a:schemeClr>
+                </a:solidFill>
+              </a:rPr>
+              <a:t>system </a:t>
+            </a:r>
+            <a:r>
+              <a:rPr lang="en-US" sz="2000" dirty="0" smtClean="0"/>
+              <a:t>becomes necessary to </a:t>
+            </a:r>
+            <a:r>
+              <a:rPr lang="en-US" sz="2000" dirty="0"/>
+              <a:t>organizations most especially in the educational </a:t>
+            </a:r>
+            <a:r>
+              <a:rPr lang="en-US" sz="2000" dirty="0" smtClean="0"/>
+              <a:t>sector.</a:t>
+            </a:r>
+          </a:p>
+          <a:p>
+            <a:r>
+              <a:rPr lang="en-US" sz="2000" dirty="0" smtClean="0"/>
+              <a:t>An </a:t>
+            </a:r>
+            <a:r>
+              <a:rPr lang="en-US" sz="2000" dirty="0"/>
+              <a:t>automated attendance system which works using a </a:t>
+            </a:r>
+            <a:r>
+              <a:rPr lang="en-US" sz="2000" b="1" dirty="0">
+                <a:solidFill>
+                  <a:schemeClr val="tx2">
+                    <a:lumMod val="50000"/>
+                  </a:schemeClr>
+                </a:solidFill>
+              </a:rPr>
+              <a:t>GPS tracking </a:t>
+            </a:r>
+            <a:r>
+              <a:rPr lang="en-US" sz="2000" dirty="0"/>
+              <a:t>system would provide the </a:t>
+            </a:r>
+            <a:r>
+              <a:rPr lang="en-US" sz="2000" dirty="0" smtClean="0"/>
+              <a:t>needed solution in almost all educational organizations. </a:t>
+            </a:r>
+            <a:r>
+              <a:rPr lang="en-US" sz="2000" dirty="0"/>
+              <a:t/>
+            </a:r>
+            <a:br>
+              <a:rPr lang="en-US" sz="2000" dirty="0"/>
+            </a:br>
+            <a:endParaRPr lang="en-US" sz="2000" dirty="0"/>
+          </a:p>
+          <a:p>
+            <a:pPr algn="just"/>
+            <a:endParaRPr lang="en-US" sz="2000" dirty="0"/>
+          </a:p>
+          <a:p>
+            <a:pPr algn="just"/>
+            <a:endParaRPr lang="en-US" sz="2000" dirty="0"/>
+          </a:p>
+        </p:txBody>
+      </p:sp>
+      <p:pic>
+        <p:nvPicPr>
+          <p:cNvPr id="2" name="Picture 1"/>
+          <p:cNvPicPr>
+            <a:picLocks noChangeAspect="1"/>
+          </p:cNvPicPr>
+          <p:nvPr/>
+        </p:nvPicPr>
+        <p:blipFill rotWithShape="1">
+          <a:blip r:embed="rId2">
             <a:extLst>
-              <a:ext uri="{C9BF8FED-7E40-45D2-B2EF-CC35134D71EA}">
-                <a16:creationId xmlns="" xmlns:c="http://schemas.openxmlformats.org/drawingml/2006/chart" xmlns:cs="http://schemas.microsoft.com/office/drawing/2012/chartStyle" xmlns:ns1="http://schemas.openxmlformats.org/officeDocument/2006/extended-properties" xmlns:vt="http://schemas.openxmlformats.org/officeDocument/2006/docPropsVTypes" xmlns:a16="http://schemas.microsoft.com/office/drawing/2010/main" id="{746CE2B7-AACB-488F-92DF-065E93A6C767}"/>
+              <a:ext uri="{28A0092B-C50C-407E-A947-70E740481C1C}">
+                <a14:useLocalDpi xmlns:a14="http://schemas.microsoft.com/office/drawing/2010/main" val="0"/>
               </a:ext>
             </a:extLst>
-          </p:cNvPr>
-          <p:cNvSpPr>
-            <a:spLocks noGrp="1"/>
-          </p:cNvSpPr>
-          <p:nvPr>
-            <p:ph type="title"/>
-          </p:nvPr>
-        </p:nvSpPr>
-        <p:spPr/>
-        <p:txBody>
-          <a:bodyPr rtlCol="0"/>
-          <a:lstStyle/>
-          <a:p>
-            <a:pPr algn="ctr"/>
-            <a:r>
-              <a:rPr lang="en-US" sz="4000" dirty="0"/>
-              <a:t>INTRODUCTION</a:t>
-            </a:r>
-          </a:p>
-        </p:txBody>
-      </p:sp>
-      <p:sp>
-        <p:nvSpPr>
-          <p:cNvPr id="3" name="Content Placeholder 2">
-            <a:extLst>
-              <a:ext uri="{0257C732-D4C1-49D0-B2F5-5607AA51471D}">
-                <a16:creationId xmlns="" xmlns:c="http://schemas.openxmlformats.org/drawingml/2006/chart" xmlns:cs="http://schemas.microsoft.com/office/drawing/2012/chartStyle" xmlns:ns1="http://schemas.openxmlformats.org/officeDocument/2006/extended-properties" xmlns:vt="http://schemas.openxmlformats.org/officeDocument/2006/docPropsVTypes" xmlns:a16="http://schemas.microsoft.com/office/drawing/2010/main" id="{C719AEFE-1DD3-4C0A-89EE-164DA334AF2A}"/>
-              </a:ext>
-            </a:extLst>
-          </p:cNvPr>
-          <p:cNvSpPr>
-            <a:spLocks noGrp="1"/>
-          </p:cNvSpPr>
-          <p:nvPr>
-            <p:ph idx="1"/>
-          </p:nvPr>
-        </p:nvSpPr>
+          </a:blip>
+          <a:srcRect t="46937" b="10251"/>
+          <a:stretch/>
+        </p:blipFill>
         <p:spPr>
-          <a:xfrm>
-            <a:off x="543601" y="1825199"/>
-            <a:ext cx="7952403" cy="4603547"/>
+          <a:xfrm rot="10800000">
+            <a:off x="6042393" y="891740"/>
+            <a:ext cx="2428875" cy="651945"/>
           </a:xfrm>
+          <a:prstGeom prst="rect">
+            <a:avLst/>
+          </a:prstGeom>
         </p:spPr>
-        <p:txBody>
-          <a:bodyPr vert="horz" rtlCol="0">
-            <a:normAutofit fontScale="55000" lnSpcReduction="20000"/>
-          </a:bodyPr>
-          <a:lstStyle/>
-          <a:p>
-            <a:pPr algn="just"/>
-            <a:r>
-              <a:rPr lang="en-US" sz="3600" dirty="0">
-                <a:solidFill>
-                  <a:schemeClr val="tx1"/>
-                </a:solidFill>
-              </a:rPr>
-              <a:t>Attendance keeping is a time consuming process and it also determines the performance of the organization/institution. </a:t>
-            </a:r>
-          </a:p>
-          <a:p>
-            <a:pPr algn="just"/>
-            <a:r>
-              <a:rPr lang="en-US" sz="3600" dirty="0">
-                <a:solidFill>
-                  <a:schemeClr val="tx1"/>
-                </a:solidFill>
-              </a:rPr>
-              <a:t>Managing these attendance using the traditional methods becomes more tedious when we have a large population. </a:t>
-            </a:r>
-          </a:p>
-          <a:p>
-            <a:pPr algn="just"/>
-            <a:r>
-              <a:rPr lang="en-US" sz="3600" dirty="0">
-                <a:solidFill>
-                  <a:schemeClr val="tx1"/>
-                </a:solidFill>
-              </a:rPr>
-              <a:t>Automated attendance system provides many benefits to organizations most especially in the educational sector. This reduces the need for a pen and paper based manual attendance system.</a:t>
-            </a:r>
-          </a:p>
-          <a:p>
-            <a:pPr algn="just"/>
-            <a:r>
-              <a:rPr lang="en-US" sz="3600" dirty="0">
-                <a:solidFill>
-                  <a:schemeClr val="tx1"/>
-                </a:solidFill>
-              </a:rPr>
-              <a:t>The traditional methods also have a risk of fake attendance which results in a negative impact on the system.</a:t>
-            </a:r>
-          </a:p>
-          <a:p>
-            <a:r>
-              <a:rPr lang="en-US" sz="3600" dirty="0">
-                <a:solidFill>
-                  <a:schemeClr val="tx1"/>
-                </a:solidFill>
-              </a:rPr>
-              <a:t>Thus, there is a dire need for an efficient system that can solve </a:t>
-            </a:r>
-            <a:r>
-              <a:rPr lang="en-US" sz="3600" dirty="0" smtClean="0">
-                <a:solidFill>
-                  <a:schemeClr val="tx1"/>
-                </a:solidFill>
-              </a:rPr>
-              <a:t>these problems</a:t>
-            </a:r>
-            <a:r>
-              <a:rPr lang="en-US" sz="3600" dirty="0">
-                <a:solidFill>
-                  <a:schemeClr val="tx1"/>
-                </a:solidFill>
-              </a:rPr>
-              <a:t>. </a:t>
-            </a:r>
-            <a:br>
-              <a:rPr lang="en-US" sz="3600" dirty="0">
-                <a:solidFill>
-                  <a:schemeClr val="tx1"/>
-                </a:solidFill>
-              </a:rPr>
-            </a:br>
-            <a:endParaRPr lang="en-US" sz="3600" dirty="0">
-              <a:solidFill>
-                <a:schemeClr val="tx1"/>
-              </a:solidFill>
-            </a:endParaRPr>
-          </a:p>
-          <a:p>
-            <a:r>
-              <a:rPr lang="en-US" sz="3600" dirty="0">
-                <a:solidFill>
-                  <a:schemeClr val="tx1"/>
-                </a:solidFill>
-              </a:rPr>
-              <a:t>An automated attendance system which works using a GPS tracking system </a:t>
-            </a:r>
-            <a:r>
-              <a:rPr lang="en-US" sz="3600" dirty="0" smtClean="0">
-                <a:solidFill>
-                  <a:schemeClr val="tx1"/>
-                </a:solidFill>
-              </a:rPr>
-              <a:t>would provide </a:t>
-            </a:r>
-            <a:r>
-              <a:rPr lang="en-US" sz="3600" dirty="0">
-                <a:solidFill>
-                  <a:schemeClr val="tx1"/>
-                </a:solidFill>
-              </a:rPr>
-              <a:t>the needed solution. </a:t>
-            </a:r>
-            <a:r>
-              <a:rPr lang="en-US" dirty="0"/>
-              <a:t/>
-            </a:r>
-            <a:br>
-              <a:rPr lang="en-US" dirty="0"/>
-            </a:br>
-            <a:endParaRPr lang="en-US" dirty="0"/>
-          </a:p>
-          <a:p>
-            <a:pPr algn="just"/>
-            <a:endParaRPr lang="en-US" dirty="0"/>
-          </a:p>
-          <a:p>
-            <a:pPr algn="just"/>
-            <a:endParaRPr lang="en-US" dirty="0"/>
-          </a:p>
-        </p:txBody>
-      </p:sp>
+      </p:pic>
     </p:spTree>
     <p:extLst>
-      <p:ext uri="{5485B503-7370-49AF-9F03-317717089A25}">
-        <p14:creationId xmlns="" xmlns:c="http://schemas.openxmlformats.org/drawingml/2006/chart" xmlns:cs="http://schemas.microsoft.com/office/drawing/2012/chartStyle" xmlns:ns1="http://schemas.openxmlformats.org/officeDocument/2006/extended-properties" xmlns:vt="http://schemas.openxmlformats.org/officeDocument/2006/docPropsVTypes" xmlns:p14="http://schemas.microsoft.com/office/powerpoint/2010/main" val="1658769465815"/>
+      <p:ext uri="{BB962C8B-B14F-4D97-AF65-F5344CB8AC3E}">
+        <p14:creationId xmlns:p14="http://schemas.microsoft.com/office/powerpoint/2010/main" val="1663211385"/>
       </p:ext>
     </p:extLst>
   </p:cSld>
@@ -5926,7 +7073,7 @@
   <p:cSld>
     <p:spTree>
       <p:nvGrpSpPr>
-        <p:cNvPr id="1" name=""/>
+        <p:cNvPr id="1" name="Shape 14"/>
         <p:cNvGrpSpPr/>
         <p:nvPr/>
       </p:nvGrpSpPr>
@@ -5940,44 +7087,805 @@
       </p:grpSpPr>
       <p:sp>
         <p:nvSpPr>
-          <p:cNvPr id="2" name="Title Placeholder 1">
+          <p:cNvPr id="15" name="Google Shape;15;p1"/>
+          <p:cNvSpPr txBox="1">
+            <a:spLocks noGrp="1"/>
+          </p:cNvSpPr>
+          <p:nvPr>
+            <p:ph type="title"/>
+          </p:nvPr>
+        </p:nvSpPr>
+        <p:spPr>
+          <a:xfrm>
+            <a:off x="543413" y="732493"/>
+            <a:ext cx="7269480" cy="733466"/>
+          </a:xfrm>
+          <a:prstGeom prst="rect">
+            <a:avLst/>
+          </a:prstGeom>
+          <a:noFill/>
+          <a:ln>
+            <a:noFill/>
+          </a:ln>
+        </p:spPr>
+        <p:txBody>
+          <a:bodyPr spcFirstLastPara="1" wrap="square" lIns="91425" tIns="45700" rIns="91425" bIns="45700" anchor="b" anchorCtr="0">
+            <a:noAutofit/>
+          </a:bodyPr>
+          <a:lstStyle/>
+          <a:p>
+            <a:pPr marL="0" lvl="0" indent="0" rtl="0">
+              <a:lnSpc>
+                <a:spcPct val="85000"/>
+              </a:lnSpc>
+              <a:spcBef>
+                <a:spcPts val="0"/>
+              </a:spcBef>
+              <a:spcAft>
+                <a:spcPts val="0"/>
+              </a:spcAft>
+              <a:buClr>
+                <a:schemeClr val="dk2"/>
+              </a:buClr>
+              <a:buSzPts val="4000"/>
+              <a:buFont typeface="Roboto Black"/>
+              <a:buNone/>
+            </a:pPr>
+            <a:r>
+              <a:rPr lang="en-US" sz="4000" dirty="0">
+                <a:solidFill>
+                  <a:schemeClr val="tx2"/>
+                </a:solidFill>
+              </a:rPr>
+              <a:t>ABSTRACT</a:t>
+            </a:r>
+            <a:endParaRPr dirty="0">
+              <a:solidFill>
+                <a:schemeClr val="tx2"/>
+              </a:solidFill>
+            </a:endParaRPr>
+          </a:p>
+        </p:txBody>
+      </p:sp>
+      <p:pic>
+        <p:nvPicPr>
+          <p:cNvPr id="3" name="Picture 2"/>
+          <p:cNvPicPr>
+            <a:picLocks noChangeAspect="1"/>
+          </p:cNvPicPr>
+          <p:nvPr/>
+        </p:nvPicPr>
+        <p:blipFill rotWithShape="1">
+          <a:blip r:embed="rId2">
             <a:extLst>
-              <a:ext uri="{24DDF236-78DF-487E-B747-002F909517E3}">
-                <a16:creationId xmlns="" xmlns:c="http://schemas.openxmlformats.org/drawingml/2006/chart" xmlns:cs="http://schemas.microsoft.com/office/drawing/2012/chartStyle" xmlns:ns1="http://schemas.openxmlformats.org/officeDocument/2006/extended-properties" xmlns:vt="http://schemas.openxmlformats.org/officeDocument/2006/docPropsVTypes" xmlns:a16="http://schemas.microsoft.com/office/drawing/2010/main" id="{3F5EC311-5167-44EE-95D6-3621EABA52FA}"/>
+              <a:ext uri="{28A0092B-C50C-407E-A947-70E740481C1C}">
+                <a14:useLocalDpi xmlns:a14="http://schemas.microsoft.com/office/drawing/2010/main" val="0"/>
               </a:ext>
             </a:extLst>
-          </p:cNvPr>
-          <p:cNvSpPr>
+          </a:blip>
+          <a:srcRect b="5275"/>
+          <a:stretch/>
+        </p:blipFill>
+        <p:spPr>
+          <a:xfrm>
+            <a:off x="4555143" y="4303222"/>
+            <a:ext cx="3907920" cy="2467229"/>
+          </a:xfrm>
+          <a:prstGeom prst="rect">
+            <a:avLst/>
+          </a:prstGeom>
+        </p:spPr>
+      </p:pic>
+      <p:sp>
+        <p:nvSpPr>
+          <p:cNvPr id="7" name="Google Shape;16;p1"/>
+          <p:cNvSpPr txBox="1">
             <a:spLocks noGrp="1"/>
           </p:cNvSpPr>
           <p:nvPr>
+            <p:ph idx="1"/>
+          </p:nvPr>
+        </p:nvSpPr>
+        <p:spPr>
+          <a:xfrm>
+            <a:off x="543413" y="1815964"/>
+            <a:ext cx="7672471" cy="4419466"/>
+          </a:xfrm>
+          <a:prstGeom prst="rect">
+            <a:avLst/>
+          </a:prstGeom>
+          <a:noFill/>
+          <a:ln>
+            <a:noFill/>
+          </a:ln>
+        </p:spPr>
+        <p:txBody>
+          <a:bodyPr spcFirstLastPara="1" wrap="square" lIns="91425" tIns="45700" rIns="91425" bIns="45700" anchor="t" anchorCtr="0">
+            <a:noAutofit/>
+          </a:bodyPr>
+          <a:lstStyle/>
+          <a:p>
+            <a:pPr marL="342900" lvl="0" indent="-355600" algn="just" rtl="0">
+              <a:lnSpc>
+                <a:spcPct val="100000"/>
+              </a:lnSpc>
+              <a:spcBef>
+                <a:spcPts val="1200"/>
+              </a:spcBef>
+              <a:spcAft>
+                <a:spcPts val="0"/>
+              </a:spcAft>
+              <a:buClr>
+                <a:schemeClr val="dk1"/>
+              </a:buClr>
+              <a:buSzPts val="2000"/>
+              <a:buFont typeface="Roboto Light"/>
+              <a:buChar char="•"/>
+            </a:pPr>
+            <a:r>
+              <a:rPr lang="en-US" sz="2000" b="1" dirty="0">
+                <a:solidFill>
+                  <a:schemeClr val="tx2">
+                    <a:lumMod val="50000"/>
+                  </a:schemeClr>
+                </a:solidFill>
+                <a:ea typeface="Roboto Light"/>
+                <a:cs typeface="Calibri" panose="020F0502020204030204" pitchFamily="34" charset="0"/>
+                <a:sym typeface="Roboto Light"/>
+              </a:rPr>
+              <a:t>Smartphones</a:t>
+            </a:r>
+            <a:r>
+              <a:rPr lang="en-US" sz="2000" b="0" dirty="0">
+                <a:solidFill>
+                  <a:schemeClr val="dk1"/>
+                </a:solidFill>
+                <a:ea typeface="Roboto Light"/>
+                <a:cs typeface="Calibri" panose="020F0502020204030204" pitchFamily="34" charset="0"/>
+                <a:sym typeface="Roboto Light"/>
+              </a:rPr>
+              <a:t> have become increasingly popular among teenagers and are always with them. </a:t>
+            </a:r>
+            <a:endParaRPr sz="2000" dirty="0">
+              <a:solidFill>
+                <a:schemeClr val="dk1"/>
+              </a:solidFill>
+              <a:cs typeface="Calibri" panose="020F0502020204030204" pitchFamily="34" charset="0"/>
+            </a:endParaRPr>
+          </a:p>
+          <a:p>
+            <a:pPr marL="342900" lvl="0" indent="-355600" algn="just" rtl="0">
+              <a:lnSpc>
+                <a:spcPct val="100000"/>
+              </a:lnSpc>
+              <a:spcBef>
+                <a:spcPts val="0"/>
+              </a:spcBef>
+              <a:spcAft>
+                <a:spcPts val="0"/>
+              </a:spcAft>
+              <a:buClr>
+                <a:schemeClr val="dk1"/>
+              </a:buClr>
+              <a:buSzPts val="2000"/>
+              <a:buFont typeface="Roboto Light"/>
+              <a:buChar char="•"/>
+            </a:pPr>
+            <a:r>
+              <a:rPr lang="en-US" sz="2000" b="0" dirty="0">
+                <a:solidFill>
+                  <a:schemeClr val="dk1"/>
+                </a:solidFill>
+                <a:ea typeface="Roboto Light"/>
+                <a:cs typeface="Calibri" panose="020F0502020204030204" pitchFamily="34" charset="0"/>
+                <a:sym typeface="Roboto Light"/>
+              </a:rPr>
+              <a:t>Attendance tracking can </a:t>
+            </a:r>
+            <a:r>
+              <a:rPr lang="en-US" sz="2000" b="0" dirty="0" smtClean="0">
+                <a:solidFill>
+                  <a:schemeClr val="dk1"/>
+                </a:solidFill>
+                <a:ea typeface="Roboto Light"/>
+                <a:cs typeface="Calibri" panose="020F0502020204030204" pitchFamily="34" charset="0"/>
+                <a:sym typeface="Roboto Light"/>
+              </a:rPr>
+              <a:t>be upgraded using </a:t>
+            </a:r>
+            <a:r>
+              <a:rPr lang="en-US" sz="2000" b="0" dirty="0">
+                <a:solidFill>
+                  <a:schemeClr val="dk1"/>
+                </a:solidFill>
+                <a:ea typeface="Roboto Light"/>
+                <a:cs typeface="Calibri" panose="020F0502020204030204" pitchFamily="34" charset="0"/>
+                <a:sym typeface="Roboto Light"/>
+              </a:rPr>
+              <a:t>new technologies like </a:t>
+            </a:r>
+            <a:r>
+              <a:rPr lang="en-US" sz="2000" b="1" dirty="0" smtClean="0">
+                <a:solidFill>
+                  <a:schemeClr val="tx2">
+                    <a:lumMod val="50000"/>
+                  </a:schemeClr>
+                </a:solidFill>
+                <a:ea typeface="Roboto Light"/>
+                <a:cs typeface="Calibri" panose="020F0502020204030204" pitchFamily="34" charset="0"/>
+                <a:sym typeface="Roboto Light"/>
+              </a:rPr>
+              <a:t>geo-fencing</a:t>
+            </a:r>
+            <a:r>
+              <a:rPr lang="en-US" sz="2000" b="0" dirty="0" smtClean="0">
+                <a:solidFill>
+                  <a:schemeClr val="dk1"/>
+                </a:solidFill>
+                <a:ea typeface="Roboto Light"/>
+                <a:cs typeface="Calibri" panose="020F0502020204030204" pitchFamily="34" charset="0"/>
+                <a:sym typeface="Roboto Light"/>
+              </a:rPr>
+              <a:t> that use smartphones. </a:t>
+            </a:r>
+            <a:endParaRPr sz="2000" b="0" dirty="0">
+              <a:solidFill>
+                <a:schemeClr val="dk1"/>
+              </a:solidFill>
+              <a:ea typeface="Roboto Light"/>
+              <a:cs typeface="Calibri" panose="020F0502020204030204" pitchFamily="34" charset="0"/>
+              <a:sym typeface="Roboto Light"/>
+            </a:endParaRPr>
+          </a:p>
+          <a:p>
+            <a:pPr marL="342900" lvl="0" indent="-355600" algn="just" rtl="0">
+              <a:spcBef>
+                <a:spcPts val="0"/>
+              </a:spcBef>
+              <a:spcAft>
+                <a:spcPts val="0"/>
+              </a:spcAft>
+              <a:buClr>
+                <a:schemeClr val="dk1"/>
+              </a:buClr>
+              <a:buSzPts val="2000"/>
+              <a:buFont typeface="Roboto Light"/>
+              <a:buChar char="•"/>
+            </a:pPr>
+            <a:r>
+              <a:rPr lang="en-US" sz="2000" b="0" dirty="0">
+                <a:solidFill>
+                  <a:schemeClr val="dk1"/>
+                </a:solidFill>
+                <a:ea typeface="Roboto Light"/>
+                <a:cs typeface="Calibri" panose="020F0502020204030204" pitchFamily="34" charset="0"/>
+                <a:sym typeface="Roboto Light"/>
+              </a:rPr>
+              <a:t>System aims to capture attendance smartly by determining students location.</a:t>
+            </a:r>
+            <a:endParaRPr sz="2000" b="0" dirty="0">
+              <a:solidFill>
+                <a:schemeClr val="dk1"/>
+              </a:solidFill>
+              <a:ea typeface="Roboto Light"/>
+              <a:cs typeface="Calibri" panose="020F0502020204030204" pitchFamily="34" charset="0"/>
+              <a:sym typeface="Roboto Light"/>
+            </a:endParaRPr>
+          </a:p>
+          <a:p>
+            <a:pPr marL="342900" lvl="0" indent="-355600" algn="just" rtl="0">
+              <a:spcBef>
+                <a:spcPts val="0"/>
+              </a:spcBef>
+              <a:spcAft>
+                <a:spcPts val="0"/>
+              </a:spcAft>
+              <a:buClr>
+                <a:schemeClr val="dk1"/>
+              </a:buClr>
+              <a:buSzPts val="2000"/>
+              <a:buChar char="•"/>
+            </a:pPr>
+            <a:r>
+              <a:rPr lang="en-US" sz="2000" dirty="0">
+                <a:solidFill>
+                  <a:schemeClr val="dk1"/>
+                </a:solidFill>
+                <a:cs typeface="Calibri" panose="020F0502020204030204" pitchFamily="34" charset="0"/>
+              </a:rPr>
+              <a:t>Geofencing is a </a:t>
+            </a:r>
+            <a:r>
+              <a:rPr lang="en-US" sz="2000" b="1" dirty="0">
+                <a:solidFill>
+                  <a:schemeClr val="tx2">
+                    <a:lumMod val="50000"/>
+                  </a:schemeClr>
+                </a:solidFill>
+                <a:cs typeface="Calibri" panose="020F0502020204030204" pitchFamily="34" charset="0"/>
+              </a:rPr>
+              <a:t>location-based service</a:t>
+            </a:r>
+            <a:r>
+              <a:rPr lang="en-US" sz="2000" dirty="0">
+                <a:solidFill>
+                  <a:schemeClr val="dk1"/>
+                </a:solidFill>
+                <a:cs typeface="Calibri" panose="020F0502020204030204" pitchFamily="34" charset="0"/>
+              </a:rPr>
+              <a:t> that allows a particular entity to perform actions based on smartphone users location when they enter </a:t>
+            </a:r>
+            <a:r>
+              <a:rPr lang="en-US" sz="2000" dirty="0" smtClean="0">
+                <a:solidFill>
+                  <a:schemeClr val="dk1"/>
+                </a:solidFill>
+                <a:cs typeface="Calibri" panose="020F0502020204030204" pitchFamily="34" charset="0"/>
+              </a:rPr>
+              <a:t>a</a:t>
+            </a:r>
+          </a:p>
+          <a:p>
+            <a:pPr marL="0" lvl="0" indent="0" algn="just" rtl="0">
+              <a:spcBef>
+                <a:spcPts val="0"/>
+              </a:spcBef>
+              <a:spcAft>
+                <a:spcPts val="0"/>
+              </a:spcAft>
+              <a:buClr>
+                <a:schemeClr val="dk1"/>
+              </a:buClr>
+              <a:buSzPts val="2000"/>
+              <a:buNone/>
+            </a:pPr>
+            <a:r>
+              <a:rPr lang="en-US" sz="2000" dirty="0">
+                <a:solidFill>
+                  <a:schemeClr val="dk1"/>
+                </a:solidFill>
+                <a:cs typeface="Calibri" panose="020F0502020204030204" pitchFamily="34" charset="0"/>
+              </a:rPr>
+              <a:t> </a:t>
+            </a:r>
+            <a:r>
+              <a:rPr lang="en-US" sz="2000" dirty="0" smtClean="0">
+                <a:solidFill>
+                  <a:schemeClr val="dk1"/>
+                </a:solidFill>
+                <a:cs typeface="Calibri" panose="020F0502020204030204" pitchFamily="34" charset="0"/>
+              </a:rPr>
+              <a:t>   </a:t>
+            </a:r>
+            <a:r>
+              <a:rPr lang="en-US" sz="2000" dirty="0" smtClean="0">
+                <a:solidFill>
+                  <a:schemeClr val="dk1"/>
+                </a:solidFill>
+                <a:cs typeface="Calibri" panose="020F0502020204030204" pitchFamily="34" charset="0"/>
+              </a:rPr>
+              <a:t> predetermined </a:t>
+            </a:r>
+            <a:r>
+              <a:rPr lang="en-US" sz="2000" dirty="0" smtClean="0">
+                <a:solidFill>
+                  <a:schemeClr val="dk1"/>
+                </a:solidFill>
+                <a:cs typeface="Calibri" panose="020F0502020204030204" pitchFamily="34" charset="0"/>
+              </a:rPr>
+              <a:t>location, </a:t>
+            </a:r>
+            <a:r>
+              <a:rPr lang="en-US" sz="2000" dirty="0" smtClean="0">
+                <a:solidFill>
+                  <a:schemeClr val="dk1"/>
+                </a:solidFill>
+                <a:cs typeface="Calibri" panose="020F0502020204030204" pitchFamily="34" charset="0"/>
+              </a:rPr>
+              <a:t>  known</a:t>
+            </a:r>
+            <a:endParaRPr lang="en-US" sz="2000" dirty="0" smtClean="0">
+              <a:solidFill>
+                <a:schemeClr val="dk1"/>
+              </a:solidFill>
+              <a:cs typeface="Calibri" panose="020F0502020204030204" pitchFamily="34" charset="0"/>
+            </a:endParaRPr>
+          </a:p>
+          <a:p>
+            <a:pPr marL="0" lvl="0" indent="0" algn="just" rtl="0">
+              <a:spcBef>
+                <a:spcPts val="0"/>
+              </a:spcBef>
+              <a:spcAft>
+                <a:spcPts val="0"/>
+              </a:spcAft>
+              <a:buClr>
+                <a:schemeClr val="dk1"/>
+              </a:buClr>
+              <a:buSzPts val="2000"/>
+              <a:buNone/>
+            </a:pPr>
+            <a:r>
+              <a:rPr lang="en-US" sz="2000" dirty="0">
+                <a:solidFill>
+                  <a:schemeClr val="dk1"/>
+                </a:solidFill>
+                <a:cs typeface="Calibri" panose="020F0502020204030204" pitchFamily="34" charset="0"/>
+              </a:rPr>
+              <a:t> </a:t>
+            </a:r>
+            <a:r>
+              <a:rPr lang="en-US" sz="2000" dirty="0" smtClean="0">
+                <a:solidFill>
+                  <a:schemeClr val="dk1"/>
+                </a:solidFill>
+                <a:cs typeface="Calibri" panose="020F0502020204030204" pitchFamily="34" charset="0"/>
+              </a:rPr>
+              <a:t>    as geo fence.</a:t>
+            </a:r>
+          </a:p>
+        </p:txBody>
+      </p:sp>
+    </p:spTree>
+  </p:cSld>
+  <p:clrMapOvr>
+    <a:masterClrMapping/>
+  </p:clrMapOvr>
+  <p:timing>
+    <p:tnLst>
+      <p:par>
+        <p:cTn id="1" dur="indefinite" restart="never" nodeType="tmRoot"/>
+      </p:par>
+    </p:tnLst>
+  </p:timing>
+</p:sld>
+</file>
+
+<file path=ppt/slides/slide5.xml><?xml version="1.0" encoding="utf-8"?>
+<p:sld xmlns:a="http://schemas.openxmlformats.org/drawingml/2006/main" xmlns:r="http://schemas.openxmlformats.org/officeDocument/2006/relationships" xmlns:p="http://schemas.openxmlformats.org/presentationml/2006/main">
+  <p:cSld>
+    <p:spTree>
+      <p:nvGrpSpPr>
+        <p:cNvPr id="1" name="Shape 14"/>
+        <p:cNvGrpSpPr/>
+        <p:nvPr/>
+      </p:nvGrpSpPr>
+      <p:grpSpPr>
+        <a:xfrm>
+          <a:off x="0" y="0"/>
+          <a:ext cx="0" cy="0"/>
+          <a:chOff x="0" y="0"/>
+          <a:chExt cx="0" cy="0"/>
+        </a:xfrm>
+      </p:grpSpPr>
+      <p:sp>
+        <p:nvSpPr>
+          <p:cNvPr id="15" name="Google Shape;15;p1"/>
+          <p:cNvSpPr txBox="1">
+            <a:spLocks noGrp="1"/>
+          </p:cNvSpPr>
+          <p:nvPr>
             <p:ph type="title"/>
           </p:nvPr>
         </p:nvSpPr>
-        <p:spPr/>
-        <p:txBody>
-          <a:bodyPr rtlCol="0"/>
+        <p:spPr>
+          <a:xfrm>
+            <a:off x="543413" y="732493"/>
+            <a:ext cx="7269480" cy="733466"/>
+          </a:xfrm>
+          <a:prstGeom prst="rect">
+            <a:avLst/>
+          </a:prstGeom>
+          <a:noFill/>
+          <a:ln>
+            <a:noFill/>
+          </a:ln>
+        </p:spPr>
+        <p:txBody>
+          <a:bodyPr spcFirstLastPara="1" wrap="square" lIns="91425" tIns="45700" rIns="91425" bIns="45700" anchor="b" anchorCtr="0">
+            <a:noAutofit/>
+          </a:bodyPr>
           <a:lstStyle/>
           <a:p>
-            <a:pPr algn="ctr"/>
-            <a:r>
-              <a:rPr lang="en-US" sz="4000" dirty="0"/>
-              <a:t>LITERATURE SURVEY</a:t>
-            </a:r>
+            <a:pPr marL="0" lvl="0" indent="0" rtl="0">
+              <a:lnSpc>
+                <a:spcPct val="85000"/>
+              </a:lnSpc>
+              <a:spcBef>
+                <a:spcPts val="0"/>
+              </a:spcBef>
+              <a:spcAft>
+                <a:spcPts val="0"/>
+              </a:spcAft>
+              <a:buClr>
+                <a:schemeClr val="dk2"/>
+              </a:buClr>
+              <a:buSzPts val="4000"/>
+              <a:buFont typeface="Roboto Black"/>
+              <a:buNone/>
+            </a:pPr>
+            <a:r>
+              <a:rPr lang="en-US" sz="4000" dirty="0" smtClean="0">
+                <a:solidFill>
+                  <a:schemeClr val="tx2"/>
+                </a:solidFill>
+              </a:rPr>
+              <a:t>Problem Statement</a:t>
+            </a:r>
+            <a:endParaRPr dirty="0">
+              <a:solidFill>
+                <a:schemeClr val="tx2"/>
+              </a:solidFill>
+            </a:endParaRPr>
+          </a:p>
+        </p:txBody>
+      </p:sp>
+      <p:sp>
+        <p:nvSpPr>
+          <p:cNvPr id="7" name="Google Shape;16;p1"/>
+          <p:cNvSpPr txBox="1">
+            <a:spLocks noGrp="1"/>
+          </p:cNvSpPr>
+          <p:nvPr>
+            <p:ph idx="1"/>
+          </p:nvPr>
+        </p:nvSpPr>
+        <p:spPr>
+          <a:xfrm>
+            <a:off x="543413" y="1815963"/>
+            <a:ext cx="7672471" cy="4623747"/>
+          </a:xfrm>
+          <a:prstGeom prst="rect">
+            <a:avLst/>
+          </a:prstGeom>
+          <a:noFill/>
+          <a:ln>
+            <a:noFill/>
+          </a:ln>
+        </p:spPr>
+        <p:txBody>
+          <a:bodyPr spcFirstLastPara="1" wrap="square" lIns="91425" tIns="45700" rIns="91425" bIns="45700" anchor="t" anchorCtr="0">
+            <a:noAutofit/>
+          </a:bodyPr>
+          <a:lstStyle/>
+          <a:p>
+            <a:pPr marL="0" lvl="0" indent="0" algn="just">
+              <a:lnSpc>
+                <a:spcPct val="100000"/>
+              </a:lnSpc>
+              <a:spcBef>
+                <a:spcPts val="1200"/>
+              </a:spcBef>
+              <a:spcAft>
+                <a:spcPts val="0"/>
+              </a:spcAft>
+              <a:buClr>
+                <a:schemeClr val="dk1"/>
+              </a:buClr>
+              <a:buSzPts val="2000"/>
+              <a:buNone/>
+            </a:pPr>
+            <a:r>
+              <a:rPr lang="en-US" sz="2400" dirty="0" smtClean="0">
+                <a:solidFill>
+                  <a:schemeClr val="dk1"/>
+                </a:solidFill>
+                <a:cs typeface="Calibri" panose="020F0502020204030204" pitchFamily="34" charset="0"/>
+              </a:rPr>
+              <a:t>Keeping track of attendance in any </a:t>
+            </a:r>
+            <a:r>
+              <a:rPr lang="en-US" sz="2400" b="1" dirty="0" smtClean="0">
+                <a:solidFill>
+                  <a:schemeClr val="tx2">
+                    <a:lumMod val="50000"/>
+                  </a:schemeClr>
+                </a:solidFill>
+                <a:cs typeface="Calibri" panose="020F0502020204030204" pitchFamily="34" charset="0"/>
+              </a:rPr>
+              <a:t>educational organization </a:t>
+            </a:r>
+            <a:r>
+              <a:rPr lang="en-US" sz="2400" dirty="0" smtClean="0">
+                <a:solidFill>
+                  <a:schemeClr val="dk1"/>
+                </a:solidFill>
+                <a:cs typeface="Calibri" panose="020F0502020204030204" pitchFamily="34" charset="0"/>
+              </a:rPr>
+              <a:t>has been challenging for many reasons. For decades, colleges and schools have been using traditional methods which are incomplete and/or inefficient in their core. </a:t>
+            </a:r>
+            <a:r>
+              <a:rPr lang="en-US" sz="2400" dirty="0"/>
+              <a:t>The </a:t>
+            </a:r>
+            <a:r>
+              <a:rPr lang="en-US" sz="2400" dirty="0" smtClean="0"/>
+              <a:t>proposed application aims at transforming </a:t>
+            </a:r>
+            <a:r>
+              <a:rPr lang="en-US" sz="2400" dirty="0"/>
+              <a:t>current attendance </a:t>
+            </a:r>
+            <a:r>
+              <a:rPr lang="en-US" sz="2400" dirty="0" smtClean="0"/>
+              <a:t>	                   tracking systems </a:t>
+            </a:r>
+            <a:r>
+              <a:rPr lang="en-US" sz="2400" dirty="0"/>
+              <a:t>by involving and </a:t>
+            </a:r>
+            <a:r>
+              <a:rPr lang="en-US" sz="2400" dirty="0" smtClean="0"/>
+              <a:t>			   combining latest standard 				   	   technologies and advancements in 			   </a:t>
+            </a:r>
+            <a:r>
+              <a:rPr lang="en-US" sz="2400" b="1" dirty="0" smtClean="0">
+                <a:solidFill>
+                  <a:schemeClr val="tx2">
+                    <a:lumMod val="50000"/>
+                  </a:schemeClr>
+                </a:solidFill>
+              </a:rPr>
+              <a:t>geo-fencing</a:t>
+            </a:r>
+            <a:r>
+              <a:rPr lang="en-US" sz="2400" dirty="0" smtClean="0"/>
+              <a:t>. </a:t>
+            </a:r>
+            <a:endParaRPr lang="en-US" sz="2400" dirty="0" smtClean="0">
+              <a:solidFill>
+                <a:schemeClr val="dk1"/>
+              </a:solidFill>
+              <a:cs typeface="Calibri" panose="020F0502020204030204" pitchFamily="34" charset="0"/>
+            </a:endParaRPr>
+          </a:p>
+        </p:txBody>
+      </p:sp>
+      <p:pic>
+        <p:nvPicPr>
+          <p:cNvPr id="2" name="Picture 1"/>
+          <p:cNvPicPr>
+            <a:picLocks noChangeAspect="1"/>
+          </p:cNvPicPr>
+          <p:nvPr/>
+        </p:nvPicPr>
+        <p:blipFill rotWithShape="1">
+          <a:blip r:embed="rId2">
+            <a:extLst>
+              <a:ext uri="{28A0092B-C50C-407E-A947-70E740481C1C}">
+                <a14:useLocalDpi xmlns:a14="http://schemas.microsoft.com/office/drawing/2010/main" val="0"/>
+              </a:ext>
+            </a:extLst>
+          </a:blip>
+          <a:srcRect l="11593" t="12319" r="11232" b="15579"/>
+          <a:stretch/>
+        </p:blipFill>
+        <p:spPr>
+          <a:xfrm>
+            <a:off x="-1" y="4449602"/>
+            <a:ext cx="2577831" cy="2408398"/>
+          </a:xfrm>
+          <a:prstGeom prst="rect">
+            <a:avLst/>
+          </a:prstGeom>
+        </p:spPr>
+      </p:pic>
+    </p:spTree>
+    <p:extLst>
+      <p:ext uri="{BB962C8B-B14F-4D97-AF65-F5344CB8AC3E}">
+        <p14:creationId xmlns:p14="http://schemas.microsoft.com/office/powerpoint/2010/main" val="929756878"/>
+      </p:ext>
+    </p:extLst>
+  </p:cSld>
+  <p:clrMapOvr>
+    <a:masterClrMapping/>
+  </p:clrMapOvr>
+  <p:timing>
+    <p:tnLst>
+      <p:par>
+        <p:cTn id="1" dur="indefinite" restart="never" nodeType="tmRoot"/>
+      </p:par>
+    </p:tnLst>
+  </p:timing>
+</p:sld>
+</file>
+
+<file path=ppt/slides/slide6.xml><?xml version="1.0" encoding="utf-8"?>
+<p:sld xmlns:a="http://schemas.openxmlformats.org/drawingml/2006/main" xmlns:r="http://schemas.openxmlformats.org/officeDocument/2006/relationships" xmlns:p="http://schemas.openxmlformats.org/presentationml/2006/main">
+  <p:cSld>
+    <p:spTree>
+      <p:nvGrpSpPr>
+        <p:cNvPr id="1" name="Shape 14"/>
+        <p:cNvGrpSpPr/>
+        <p:nvPr/>
+      </p:nvGrpSpPr>
+      <p:grpSpPr>
+        <a:xfrm>
+          <a:off x="0" y="0"/>
+          <a:ext cx="0" cy="0"/>
+          <a:chOff x="0" y="0"/>
+          <a:chExt cx="0" cy="0"/>
+        </a:xfrm>
+      </p:grpSpPr>
+      <p:sp>
+        <p:nvSpPr>
+          <p:cNvPr id="15" name="Google Shape;15;p1"/>
+          <p:cNvSpPr txBox="1">
+            <a:spLocks noGrp="1"/>
+          </p:cNvSpPr>
+          <p:nvPr>
+            <p:ph type="title"/>
+          </p:nvPr>
+        </p:nvSpPr>
+        <p:spPr>
+          <a:xfrm>
+            <a:off x="543413" y="197472"/>
+            <a:ext cx="7269480" cy="733466"/>
+          </a:xfrm>
+          <a:prstGeom prst="rect">
+            <a:avLst/>
+          </a:prstGeom>
+          <a:noFill/>
+          <a:ln>
+            <a:noFill/>
+          </a:ln>
+        </p:spPr>
+        <p:txBody>
+          <a:bodyPr spcFirstLastPara="1" wrap="square" lIns="91425" tIns="45700" rIns="91425" bIns="45700" anchor="b" anchorCtr="0">
+            <a:noAutofit/>
+          </a:bodyPr>
+          <a:lstStyle/>
+          <a:p>
+            <a:pPr marL="0" lvl="0" indent="0" rtl="0">
+              <a:lnSpc>
+                <a:spcPct val="85000"/>
+              </a:lnSpc>
+              <a:spcBef>
+                <a:spcPts val="0"/>
+              </a:spcBef>
+              <a:spcAft>
+                <a:spcPts val="0"/>
+              </a:spcAft>
+              <a:buClr>
+                <a:schemeClr val="dk2"/>
+              </a:buClr>
+              <a:buSzPts val="4000"/>
+              <a:buFont typeface="Roboto Black"/>
+              <a:buNone/>
+            </a:pPr>
+            <a:r>
+              <a:rPr lang="en-US" sz="4000" dirty="0" smtClean="0">
+                <a:solidFill>
+                  <a:schemeClr val="tx2"/>
+                </a:solidFill>
+              </a:rPr>
+              <a:t>Literature Survey</a:t>
+            </a:r>
+            <a:endParaRPr dirty="0">
+              <a:solidFill>
+                <a:schemeClr val="tx2"/>
+              </a:solidFill>
+            </a:endParaRPr>
           </a:p>
         </p:txBody>
       </p:sp>
       <p:graphicFrame>
         <p:nvGraphicFramePr>
-          <p:cNvPr id="5" name="Table 4"/>
+          <p:cNvPr id="6" name="Table 5"/>
           <p:cNvGraphicFramePr>
             <a:graphicFrameLocks noGrp="1"/>
           </p:cNvGraphicFramePr>
-          <p:nvPr/>
+          <p:nvPr>
+            <p:extLst>
+              <p:ext uri="{D42A27DB-BD31-4B8C-83A1-F6EECF244321}">
+                <p14:modId xmlns:p14="http://schemas.microsoft.com/office/powerpoint/2010/main" val="1383142354"/>
+              </p:ext>
+            </p:extLst>
+          </p:nvPr>
         </p:nvGraphicFramePr>
         <p:xfrm>
-          <a:off x="152400" y="1600200"/>
-          <a:ext cx="8839199" cy="5071090"/>
+          <a:off x="-1" y="1203899"/>
+          <a:ext cx="8463064" cy="5343967"/>
         </p:xfrm>
         <a:graphic>
           <a:graphicData uri="http://schemas.openxmlformats.org/drawingml/2006/table">
@@ -5986,42 +7894,42 @@
                 <a:tableStyleId>{5C22544A-7EE6-4342-B048-85BDC9FD1C3A}</a:tableStyleId>
               </a:tblPr>
               <a:tblGrid>
-                <a:gridCol w="542759">
+                <a:gridCol w="519662">
                   <a:extLst>
                     <a:ext uri="{9D8B030D-6E8A-4147-A177-3AD203B41FA5}">
                       <a16:colId xmlns:a16="http://schemas.microsoft.com/office/drawing/2014/main" val="1425952947"/>
                     </a:ext>
                   </a:extLst>
                 </a:gridCol>
-                <a:gridCol w="1860884">
+                <a:gridCol w="1781697">
                   <a:extLst>
                     <a:ext uri="{9D8B030D-6E8A-4147-A177-3AD203B41FA5}">
                       <a16:colId xmlns:a16="http://schemas.microsoft.com/office/drawing/2014/main" val="1694312789"/>
                     </a:ext>
                   </a:extLst>
                 </a:gridCol>
-                <a:gridCol w="1406357">
+                <a:gridCol w="1346513">
                   <a:extLst>
                     <a:ext uri="{9D8B030D-6E8A-4147-A177-3AD203B41FA5}">
                       <a16:colId xmlns:a16="http://schemas.microsoft.com/office/drawing/2014/main" val="1766601291"/>
                     </a:ext>
                   </a:extLst>
                 </a:gridCol>
-                <a:gridCol w="1676400">
+                <a:gridCol w="1605064">
                   <a:extLst>
                     <a:ext uri="{9D8B030D-6E8A-4147-A177-3AD203B41FA5}">
                       <a16:colId xmlns:a16="http://schemas.microsoft.com/office/drawing/2014/main" val="4019131478"/>
                     </a:ext>
                   </a:extLst>
                 </a:gridCol>
-                <a:gridCol w="1600200">
+                <a:gridCol w="1532107">
                   <a:extLst>
                     <a:ext uri="{9D8B030D-6E8A-4147-A177-3AD203B41FA5}">
                       <a16:colId xmlns:a16="http://schemas.microsoft.com/office/drawing/2014/main" val="3023036363"/>
                     </a:ext>
                   </a:extLst>
                 </a:gridCol>
-                <a:gridCol w="1752599">
+                <a:gridCol w="1678021">
                   <a:extLst>
                     <a:ext uri="{9D8B030D-6E8A-4147-A177-3AD203B41FA5}">
                       <a16:colId xmlns:a16="http://schemas.microsoft.com/office/drawing/2014/main" val="3198851741"/>
@@ -6972,25 +8880,29 @@
     </p:spTree>
     <p:extLst>
       <p:ext uri="{BB962C8B-B14F-4D97-AF65-F5344CB8AC3E}">
-        <p14:creationId xmlns:p14="http://schemas.microsoft.com/office/powerpoint/2010/main" val="3054914686"/>
-      </p:ext>
-      <p:ext uri="{8B089623-5A1A-477E-AB90-BFE4A8D9F620}">
-        <p14:creationId xmlns="" xmlns:c="http://schemas.openxmlformats.org/drawingml/2006/chart" xmlns:cs="http://schemas.microsoft.com/office/drawing/2012/chartStyle" xmlns:ns1="http://schemas.openxmlformats.org/officeDocument/2006/extended-properties" xmlns:vt="http://schemas.openxmlformats.org/officeDocument/2006/docPropsVTypes" xmlns:p14="http://schemas.microsoft.com/office/powerpoint/2010/main" val="1658765229267"/>
+        <p14:creationId xmlns:p14="http://schemas.microsoft.com/office/powerpoint/2010/main" val="2806049121"/>
       </p:ext>
     </p:extLst>
   </p:cSld>
   <p:clrMapOvr>
     <a:masterClrMapping/>
   </p:clrMapOvr>
+  <p:timing>
+    <p:tnLst>
+      <p:par>
+        <p:cTn id="1" dur="indefinite" restart="never" nodeType="tmRoot"/>
+      </p:par>
+    </p:tnLst>
+  </p:timing>
 </p:sld>
 </file>
 
-<file path=ppt/slides/slide5.xml><?xml version="1.0" encoding="utf-8"?>
+<file path=ppt/slides/slide7.xml><?xml version="1.0" encoding="utf-8"?>
 <p:sld xmlns:a="http://schemas.openxmlformats.org/drawingml/2006/main" xmlns:r="http://schemas.openxmlformats.org/officeDocument/2006/relationships" xmlns:p="http://schemas.openxmlformats.org/presentationml/2006/main">
   <p:cSld>
     <p:spTree>
       <p:nvGrpSpPr>
-        <p:cNvPr id="1" name=""/>
+        <p:cNvPr id="1" name="Shape 14"/>
         <p:cNvGrpSpPr/>
         <p:nvPr/>
       </p:nvGrpSpPr>
@@ -7004,213 +8916,243 @@
       </p:grpSpPr>
       <p:sp>
         <p:nvSpPr>
-          <p:cNvPr id="2" name="Title Placeholder 1">
+          <p:cNvPr id="15" name="Google Shape;15;p1"/>
+          <p:cNvSpPr txBox="1">
+            <a:spLocks noGrp="1"/>
+          </p:cNvSpPr>
+          <p:nvPr>
+            <p:ph type="title"/>
+          </p:nvPr>
+        </p:nvSpPr>
+        <p:spPr>
+          <a:xfrm>
+            <a:off x="543413" y="547667"/>
+            <a:ext cx="7269480" cy="733466"/>
+          </a:xfrm>
+          <a:prstGeom prst="rect">
+            <a:avLst/>
+          </a:prstGeom>
+          <a:noFill/>
+          <a:ln>
+            <a:noFill/>
+          </a:ln>
+        </p:spPr>
+        <p:txBody>
+          <a:bodyPr spcFirstLastPara="1" wrap="square" lIns="91425" tIns="45700" rIns="91425" bIns="45700" anchor="b" anchorCtr="0">
+            <a:noAutofit/>
+          </a:bodyPr>
+          <a:lstStyle/>
+          <a:p>
+            <a:pPr marL="0" lvl="0" indent="0" rtl="0">
+              <a:lnSpc>
+                <a:spcPct val="85000"/>
+              </a:lnSpc>
+              <a:spcBef>
+                <a:spcPts val="0"/>
+              </a:spcBef>
+              <a:spcAft>
+                <a:spcPts val="0"/>
+              </a:spcAft>
+              <a:buClr>
+                <a:schemeClr val="dk2"/>
+              </a:buClr>
+              <a:buSzPts val="4000"/>
+              <a:buFont typeface="Roboto Black"/>
+              <a:buNone/>
+            </a:pPr>
+            <a:r>
+              <a:rPr lang="en-US" sz="4000" dirty="0" smtClean="0">
+                <a:solidFill>
+                  <a:schemeClr val="tx2"/>
+                </a:solidFill>
+              </a:rPr>
+              <a:t>Proposed Methodology</a:t>
+            </a:r>
+            <a:endParaRPr dirty="0">
+              <a:solidFill>
+                <a:schemeClr val="tx2"/>
+              </a:solidFill>
+            </a:endParaRPr>
+          </a:p>
+        </p:txBody>
+      </p:sp>
+      <p:sp>
+        <p:nvSpPr>
+          <p:cNvPr id="7" name="Google Shape;16;p1"/>
+          <p:cNvSpPr txBox="1">
+            <a:spLocks noGrp="1"/>
+          </p:cNvSpPr>
+          <p:nvPr>
+            <p:ph idx="1"/>
+          </p:nvPr>
+        </p:nvSpPr>
+        <p:spPr>
+          <a:xfrm>
+            <a:off x="543413" y="1548548"/>
+            <a:ext cx="7672471" cy="3328420"/>
+          </a:xfrm>
+          <a:prstGeom prst="rect">
+            <a:avLst/>
+          </a:prstGeom>
+          <a:noFill/>
+          <a:ln>
+            <a:noFill/>
+          </a:ln>
+        </p:spPr>
+        <p:txBody>
+          <a:bodyPr spcFirstLastPara="1" wrap="square" lIns="91425" tIns="45700" rIns="91425" bIns="45700" anchor="t" anchorCtr="0">
+            <a:noAutofit/>
+          </a:bodyPr>
+          <a:lstStyle/>
+          <a:p>
+            <a:pPr algn="just"/>
+            <a:r>
+              <a:rPr lang="en-US" sz="1200" dirty="0"/>
+              <a:t>Creating a virtual geo fence boundary of the campus/workplace  using longitude/latitude data and marking it on maps</a:t>
+            </a:r>
+          </a:p>
+          <a:p>
+            <a:pPr algn="just"/>
+            <a:r>
+              <a:rPr lang="en-US" sz="1200" dirty="0"/>
+              <a:t>Creating a user app which streams user location to server once app is turned on. Server checks if the location co-ordinates lie </a:t>
+            </a:r>
+            <a:r>
+              <a:rPr lang="en-US" sz="1200" dirty="0" smtClean="0"/>
+              <a:t>within </a:t>
+            </a:r>
+            <a:r>
+              <a:rPr lang="en-US" sz="1200" dirty="0"/>
+              <a:t>the geo-fence</a:t>
+            </a:r>
+          </a:p>
+          <a:p>
+            <a:pPr algn="just"/>
+            <a:r>
+              <a:rPr lang="en-US" sz="1200" dirty="0"/>
+              <a:t>If the user's longitude and latitude falls under the range of specified classroom/workplace then the attendance is considered to be valid. </a:t>
+            </a:r>
+          </a:p>
+          <a:p>
+            <a:pPr algn="just"/>
+            <a:r>
+              <a:rPr lang="en-US" sz="1200" dirty="0"/>
+              <a:t>Creating a Admin side application which allows admin to view active users within the boundary</a:t>
+            </a:r>
+            <a:r>
+              <a:rPr lang="en-US" sz="1200" dirty="0" smtClean="0"/>
+              <a:t>, name, age, timestamp, last </a:t>
+            </a:r>
+            <a:r>
+              <a:rPr lang="en-US" sz="1200" dirty="0"/>
+              <a:t>seen location of the user inside the campus, check-in/checkout time of the user,</a:t>
+            </a:r>
+          </a:p>
+          <a:p>
+            <a:pPr algn="just"/>
+            <a:r>
+              <a:rPr lang="en-US" sz="1200" dirty="0"/>
+              <a:t>Further user side app can be improvised to add schedule updates, attendance notifications etc.</a:t>
+            </a:r>
+          </a:p>
+          <a:p>
+            <a:r>
+              <a:rPr lang="en-US" sz="1200" dirty="0"/>
+              <a:t>The admin can generate attendance which are stored in the database in graphical ways which helps in proper analytics. </a:t>
+            </a:r>
+            <a:br>
+              <a:rPr lang="en-US" sz="1200" dirty="0"/>
+            </a:br>
+            <a:endParaRPr lang="en-US" sz="1200" dirty="0"/>
+          </a:p>
+          <a:p>
+            <a:endParaRPr lang="en-US" sz="1200" dirty="0"/>
+          </a:p>
+          <a:p>
+            <a:endParaRPr lang="en-US" sz="1200" dirty="0"/>
+          </a:p>
+          <a:p>
+            <a:pPr marL="342900" lvl="0" indent="-355600" algn="just" rtl="0">
+              <a:lnSpc>
+                <a:spcPct val="100000"/>
+              </a:lnSpc>
+              <a:spcBef>
+                <a:spcPts val="1200"/>
+              </a:spcBef>
+              <a:spcAft>
+                <a:spcPts val="0"/>
+              </a:spcAft>
+              <a:buClr>
+                <a:schemeClr val="dk1"/>
+              </a:buClr>
+              <a:buSzPts val="2000"/>
+              <a:buFont typeface="Roboto Light"/>
+              <a:buChar char="•"/>
+            </a:pPr>
+            <a:endParaRPr lang="en-US" sz="1200" dirty="0" smtClean="0">
+              <a:solidFill>
+                <a:schemeClr val="dk1"/>
+              </a:solidFill>
+              <a:cs typeface="Calibri" panose="020F0502020204030204" pitchFamily="34" charset="0"/>
+            </a:endParaRPr>
+          </a:p>
+        </p:txBody>
+      </p:sp>
+      <p:pic>
+        <p:nvPicPr>
+          <p:cNvPr id="2" name="Picture 1"/>
+          <p:cNvPicPr>
+            <a:picLocks noChangeAspect="1"/>
+          </p:cNvPicPr>
+          <p:nvPr/>
+        </p:nvPicPr>
+        <p:blipFill rotWithShape="1">
+          <a:blip r:embed="rId2">
             <a:extLst>
-              <a:ext uri="{77C26B79-D043-41A8-868F-DBAE995FD0A4}">
-                <a16:creationId xmlns="" xmlns:c="http://schemas.openxmlformats.org/drawingml/2006/chart" xmlns:cs="http://schemas.microsoft.com/office/drawing/2012/chartStyle" xmlns:ns1="http://schemas.openxmlformats.org/officeDocument/2006/extended-properties" xmlns:vt="http://schemas.openxmlformats.org/officeDocument/2006/docPropsVTypes" xmlns:a16="http://schemas.microsoft.com/office/drawing/2010/main" id="{B77B7416-3771-4BE2-B9F8-22238F8E47FB}"/>
+              <a:ext uri="{28A0092B-C50C-407E-A947-70E740481C1C}">
+                <a14:useLocalDpi xmlns:a14="http://schemas.microsoft.com/office/drawing/2010/main" val="0"/>
               </a:ext>
             </a:extLst>
-          </p:cNvPr>
-          <p:cNvSpPr>
-            <a:spLocks noGrp="1"/>
-          </p:cNvSpPr>
-          <p:nvPr>
-            <p:ph type="title"/>
-          </p:nvPr>
-        </p:nvSpPr>
-        <p:spPr/>
-        <p:txBody>
-          <a:bodyPr rtlCol="0"/>
-          <a:lstStyle/>
-          <a:p>
-            <a:pPr algn="ctr"/>
-            <a:r>
-              <a:rPr lang="en-US" sz="4000" dirty="0"/>
-              <a:t>PROPOSED METHODOLOGY</a:t>
-            </a:r>
-          </a:p>
-        </p:txBody>
-      </p:sp>
-      <p:sp>
-        <p:nvSpPr>
-          <p:cNvPr id="3" name="Content Placeholder 2">
-            <a:extLst>
-              <a:ext uri="{1CC097BD-79FA-4A43-8836-EB6E2BE7DF9A}">
-                <a16:creationId xmlns="" xmlns:c="http://schemas.openxmlformats.org/drawingml/2006/chart" xmlns:cs="http://schemas.microsoft.com/office/drawing/2012/chartStyle" xmlns:ns1="http://schemas.openxmlformats.org/officeDocument/2006/extended-properties" xmlns:vt="http://schemas.openxmlformats.org/officeDocument/2006/docPropsVTypes" xmlns:a16="http://schemas.microsoft.com/office/drawing/2010/main" id="{6F28A4FC-E8D6-4072-B602-A336F6CD1281}"/>
-              </a:ext>
-            </a:extLst>
-          </p:cNvPr>
-          <p:cNvSpPr>
-            <a:spLocks noGrp="1"/>
-          </p:cNvSpPr>
-          <p:nvPr>
-            <p:ph idx="1"/>
-          </p:nvPr>
-        </p:nvSpPr>
+          </a:blip>
+          <a:srcRect b="43630"/>
+          <a:stretch/>
+        </p:blipFill>
         <p:spPr>
           <a:xfrm>
-            <a:off x="542934" y="1825199"/>
-            <a:ext cx="7953070" cy="4752041"/>
+            <a:off x="1" y="5144384"/>
+            <a:ext cx="8463064" cy="1723344"/>
           </a:xfrm>
+          <a:prstGeom prst="rect">
+            <a:avLst/>
+          </a:prstGeom>
         </p:spPr>
-        <p:txBody>
-          <a:bodyPr vert="horz" rtlCol="0">
-            <a:normAutofit lnSpcReduction="10000"/>
-          </a:bodyPr>
-          <a:lstStyle/>
-          <a:p>
-            <a:pPr algn="just"/>
-            <a:r>
-              <a:rPr lang="en-US" sz="1800" dirty="0">
-                <a:solidFill>
-                  <a:schemeClr val="tx1"/>
-                </a:solidFill>
-              </a:rPr>
-              <a:t>Creating a virtual geo fence boundary of the campus/workplace  using longitude/latitude data and marking it on maps</a:t>
-            </a:r>
-          </a:p>
-          <a:p>
-            <a:pPr algn="just"/>
-            <a:r>
-              <a:rPr lang="en-US" sz="1800" dirty="0">
-                <a:solidFill>
-                  <a:schemeClr val="tx1"/>
-                </a:solidFill>
-              </a:rPr>
-              <a:t>Creating a user app which streams user location to server once app is turned on .Server checks if the location co-ordinates lie withing the geo-fence</a:t>
-            </a:r>
-          </a:p>
-          <a:p>
-            <a:pPr algn="just"/>
-            <a:r>
-              <a:rPr lang="en-US" sz="1800" dirty="0">
-                <a:solidFill>
-                  <a:schemeClr val="tx1"/>
-                </a:solidFill>
-              </a:rPr>
-              <a:t>If the user's longitude and latitude falls under the range of specified classroom/workplace then the attendance is considered to be valid. </a:t>
-            </a:r>
-          </a:p>
-          <a:p>
-            <a:pPr algn="just"/>
-            <a:r>
-              <a:rPr lang="en-US" sz="1800" dirty="0">
-                <a:solidFill>
-                  <a:schemeClr val="tx1"/>
-                </a:solidFill>
-              </a:rPr>
-              <a:t>Creating a Admin side application which allows admin to view active users within the boundary,name,age,timestamp,Last seen location of the user inside the campus</a:t>
-            </a:r>
-            <a:r>
-              <a:rPr lang="en-US" sz="1800" dirty="0" smtClean="0">
-                <a:solidFill>
-                  <a:schemeClr val="tx1"/>
-                </a:solidFill>
-              </a:rPr>
-              <a:t>, check-in/checkout </a:t>
-            </a:r>
-            <a:r>
-              <a:rPr lang="en-US" sz="1800" dirty="0">
-                <a:solidFill>
-                  <a:schemeClr val="tx1"/>
-                </a:solidFill>
-              </a:rPr>
-              <a:t>time of the user,</a:t>
-            </a:r>
-          </a:p>
-          <a:p>
-            <a:pPr algn="just"/>
-            <a:r>
-              <a:rPr lang="en-US" sz="1800" dirty="0">
-                <a:solidFill>
-                  <a:schemeClr val="tx1"/>
-                </a:solidFill>
-              </a:rPr>
-              <a:t>Further user side app can be improvised to add schedule updates</a:t>
-            </a:r>
-            <a:r>
-              <a:rPr lang="en-US" sz="1800" dirty="0" smtClean="0">
-                <a:solidFill>
-                  <a:schemeClr val="tx1"/>
-                </a:solidFill>
-              </a:rPr>
-              <a:t>, attendance </a:t>
-            </a:r>
-            <a:r>
-              <a:rPr lang="en-US" sz="1800" dirty="0">
-                <a:solidFill>
-                  <a:schemeClr val="tx1"/>
-                </a:solidFill>
-              </a:rPr>
-              <a:t>notifications </a:t>
-            </a:r>
-            <a:r>
-              <a:rPr lang="en-US" sz="1800" dirty="0" smtClean="0">
-                <a:solidFill>
-                  <a:schemeClr val="tx1"/>
-                </a:solidFill>
-              </a:rPr>
-              <a:t>etc.</a:t>
-            </a:r>
-            <a:endParaRPr lang="en-US" sz="1800" dirty="0">
-              <a:solidFill>
-                <a:schemeClr val="tx1"/>
-              </a:solidFill>
-            </a:endParaRPr>
-          </a:p>
-          <a:p>
-            <a:r>
-              <a:rPr lang="en-US" sz="1800" dirty="0">
-                <a:solidFill>
-                  <a:schemeClr val="tx1"/>
-                </a:solidFill>
-              </a:rPr>
-              <a:t>The admin can generate attendance which are stored in the database in graphical ways which helps in proper analytics. </a:t>
-            </a:r>
-            <a:br>
-              <a:rPr lang="en-US" sz="1800" dirty="0">
-                <a:solidFill>
-                  <a:schemeClr val="tx1"/>
-                </a:solidFill>
-              </a:rPr>
-            </a:br>
-            <a:endParaRPr lang="en-US" sz="1800" dirty="0">
-              <a:solidFill>
-                <a:schemeClr val="tx1"/>
-              </a:solidFill>
-            </a:endParaRPr>
-          </a:p>
-          <a:p>
-            <a:endParaRPr lang="en-US" sz="1800" dirty="0">
-              <a:solidFill>
-                <a:schemeClr val="tx1"/>
-              </a:solidFill>
-            </a:endParaRPr>
-          </a:p>
-          <a:p>
-            <a:endParaRPr lang="en-US" dirty="0"/>
-          </a:p>
-        </p:txBody>
-      </p:sp>
+      </p:pic>
     </p:spTree>
     <p:extLst>
-      <p:ext uri="{D2F8AC8A-EFE6-4C92-974B-D31085C3836D}">
-        <p14:creationId xmlns="" xmlns:c="http://schemas.openxmlformats.org/drawingml/2006/chart" xmlns:cs="http://schemas.microsoft.com/office/drawing/2012/chartStyle" xmlns:ns1="http://schemas.openxmlformats.org/officeDocument/2006/extended-properties" xmlns:vt="http://schemas.openxmlformats.org/officeDocument/2006/docPropsVTypes" xmlns:p14="http://schemas.microsoft.com/office/powerpoint/2010/main" val="1658769465819"/>
+      <p:ext uri="{BB962C8B-B14F-4D97-AF65-F5344CB8AC3E}">
+        <p14:creationId xmlns:p14="http://schemas.microsoft.com/office/powerpoint/2010/main" val="204089164"/>
       </p:ext>
     </p:extLst>
   </p:cSld>
   <p:clrMapOvr>
     <a:masterClrMapping/>
   </p:clrMapOvr>
+  <p:timing>
+    <p:tnLst>
+      <p:par>
+        <p:cTn id="1" dur="indefinite" restart="never" nodeType="tmRoot"/>
+      </p:par>
+    </p:tnLst>
+  </p:timing>
 </p:sld>
 </file>
 
-<file path=ppt/slides/slide6.xml><?xml version="1.0" encoding="utf-8"?>
+<file path=ppt/slides/slide8.xml><?xml version="1.0" encoding="utf-8"?>
 <p:sld xmlns:a="http://schemas.openxmlformats.org/drawingml/2006/main" xmlns:r="http://schemas.openxmlformats.org/officeDocument/2006/relationships" xmlns:p="http://schemas.openxmlformats.org/presentationml/2006/main">
   <p:cSld>
     <p:spTree>
       <p:nvGrpSpPr>
-        <p:cNvPr id="1" name=""/>
+        <p:cNvPr id="1" name="Shape 14"/>
         <p:cNvGrpSpPr/>
         <p:nvPr/>
       </p:nvGrpSpPr>
@@ -7224,212 +9166,374 @@
       </p:grpSpPr>
       <p:sp>
         <p:nvSpPr>
-          <p:cNvPr id="2" name="Title Placeholder 1">
+          <p:cNvPr id="15" name="Google Shape;15;p1"/>
+          <p:cNvSpPr txBox="1">
+            <a:spLocks noGrp="1"/>
+          </p:cNvSpPr>
+          <p:nvPr>
+            <p:ph type="title"/>
+          </p:nvPr>
+        </p:nvSpPr>
+        <p:spPr>
+          <a:xfrm>
+            <a:off x="523956" y="86373"/>
+            <a:ext cx="7676459" cy="733466"/>
+          </a:xfrm>
+          <a:prstGeom prst="rect">
+            <a:avLst/>
+          </a:prstGeom>
+          <a:noFill/>
+          <a:ln>
+            <a:noFill/>
+          </a:ln>
+        </p:spPr>
+        <p:txBody>
+          <a:bodyPr spcFirstLastPara="1" wrap="square" lIns="91425" tIns="45700" rIns="91425" bIns="45700" anchor="b" anchorCtr="0">
+            <a:noAutofit/>
+          </a:bodyPr>
+          <a:lstStyle/>
+          <a:p>
+            <a:pPr marL="0" lvl="0" indent="0" rtl="0">
+              <a:lnSpc>
+                <a:spcPct val="85000"/>
+              </a:lnSpc>
+              <a:spcBef>
+                <a:spcPts val="0"/>
+              </a:spcBef>
+              <a:spcAft>
+                <a:spcPts val="0"/>
+              </a:spcAft>
+              <a:buClr>
+                <a:schemeClr val="dk2"/>
+              </a:buClr>
+              <a:buSzPts val="4000"/>
+              <a:buFont typeface="Roboto Black"/>
+              <a:buNone/>
+            </a:pPr>
+            <a:r>
+              <a:rPr lang="en-US" sz="4000" dirty="0" smtClean="0">
+                <a:solidFill>
+                  <a:schemeClr val="tx2"/>
+                </a:solidFill>
+              </a:rPr>
+              <a:t>DFD level 0 </a:t>
+            </a:r>
+            <a:endParaRPr dirty="0">
+              <a:solidFill>
+                <a:schemeClr val="tx2"/>
+              </a:solidFill>
+            </a:endParaRPr>
+          </a:p>
+        </p:txBody>
+      </p:sp>
+      <p:pic>
+        <p:nvPicPr>
+          <p:cNvPr id="2" name="Picture 1"/>
+          <p:cNvPicPr>
+            <a:picLocks noChangeAspect="1"/>
+          </p:cNvPicPr>
+          <p:nvPr/>
+        </p:nvPicPr>
+        <p:blipFill>
+          <a:blip r:embed="rId2">
             <a:extLst>
-              <a:ext uri="{7382866E-9106-41AB-9D06-5023D902D8E6}">
-                <a16:creationId xmlns="" xmlns:c="http://schemas.openxmlformats.org/drawingml/2006/chart" xmlns:cs="http://schemas.microsoft.com/office/drawing/2012/chartStyle" xmlns:ns1="http://schemas.openxmlformats.org/officeDocument/2006/extended-properties" xmlns:vt="http://schemas.openxmlformats.org/officeDocument/2006/docPropsVTypes" xmlns:a16="http://schemas.microsoft.com/office/drawing/2010/main" id="{55E51A82-7EAD-4DBB-B58E-BA13E75551CF}"/>
+              <a:ext uri="{28A0092B-C50C-407E-A947-70E740481C1C}">
+                <a14:useLocalDpi xmlns:a14="http://schemas.microsoft.com/office/drawing/2010/main" val="0"/>
               </a:ext>
             </a:extLst>
-          </p:cNvPr>
-          <p:cNvSpPr>
-            <a:spLocks noGrp="1"/>
-          </p:cNvSpPr>
-          <p:nvPr>
-            <p:ph type="title"/>
-          </p:nvPr>
-        </p:nvSpPr>
-        <p:spPr/>
-        <p:txBody>
-          <a:bodyPr rtlCol="0"/>
-          <a:lstStyle/>
-          <a:p>
-            <a:pPr algn="ctr"/>
-            <a:r>
-              <a:rPr lang="en-US" sz="4000" dirty="0"/>
-              <a:t>TECHNOLOGY STACK</a:t>
-            </a:r>
-          </a:p>
-        </p:txBody>
-      </p:sp>
-      <p:sp>
-        <p:nvSpPr>
-          <p:cNvPr id="3" name="Content Placeholder 2">
+          </a:blip>
+          <a:stretch>
+            <a:fillRect/>
+          </a:stretch>
+        </p:blipFill>
+        <p:spPr>
+          <a:xfrm>
+            <a:off x="14591" y="4392542"/>
+            <a:ext cx="8433881" cy="2335744"/>
+          </a:xfrm>
+          <a:prstGeom prst="rect">
+            <a:avLst/>
+          </a:prstGeom>
+        </p:spPr>
+      </p:pic>
+      <p:pic>
+        <p:nvPicPr>
+          <p:cNvPr id="6" name="Picture 5"/>
+          <p:cNvPicPr>
+            <a:picLocks noChangeAspect="1"/>
+          </p:cNvPicPr>
+          <p:nvPr/>
+        </p:nvPicPr>
+        <p:blipFill rotWithShape="1">
+          <a:blip r:embed="rId3">
             <a:extLst>
-              <a:ext uri="{2F11A6F3-2FA0-4406-900A-AC4A19E8F854}">
-                <a16:creationId xmlns="" xmlns:c="http://schemas.openxmlformats.org/drawingml/2006/chart" xmlns:cs="http://schemas.microsoft.com/office/drawing/2012/chartStyle" xmlns:ns1="http://schemas.openxmlformats.org/officeDocument/2006/extended-properties" xmlns:vt="http://schemas.openxmlformats.org/officeDocument/2006/docPropsVTypes" xmlns:a16="http://schemas.microsoft.com/office/drawing/2010/main" id="{2D7F9F99-AAFE-442C-AB18-22A1AA519BFD}"/>
+              <a:ext uri="{28A0092B-C50C-407E-A947-70E740481C1C}">
+                <a14:useLocalDpi xmlns:a14="http://schemas.microsoft.com/office/drawing/2010/main" val="0"/>
               </a:ext>
             </a:extLst>
-          </p:cNvPr>
-          <p:cNvSpPr>
-            <a:spLocks noGrp="1"/>
-          </p:cNvSpPr>
-          <p:nvPr>
-            <p:ph idx="1"/>
-          </p:nvPr>
-        </p:nvSpPr>
-        <p:spPr/>
-        <p:txBody>
-          <a:bodyPr vert="horz" rtlCol="0">
-            <a:normAutofit/>
+          </a:blip>
+          <a:srcRect l="2128" t="6321" r="2128"/>
+          <a:stretch/>
+        </p:blipFill>
+        <p:spPr>
+          <a:xfrm>
+            <a:off x="14591" y="710119"/>
+            <a:ext cx="8463065" cy="2725221"/>
+          </a:xfrm>
+          <a:prstGeom prst="rect">
+            <a:avLst/>
+          </a:prstGeom>
+        </p:spPr>
+      </p:pic>
+      <p:sp>
+        <p:nvSpPr>
+          <p:cNvPr id="8" name="Google Shape;15;p1"/>
+          <p:cNvSpPr txBox="1">
+            <a:spLocks/>
+          </p:cNvSpPr>
+          <p:nvPr/>
+        </p:nvSpPr>
+        <p:spPr>
+          <a:xfrm>
+            <a:off x="523955" y="3412497"/>
+            <a:ext cx="7676459" cy="733466"/>
+          </a:xfrm>
+          <a:prstGeom prst="rect">
+            <a:avLst/>
+          </a:prstGeom>
+          <a:noFill/>
+          <a:ln>
+            <a:noFill/>
+          </a:ln>
+        </p:spPr>
+        <p:txBody>
+          <a:bodyPr spcFirstLastPara="1" vert="horz" wrap="square" lIns="91425" tIns="45700" rIns="91425" bIns="45700" rtlCol="0" anchor="b" anchorCtr="0">
+            <a:noAutofit/>
           </a:bodyPr>
-          <a:lstStyle/>
-          <a:p>
-            <a:r>
-              <a:rPr lang="en-US" dirty="0">
+          <a:lstStyle>
+            <a:lvl1pPr algn="l" defTabSz="685800" rtl="0" eaLnBrk="1" latinLnBrk="0" hangingPunct="1">
+              <a:lnSpc>
+                <a:spcPct val="90000"/>
+              </a:lnSpc>
+              <a:spcBef>
+                <a:spcPct val="0"/>
+              </a:spcBef>
+              <a:buNone/>
+              <a:defRPr sz="3300" kern="1200" spc="-38" baseline="0">
                 <a:solidFill>
                   <a:schemeClr val="tx1"/>
                 </a:solidFill>
-              </a:rPr>
-              <a:t>MOBILE APPLICATION:FLUTTER FRAMEWORK AND DART</a:t>
-            </a:r>
-          </a:p>
-          <a:p>
-            <a:r>
-              <a:rPr lang="en-US" dirty="0">
-                <a:solidFill>
-                  <a:schemeClr val="tx1"/>
-                </a:solidFill>
-              </a:rPr>
-              <a:t>BACKEND SERVER:NODE.JS </a:t>
-            </a:r>
-          </a:p>
-          <a:p>
-            <a:r>
-              <a:rPr lang="en-US" dirty="0">
-                <a:solidFill>
-                  <a:schemeClr val="tx1"/>
-                </a:solidFill>
-              </a:rPr>
-              <a:t>THIRD-PARTY API:GOOGLE MAPS(LOCATION SERVICE)</a:t>
-            </a:r>
-          </a:p>
-          <a:p>
-            <a:r>
-              <a:rPr lang="en-US" dirty="0">
-                <a:solidFill>
-                  <a:schemeClr val="tx1"/>
-                </a:solidFill>
-              </a:rPr>
-              <a:t>DATABASE:SQL/NOSQL(DEPENDS ON USECASE</a:t>
-            </a:r>
-            <a:r>
-              <a:rPr lang="en-US" dirty="0" smtClean="0">
-                <a:solidFill>
-                  <a:schemeClr val="tx1"/>
-                </a:solidFill>
-              </a:rPr>
-              <a:t>)</a:t>
-            </a:r>
-          </a:p>
-          <a:p>
-            <a:pPr marL="0" indent="0">
+                <a:latin typeface="+mj-lt"/>
+                <a:ea typeface="+mj-ea"/>
+                <a:cs typeface="+mj-cs"/>
+              </a:defRPr>
+            </a:lvl1pPr>
+          </a:lstStyle>
+          <a:p>
+            <a:pPr>
+              <a:lnSpc>
+                <a:spcPct val="85000"/>
+              </a:lnSpc>
+              <a:spcBef>
+                <a:spcPts val="0"/>
+              </a:spcBef>
+              <a:buClr>
+                <a:schemeClr val="dk2"/>
+              </a:buClr>
+              <a:buSzPts val="4000"/>
+              <a:buFont typeface="Roboto Black"/>
               <a:buNone/>
             </a:pPr>
+            <a:r>
+              <a:rPr lang="en-US" sz="4000" dirty="0" smtClean="0">
+                <a:solidFill>
+                  <a:schemeClr val="tx2"/>
+                </a:solidFill>
+              </a:rPr>
+              <a:t>Timeline Chart</a:t>
+            </a:r>
             <a:endParaRPr lang="en-US" dirty="0">
               <a:solidFill>
-                <a:schemeClr val="tx1"/>
+                <a:schemeClr val="tx2"/>
               </a:solidFill>
             </a:endParaRPr>
           </a:p>
-          <a:p>
-            <a:r>
-              <a:rPr lang="en-US" dirty="0">
-                <a:solidFill>
-                  <a:schemeClr val="tx1"/>
-                </a:solidFill>
-              </a:rPr>
-              <a:t>HARDWARE/SOFTWARE REQUIRED</a:t>
-            </a:r>
-          </a:p>
-          <a:p>
-            <a:pPr marL="0" indent="0">
-              <a:buNone/>
-            </a:pPr>
-            <a:r>
-              <a:rPr lang="en-US" dirty="0">
-                <a:solidFill>
-                  <a:schemeClr val="tx1"/>
-                </a:solidFill>
-              </a:rPr>
-              <a:t>1)A</a:t>
-            </a:r>
-            <a:r>
-              <a:rPr lang="en-US" cap="small" dirty="0">
-                <a:solidFill>
-                  <a:schemeClr val="tx1"/>
-                </a:solidFill>
-              </a:rPr>
-              <a:t>NDROID DEVICE RUNNING VERSION 9.0 &amp; ABOVE</a:t>
-            </a:r>
-          </a:p>
-          <a:p>
-            <a:pPr marL="0" indent="0">
-              <a:buNone/>
-            </a:pPr>
-            <a:r>
-              <a:rPr lang="en-US" dirty="0">
-                <a:solidFill>
-                  <a:schemeClr val="tx1"/>
-                </a:solidFill>
-              </a:rPr>
-              <a:t>2)S</a:t>
-            </a:r>
-            <a:r>
-              <a:rPr lang="en-US" cap="small" dirty="0">
-                <a:solidFill>
-                  <a:schemeClr val="tx1"/>
-                </a:solidFill>
-              </a:rPr>
-              <a:t>ERVER MACHINE WITH ATLEAST 2 GB RAM AND QUAD CORE PROCESSOR</a:t>
-            </a:r>
-          </a:p>
-          <a:p>
-            <a:pPr marL="0" indent="0">
-              <a:buNone/>
-            </a:pPr>
-            <a:r>
-              <a:rPr lang="en-US" dirty="0">
-                <a:solidFill>
-                  <a:schemeClr val="tx1"/>
-                </a:solidFill>
-              </a:rPr>
-              <a:t>3)I</a:t>
-            </a:r>
-            <a:r>
-              <a:rPr lang="en-US" cap="small" baseline="0" dirty="0">
-                <a:solidFill>
-                  <a:schemeClr val="tx1"/>
-                </a:solidFill>
-              </a:rPr>
-              <a:t>NTERNET CONNECTIVITY</a:t>
-            </a:r>
-          </a:p>
-          <a:p>
-            <a:endParaRPr lang="en-US" cap="small" baseline="0" dirty="0">
-              <a:solidFill>
-                <a:schemeClr val="tx1"/>
-              </a:solidFill>
-            </a:endParaRPr>
-          </a:p>
-          <a:p>
-            <a:endParaRPr lang="en-US" dirty="0">
-              <a:solidFill>
-                <a:schemeClr val="tx1"/>
-              </a:solidFill>
-            </a:endParaRPr>
-          </a:p>
         </p:txBody>
       </p:sp>
     </p:spTree>
     <p:extLst>
-      <p:ext uri="{16CB75D1-A1F3-4916-A65F-216EE03B567F}">
-        <p14:creationId xmlns="" xmlns:c="http://schemas.openxmlformats.org/drawingml/2006/chart" xmlns:cs="http://schemas.microsoft.com/office/drawing/2012/chartStyle" xmlns:ns1="http://schemas.openxmlformats.org/officeDocument/2006/extended-properties" xmlns:vt="http://schemas.openxmlformats.org/officeDocument/2006/docPropsVTypes" xmlns:p14="http://schemas.microsoft.com/office/powerpoint/2010/main" val="1658769465822"/>
+      <p:ext uri="{BB962C8B-B14F-4D97-AF65-F5344CB8AC3E}">
+        <p14:creationId xmlns:p14="http://schemas.microsoft.com/office/powerpoint/2010/main" val="3653611849"/>
       </p:ext>
     </p:extLst>
   </p:cSld>
   <p:clrMapOvr>
     <a:masterClrMapping/>
   </p:clrMapOvr>
+  <p:timing>
+    <p:tnLst>
+      <p:par>
+        <p:cTn id="1" dur="indefinite" restart="never" nodeType="tmRoot"/>
+      </p:par>
+    </p:tnLst>
+  </p:timing>
+</p:sld>
+</file>
+
+<file path=ppt/slides/slide9.xml><?xml version="1.0" encoding="utf-8"?>
+<p:sld xmlns:a="http://schemas.openxmlformats.org/drawingml/2006/main" xmlns:r="http://schemas.openxmlformats.org/officeDocument/2006/relationships" xmlns:p="http://schemas.openxmlformats.org/presentationml/2006/main">
+  <p:cSld>
+    <p:spTree>
+      <p:nvGrpSpPr>
+        <p:cNvPr id="1" name="Shape 14"/>
+        <p:cNvGrpSpPr/>
+        <p:nvPr/>
+      </p:nvGrpSpPr>
+      <p:grpSpPr>
+        <a:xfrm>
+          <a:off x="0" y="0"/>
+          <a:ext cx="0" cy="0"/>
+          <a:chOff x="0" y="0"/>
+          <a:chExt cx="0" cy="0"/>
+        </a:xfrm>
+      </p:grpSpPr>
+      <p:sp>
+        <p:nvSpPr>
+          <p:cNvPr id="15" name="Google Shape;15;p1"/>
+          <p:cNvSpPr txBox="1">
+            <a:spLocks noGrp="1"/>
+          </p:cNvSpPr>
+          <p:nvPr>
+            <p:ph type="title"/>
+          </p:nvPr>
+        </p:nvSpPr>
+        <p:spPr>
+          <a:xfrm>
+            <a:off x="543413" y="489302"/>
+            <a:ext cx="7269480" cy="733466"/>
+          </a:xfrm>
+          <a:prstGeom prst="rect">
+            <a:avLst/>
+          </a:prstGeom>
+          <a:noFill/>
+          <a:ln>
+            <a:noFill/>
+          </a:ln>
+        </p:spPr>
+        <p:txBody>
+          <a:bodyPr spcFirstLastPara="1" wrap="square" lIns="91425" tIns="45700" rIns="91425" bIns="45700" anchor="b" anchorCtr="0">
+            <a:noAutofit/>
+          </a:bodyPr>
+          <a:lstStyle/>
+          <a:p>
+            <a:pPr marL="0" lvl="0" indent="0" rtl="0">
+              <a:lnSpc>
+                <a:spcPct val="85000"/>
+              </a:lnSpc>
+              <a:spcBef>
+                <a:spcPts val="0"/>
+              </a:spcBef>
+              <a:spcAft>
+                <a:spcPts val="0"/>
+              </a:spcAft>
+              <a:buClr>
+                <a:schemeClr val="dk2"/>
+              </a:buClr>
+              <a:buSzPts val="4000"/>
+              <a:buFont typeface="Roboto Black"/>
+              <a:buNone/>
+            </a:pPr>
+            <a:r>
+              <a:rPr lang="en-US" sz="4000" dirty="0" smtClean="0">
+                <a:solidFill>
+                  <a:schemeClr val="tx2"/>
+                </a:solidFill>
+              </a:rPr>
+              <a:t>Use Case Diagram </a:t>
+            </a:r>
+            <a:endParaRPr dirty="0">
+              <a:solidFill>
+                <a:schemeClr val="tx2"/>
+              </a:solidFill>
+            </a:endParaRPr>
+          </a:p>
+        </p:txBody>
+      </p:sp>
+      <p:pic>
+        <p:nvPicPr>
+          <p:cNvPr id="2" name="Picture 1"/>
+          <p:cNvPicPr>
+            <a:picLocks noChangeAspect="1"/>
+          </p:cNvPicPr>
+          <p:nvPr/>
+        </p:nvPicPr>
+        <p:blipFill rotWithShape="1">
+          <a:blip r:embed="rId2">
+            <a:extLst>
+              <a:ext uri="{28A0092B-C50C-407E-A947-70E740481C1C}">
+                <a14:useLocalDpi xmlns:a14="http://schemas.microsoft.com/office/drawing/2010/main" val="0"/>
+              </a:ext>
+            </a:extLst>
+          </a:blip>
+          <a:srcRect l="15469" r="14288" b="3354"/>
+          <a:stretch/>
+        </p:blipFill>
+        <p:spPr>
+          <a:xfrm>
+            <a:off x="1113940" y="1222768"/>
+            <a:ext cx="4630366" cy="5324911"/>
+          </a:xfrm>
+          <a:prstGeom prst="rect">
+            <a:avLst/>
+          </a:prstGeom>
+        </p:spPr>
+      </p:pic>
+      <p:pic>
+        <p:nvPicPr>
+          <p:cNvPr id="11" name="Picture 10"/>
+          <p:cNvPicPr>
+            <a:picLocks noChangeAspect="1"/>
+          </p:cNvPicPr>
+          <p:nvPr/>
+        </p:nvPicPr>
+        <p:blipFill rotWithShape="1">
+          <a:blip r:embed="rId3">
+            <a:extLst>
+              <a:ext uri="{28A0092B-C50C-407E-A947-70E740481C1C}">
+                <a14:useLocalDpi xmlns:a14="http://schemas.microsoft.com/office/drawing/2010/main" val="0"/>
+              </a:ext>
+            </a:extLst>
+          </a:blip>
+          <a:srcRect l="12181" r="12713"/>
+          <a:stretch/>
+        </p:blipFill>
+        <p:spPr>
+          <a:xfrm rot="5400000">
+            <a:off x="4521057" y="2244790"/>
+            <a:ext cx="6867733" cy="2378153"/>
+          </a:xfrm>
+          <a:prstGeom prst="rect">
+            <a:avLst/>
+          </a:prstGeom>
+        </p:spPr>
+      </p:pic>
+    </p:spTree>
+    <p:extLst>
+      <p:ext uri="{BB962C8B-B14F-4D97-AF65-F5344CB8AC3E}">
+        <p14:creationId xmlns:p14="http://schemas.microsoft.com/office/powerpoint/2010/main" val="1003852915"/>
+      </p:ext>
+    </p:extLst>
+  </p:cSld>
+  <p:clrMapOvr>
+    <a:masterClrMapping/>
+  </p:clrMapOvr>
+  <p:timing>
+    <p:tnLst>
+      <p:par>
+        <p:cTn id="1" dur="indefinite" restart="never" nodeType="tmRoot"/>
+      </p:par>
+    </p:tnLst>
+  </p:timing>
 </p:sld>
 </file>
 

--- a/docs/major project main ppt.pptx
+++ b/docs/major project main ppt.pptx
@@ -167,7 +167,7 @@
             </a:lvl1pPr>
           </a:lstStyle>
           <a:p>
-            <a:endParaRPr lang="en-US"/>
+            <a:endParaRPr lang="en-US" dirty="0"/>
           </a:p>
         </p:txBody>
       </p:sp>
@@ -202,7 +202,7 @@
               <a:rPr lang="en-US" smtClean="0"/>
               <a:t>13-Sep-22</a:t>
             </a:fld>
-            <a:endParaRPr lang="en-US"/>
+            <a:endParaRPr lang="en-US" dirty="0"/>
           </a:p>
         </p:txBody>
       </p:sp>
@@ -235,7 +235,7 @@
           <a:bodyPr vert="horz" lIns="91440" tIns="45720" rIns="91440" bIns="45720" rtlCol="0" anchor="ctr"/>
           <a:lstStyle/>
           <a:p>
-            <a:endParaRPr lang="en-US"/>
+            <a:endParaRPr lang="en-US" dirty="0"/>
           </a:p>
         </p:txBody>
       </p:sp>
@@ -326,7 +326,7 @@
             </a:lvl1pPr>
           </a:lstStyle>
           <a:p>
-            <a:endParaRPr lang="en-US"/>
+            <a:endParaRPr lang="en-US" dirty="0"/>
           </a:p>
         </p:txBody>
       </p:sp>
@@ -361,7 +361,7 @@
               <a:rPr lang="en-US" smtClean="0"/>
               <a:t>‹#›</a:t>
             </a:fld>
-            <a:endParaRPr lang="en-US"/>
+            <a:endParaRPr lang="en-US" dirty="0"/>
           </a:p>
         </p:txBody>
       </p:sp>
@@ -625,7 +625,7 @@
           </a:lstStyle>
           <a:p>
             <a:r>
-              <a:rPr lang="en-US" smtClean="0"/>
+              <a:rPr lang="en-US" dirty="0" smtClean="0"/>
               <a:t>Date</a:t>
             </a:r>
             <a:endParaRPr lang="en-US" dirty="0"/>
@@ -658,7 +658,7 @@
           </a:lstStyle>
           <a:p>
             <a:r>
-              <a:rPr lang="en-US" smtClean="0"/>
+              <a:rPr lang="en-US" dirty="0" smtClean="0"/>
               <a:t>Footer</a:t>
             </a:r>
             <a:endParaRPr lang="en-US" dirty="0"/>
@@ -691,7 +691,7 @@
           </a:lstStyle>
           <a:p>
             <a:r>
-              <a:rPr lang="en-US" smtClean="0"/>
+              <a:rPr lang="en-US" dirty="0" smtClean="0"/>
               <a:t>&lt;#&gt;</a:t>
             </a:r>
             <a:endParaRPr lang="en-US" dirty="0"/>
@@ -857,7 +857,7 @@
           <a:lstStyle/>
           <a:p>
             <a:r>
-              <a:rPr lang="en-US" smtClean="0"/>
+              <a:rPr lang="en-US" dirty="0" smtClean="0"/>
               <a:t>Date</a:t>
             </a:r>
             <a:endParaRPr lang="en-US" dirty="0"/>
@@ -880,7 +880,7 @@
           <a:lstStyle/>
           <a:p>
             <a:r>
-              <a:rPr lang="en-US" smtClean="0"/>
+              <a:rPr lang="en-US" dirty="0" smtClean="0"/>
               <a:t>Footer</a:t>
             </a:r>
             <a:endParaRPr lang="en-US" dirty="0"/>
@@ -903,7 +903,7 @@
           <a:lstStyle/>
           <a:p>
             <a:r>
-              <a:rPr lang="en-US" smtClean="0"/>
+              <a:rPr lang="en-US" dirty="0" smtClean="0"/>
               <a:t>&lt;#&gt;</a:t>
             </a:r>
             <a:endParaRPr lang="en-US" dirty="0"/>
@@ -1042,7 +1042,7 @@
           <a:lstStyle/>
           <a:p>
             <a:r>
-              <a:rPr lang="en-US" smtClean="0"/>
+              <a:rPr lang="en-US" dirty="0" smtClean="0"/>
               <a:t>Date</a:t>
             </a:r>
             <a:endParaRPr lang="en-US" dirty="0"/>
@@ -1065,7 +1065,7 @@
           <a:lstStyle/>
           <a:p>
             <a:r>
-              <a:rPr lang="en-US" smtClean="0"/>
+              <a:rPr lang="en-US" dirty="0" smtClean="0"/>
               <a:t>Footer</a:t>
             </a:r>
             <a:endParaRPr lang="en-US" dirty="0"/>
@@ -1088,7 +1088,7 @@
           <a:lstStyle/>
           <a:p>
             <a:r>
-              <a:rPr lang="en-US" smtClean="0"/>
+              <a:rPr lang="en-US" dirty="0" smtClean="0"/>
               <a:t>&lt;#&gt;</a:t>
             </a:r>
             <a:endParaRPr lang="en-US" dirty="0"/>
@@ -1131,7 +1131,7 @@
           <p:cNvPr id="2" name="Rectangle 6">
             <a:extLst>
               <a:ext uri="{ABE50F42-F2BC-4CFB-8C18-33323E75E36F}">
-                <a16:creationId xmlns:a16="http://schemas.microsoft.com/office/drawing/2010/main" xmlns:vt="http://schemas.openxmlformats.org/officeDocument/2006/docPropsVTypes" xmlns:ns1="http://schemas.openxmlformats.org/officeDocument/2006/extended-properties" xmlns:cs="http://schemas.microsoft.com/office/drawing/2012/chartStyle" xmlns:c="http://schemas.openxmlformats.org/drawingml/2006/chart" xmlns="" id="{EC0745F8-48D0-489C-B760-9A744A68172C}"/>
+                <a16:creationId xmlns="" xmlns:c="http://schemas.openxmlformats.org/drawingml/2006/chart" xmlns:cs="http://schemas.microsoft.com/office/drawing/2012/chartStyle" xmlns:ns1="http://schemas.openxmlformats.org/officeDocument/2006/extended-properties" xmlns:vt="http://schemas.openxmlformats.org/officeDocument/2006/docPropsVTypes" xmlns:a16="http://schemas.microsoft.com/office/drawing/2010/main" id="{EC0745F8-48D0-489C-B760-9A744A68172C}"/>
               </a:ext>
             </a:extLst>
           </p:cNvPr>
@@ -1182,7 +1182,7 @@
           <p:cNvPr id="3" name="Title Placeholder 1">
             <a:extLst>
               <a:ext uri="{78FBF475-ED4E-48EA-842D-302E28AD0F12}">
-                <a16:creationId xmlns:a16="http://schemas.microsoft.com/office/drawing/2010/main" xmlns:vt="http://schemas.openxmlformats.org/officeDocument/2006/docPropsVTypes" xmlns:ns1="http://schemas.openxmlformats.org/officeDocument/2006/extended-properties" xmlns:cs="http://schemas.microsoft.com/office/drawing/2012/chartStyle" xmlns:c="http://schemas.openxmlformats.org/drawingml/2006/chart" xmlns="" id="{9D77A738-DCF6-4065-AFBC-8BD18FA488BA}"/>
+                <a16:creationId xmlns="" xmlns:c="http://schemas.openxmlformats.org/drawingml/2006/chart" xmlns:cs="http://schemas.microsoft.com/office/drawing/2012/chartStyle" xmlns:ns1="http://schemas.openxmlformats.org/officeDocument/2006/extended-properties" xmlns:vt="http://schemas.openxmlformats.org/officeDocument/2006/docPropsVTypes" xmlns:a16="http://schemas.microsoft.com/office/drawing/2010/main" id="{9D77A738-DCF6-4065-AFBC-8BD18FA488BA}"/>
               </a:ext>
             </a:extLst>
           </p:cNvPr>
@@ -1220,7 +1220,7 @@
           <p:cNvPr id="4" name="Picture Placeholder 2">
             <a:extLst>
               <a:ext uri="{FCD394B5-9EB7-4C13-BAD4-B046DE05FFA0}">
-                <a16:creationId xmlns:a16="http://schemas.microsoft.com/office/drawing/2010/main" xmlns:vt="http://schemas.openxmlformats.org/officeDocument/2006/docPropsVTypes" xmlns:ns1="http://schemas.openxmlformats.org/officeDocument/2006/extended-properties" xmlns:cs="http://schemas.microsoft.com/office/drawing/2012/chartStyle" xmlns:c="http://schemas.openxmlformats.org/drawingml/2006/chart" xmlns="" id="{9625F645-88B1-4915-952F-B7FD6FE12B66}"/>
+                <a16:creationId xmlns="" xmlns:c="http://schemas.openxmlformats.org/drawingml/2006/chart" xmlns:cs="http://schemas.microsoft.com/office/drawing/2012/chartStyle" xmlns:ns1="http://schemas.openxmlformats.org/officeDocument/2006/extended-properties" xmlns:vt="http://schemas.openxmlformats.org/officeDocument/2006/docPropsVTypes" xmlns:a16="http://schemas.microsoft.com/office/drawing/2010/main" id="{9625F645-88B1-4915-952F-B7FD6FE12B66}"/>
               </a:ext>
             </a:extLst>
           </p:cNvPr>
@@ -1272,7 +1272,7 @@
           <p:cNvPr id="5" name="Content Placeholder 2">
             <a:extLst>
               <a:ext uri="{8AEFBF28-E811-40A8-81BC-4D7416BEEE55}">
-                <a16:creationId xmlns:a16="http://schemas.microsoft.com/office/drawing/2010/main" xmlns:vt="http://schemas.openxmlformats.org/officeDocument/2006/docPropsVTypes" xmlns:ns1="http://schemas.openxmlformats.org/officeDocument/2006/extended-properties" xmlns:cs="http://schemas.microsoft.com/office/drawing/2012/chartStyle" xmlns:c="http://schemas.openxmlformats.org/drawingml/2006/chart" xmlns="" id="{52D5E55A-5B26-463F-B528-3BE2861DF44E}"/>
+                <a16:creationId xmlns="" xmlns:c="http://schemas.openxmlformats.org/drawingml/2006/chart" xmlns:cs="http://schemas.microsoft.com/office/drawing/2012/chartStyle" xmlns:ns1="http://schemas.openxmlformats.org/officeDocument/2006/extended-properties" xmlns:vt="http://schemas.openxmlformats.org/officeDocument/2006/docPropsVTypes" xmlns:a16="http://schemas.microsoft.com/office/drawing/2010/main" id="{52D5E55A-5B26-463F-B528-3BE2861DF44E}"/>
               </a:ext>
             </a:extLst>
           </p:cNvPr>
@@ -1379,7 +1379,7 @@
           <p:cNvPr id="6" name="Picture Placeholder 2">
             <a:extLst>
               <a:ext uri="{DED6FF92-D8D7-4EC3-8D7C-182A5485C063}">
-                <a16:creationId xmlns:a16="http://schemas.microsoft.com/office/drawing/2010/main" xmlns:vt="http://schemas.openxmlformats.org/officeDocument/2006/docPropsVTypes" xmlns:ns1="http://schemas.openxmlformats.org/officeDocument/2006/extended-properties" xmlns:cs="http://schemas.microsoft.com/office/drawing/2012/chartStyle" xmlns:c="http://schemas.openxmlformats.org/drawingml/2006/chart" xmlns="" id="{99074058-0935-4F5A-A4A0-5AEF4DF4195C}"/>
+                <a16:creationId xmlns="" xmlns:c="http://schemas.openxmlformats.org/drawingml/2006/chart" xmlns:cs="http://schemas.microsoft.com/office/drawing/2012/chartStyle" xmlns:ns1="http://schemas.openxmlformats.org/officeDocument/2006/extended-properties" xmlns:vt="http://schemas.openxmlformats.org/officeDocument/2006/docPropsVTypes" xmlns:a16="http://schemas.microsoft.com/office/drawing/2010/main" id="{99074058-0935-4F5A-A4A0-5AEF4DF4195C}"/>
               </a:ext>
             </a:extLst>
           </p:cNvPr>
@@ -1431,7 +1431,7 @@
           <p:cNvPr id="7" name="Content Placeholder 2">
             <a:extLst>
               <a:ext uri="{1EFDA5F2-908C-44A7-BD79-E72AF4C36FDC}">
-                <a16:creationId xmlns:a16="http://schemas.microsoft.com/office/drawing/2010/main" xmlns:vt="http://schemas.openxmlformats.org/officeDocument/2006/docPropsVTypes" xmlns:ns1="http://schemas.openxmlformats.org/officeDocument/2006/extended-properties" xmlns:cs="http://schemas.microsoft.com/office/drawing/2012/chartStyle" xmlns:c="http://schemas.openxmlformats.org/drawingml/2006/chart" xmlns="" id="{7F314FB5-1141-4B4E-BF31-DF052E0F27DB}"/>
+                <a16:creationId xmlns="" xmlns:c="http://schemas.openxmlformats.org/drawingml/2006/chart" xmlns:cs="http://schemas.microsoft.com/office/drawing/2012/chartStyle" xmlns:ns1="http://schemas.openxmlformats.org/officeDocument/2006/extended-properties" xmlns:vt="http://schemas.openxmlformats.org/officeDocument/2006/docPropsVTypes" xmlns:a16="http://schemas.microsoft.com/office/drawing/2010/main" id="{7F314FB5-1141-4B4E-BF31-DF052E0F27DB}"/>
               </a:ext>
             </a:extLst>
           </p:cNvPr>
@@ -1538,7 +1538,7 @@
           <p:cNvPr id="8" name="Picture Placeholder 2">
             <a:extLst>
               <a:ext uri="{2C9102D8-2131-4B02-8901-B9F1E405B984}">
-                <a16:creationId xmlns:a16="http://schemas.microsoft.com/office/drawing/2010/main" xmlns:vt="http://schemas.openxmlformats.org/officeDocument/2006/docPropsVTypes" xmlns:ns1="http://schemas.openxmlformats.org/officeDocument/2006/extended-properties" xmlns:cs="http://schemas.microsoft.com/office/drawing/2012/chartStyle" xmlns:c="http://schemas.openxmlformats.org/drawingml/2006/chart" xmlns="" id="{F6FE8F7D-E4D2-4B6D-8791-ABEA9BBC3927}"/>
+                <a16:creationId xmlns="" xmlns:c="http://schemas.openxmlformats.org/drawingml/2006/chart" xmlns:cs="http://schemas.microsoft.com/office/drawing/2012/chartStyle" xmlns:ns1="http://schemas.openxmlformats.org/officeDocument/2006/extended-properties" xmlns:vt="http://schemas.openxmlformats.org/officeDocument/2006/docPropsVTypes" xmlns:a16="http://schemas.microsoft.com/office/drawing/2010/main" id="{F6FE8F7D-E4D2-4B6D-8791-ABEA9BBC3927}"/>
               </a:ext>
             </a:extLst>
           </p:cNvPr>
@@ -1590,7 +1590,7 @@
           <p:cNvPr id="9" name="Content Placeholder 2">
             <a:extLst>
               <a:ext uri="{4F81B464-7D29-4C40-8B34-E9B7AA1495DC}">
-                <a16:creationId xmlns:a16="http://schemas.microsoft.com/office/drawing/2010/main" xmlns:vt="http://schemas.openxmlformats.org/officeDocument/2006/docPropsVTypes" xmlns:ns1="http://schemas.openxmlformats.org/officeDocument/2006/extended-properties" xmlns:cs="http://schemas.microsoft.com/office/drawing/2012/chartStyle" xmlns:c="http://schemas.openxmlformats.org/drawingml/2006/chart" xmlns="" id="{2B3F2C1D-850C-47FB-8255-A1D6BFA7DF9C}"/>
+                <a16:creationId xmlns="" xmlns:c="http://schemas.openxmlformats.org/drawingml/2006/chart" xmlns:cs="http://schemas.microsoft.com/office/drawing/2012/chartStyle" xmlns:ns1="http://schemas.openxmlformats.org/officeDocument/2006/extended-properties" xmlns:vt="http://schemas.openxmlformats.org/officeDocument/2006/docPropsVTypes" xmlns:a16="http://schemas.microsoft.com/office/drawing/2010/main" id="{2B3F2C1D-850C-47FB-8255-A1D6BFA7DF9C}"/>
               </a:ext>
             </a:extLst>
           </p:cNvPr>
@@ -1697,7 +1697,7 @@
           <p:cNvPr id="10" name="Date Placeholder 1">
             <a:extLst>
               <a:ext uri="{BD165318-DCC7-4D11-AA54-C1F7C71849E4}">
-                <a16:creationId xmlns:a16="http://schemas.microsoft.com/office/drawing/2010/main" xmlns:vt="http://schemas.openxmlformats.org/officeDocument/2006/docPropsVTypes" xmlns:ns1="http://schemas.openxmlformats.org/officeDocument/2006/extended-properties" xmlns:cs="http://schemas.microsoft.com/office/drawing/2012/chartStyle" xmlns:c="http://schemas.openxmlformats.org/drawingml/2006/chart" xmlns="" id="{453800B7-525D-4D84-BF81-FA4E5AE5499A}"/>
+                <a16:creationId xmlns="" xmlns:c="http://schemas.openxmlformats.org/drawingml/2006/chart" xmlns:cs="http://schemas.microsoft.com/office/drawing/2012/chartStyle" xmlns:ns1="http://schemas.openxmlformats.org/officeDocument/2006/extended-properties" xmlns:vt="http://schemas.openxmlformats.org/officeDocument/2006/docPropsVTypes" xmlns:a16="http://schemas.microsoft.com/office/drawing/2010/main" id="{453800B7-525D-4D84-BF81-FA4E5AE5499A}"/>
               </a:ext>
             </a:extLst>
           </p:cNvPr>
@@ -1725,7 +1725,7 @@
           <p:cNvPr id="11" name="Footer Placeholder 3">
             <a:extLst>
               <a:ext uri="{EC5DE3D4-4D58-46C1-B3FC-030E656B638E}">
-                <a16:creationId xmlns:a16="http://schemas.microsoft.com/office/drawing/2010/main" xmlns:vt="http://schemas.openxmlformats.org/officeDocument/2006/docPropsVTypes" xmlns:ns1="http://schemas.openxmlformats.org/officeDocument/2006/extended-properties" xmlns:cs="http://schemas.microsoft.com/office/drawing/2012/chartStyle" xmlns:c="http://schemas.openxmlformats.org/drawingml/2006/chart" xmlns="" id="{66573FD9-AE53-4AAE-9F1A-C76C938EBD43}"/>
+                <a16:creationId xmlns="" xmlns:c="http://schemas.openxmlformats.org/drawingml/2006/chart" xmlns:cs="http://schemas.microsoft.com/office/drawing/2012/chartStyle" xmlns:ns1="http://schemas.openxmlformats.org/officeDocument/2006/extended-properties" xmlns:vt="http://schemas.openxmlformats.org/officeDocument/2006/docPropsVTypes" xmlns:a16="http://schemas.microsoft.com/office/drawing/2010/main" id="{66573FD9-AE53-4AAE-9F1A-C76C938EBD43}"/>
               </a:ext>
             </a:extLst>
           </p:cNvPr>
@@ -1753,7 +1753,7 @@
           <p:cNvPr id="12" name="Slide Number Placeholder 4">
             <a:extLst>
               <a:ext uri="{E8743174-A706-4098-9000-74D32ED817A1}">
-                <a16:creationId xmlns:a16="http://schemas.microsoft.com/office/drawing/2010/main" xmlns:vt="http://schemas.openxmlformats.org/officeDocument/2006/docPropsVTypes" xmlns:ns1="http://schemas.openxmlformats.org/officeDocument/2006/extended-properties" xmlns:cs="http://schemas.microsoft.com/office/drawing/2012/chartStyle" xmlns:c="http://schemas.openxmlformats.org/drawingml/2006/chart" xmlns="" id="{EA67FDC8-8D07-4582-A70D-D37E0A1A1854}"/>
+                <a16:creationId xmlns="" xmlns:c="http://schemas.openxmlformats.org/drawingml/2006/chart" xmlns:cs="http://schemas.microsoft.com/office/drawing/2012/chartStyle" xmlns:ns1="http://schemas.openxmlformats.org/officeDocument/2006/extended-properties" xmlns:vt="http://schemas.openxmlformats.org/officeDocument/2006/docPropsVTypes" xmlns:a16="http://schemas.microsoft.com/office/drawing/2010/main" id="{EA67FDC8-8D07-4582-A70D-D37E0A1A1854}"/>
               </a:ext>
             </a:extLst>
           </p:cNvPr>
@@ -1782,7 +1782,7 @@
     </p:custDataLst>
     <p:extLst>
       <p:ext uri="{FE7C8D64-11D8-444C-B942-D435DDBA9011}">
-        <p14:creationId xmlns:p14="http://schemas.microsoft.com/office/powerpoint/2010/main" xmlns:vt="http://schemas.openxmlformats.org/officeDocument/2006/docPropsVTypes" xmlns:ns1="http://schemas.openxmlformats.org/officeDocument/2006/extended-properties" xmlns:cs="http://schemas.microsoft.com/office/drawing/2012/chartStyle" xmlns:c="http://schemas.openxmlformats.org/drawingml/2006/chart" xmlns="" val="1658769465796"/>
+        <p14:creationId xmlns="" xmlns:c="http://schemas.openxmlformats.org/drawingml/2006/chart" xmlns:cs="http://schemas.microsoft.com/office/drawing/2012/chartStyle" xmlns:ns1="http://schemas.openxmlformats.org/officeDocument/2006/extended-properties" xmlns:vt="http://schemas.openxmlformats.org/officeDocument/2006/docPropsVTypes" xmlns:p14="http://schemas.microsoft.com/office/powerpoint/2010/main" val="1658769465796"/>
       </p:ext>
     </p:extLst>
   </p:cSld>
@@ -1814,7 +1814,7 @@
           <p:cNvPr id="2" name="Rectangle 15">
             <a:extLst>
               <a:ext uri="{1FA59773-7B4C-4445-ACC3-0C2164C0C452}">
-                <a16:creationId xmlns:a16="http://schemas.microsoft.com/office/drawing/2010/main" xmlns:vt="http://schemas.openxmlformats.org/officeDocument/2006/docPropsVTypes" xmlns:ns1="http://schemas.openxmlformats.org/officeDocument/2006/extended-properties" xmlns:cs="http://schemas.microsoft.com/office/drawing/2012/chartStyle" xmlns:c="http://schemas.openxmlformats.org/drawingml/2006/chart" xmlns="" id="{50F1522C-496C-433E-8A8A-D60FBBA1F127}"/>
+                <a16:creationId xmlns="" xmlns:c="http://schemas.openxmlformats.org/drawingml/2006/chart" xmlns:cs="http://schemas.microsoft.com/office/drawing/2012/chartStyle" xmlns:ns1="http://schemas.openxmlformats.org/officeDocument/2006/extended-properties" xmlns:vt="http://schemas.openxmlformats.org/officeDocument/2006/docPropsVTypes" xmlns:a16="http://schemas.microsoft.com/office/drawing/2010/main" id="{50F1522C-496C-433E-8A8A-D60FBBA1F127}"/>
               </a:ext>
             </a:extLst>
           </p:cNvPr>
@@ -1865,7 +1865,7 @@
           <p:cNvPr id="3" name="Title Placeholder 1">
             <a:extLst>
               <a:ext uri="{480DCEC7-4638-42DA-8D12-D6D87FA6EF07}">
-                <a16:creationId xmlns:a16="http://schemas.microsoft.com/office/drawing/2010/main" xmlns:vt="http://schemas.openxmlformats.org/officeDocument/2006/docPropsVTypes" xmlns:ns1="http://schemas.openxmlformats.org/officeDocument/2006/extended-properties" xmlns:cs="http://schemas.microsoft.com/office/drawing/2012/chartStyle" xmlns:c="http://schemas.openxmlformats.org/drawingml/2006/chart" xmlns="" id="{248F4F3F-0649-47B1-BD92-97468D6858BC}"/>
+                <a16:creationId xmlns="" xmlns:c="http://schemas.openxmlformats.org/drawingml/2006/chart" xmlns:cs="http://schemas.microsoft.com/office/drawing/2012/chartStyle" xmlns:ns1="http://schemas.openxmlformats.org/officeDocument/2006/extended-properties" xmlns:vt="http://schemas.openxmlformats.org/officeDocument/2006/docPropsVTypes" xmlns:a16="http://schemas.microsoft.com/office/drawing/2010/main" id="{248F4F3F-0649-47B1-BD92-97468D6858BC}"/>
               </a:ext>
             </a:extLst>
           </p:cNvPr>
@@ -1903,7 +1903,7 @@
           <p:cNvPr id="4" name="Picture Placeholder 2">
             <a:extLst>
               <a:ext uri="{B7EA9786-6E04-47D2-A156-9DD7BC5BB403}">
-                <a16:creationId xmlns:a16="http://schemas.microsoft.com/office/drawing/2010/main" xmlns:vt="http://schemas.openxmlformats.org/officeDocument/2006/docPropsVTypes" xmlns:ns1="http://schemas.openxmlformats.org/officeDocument/2006/extended-properties" xmlns:cs="http://schemas.microsoft.com/office/drawing/2012/chartStyle" xmlns:c="http://schemas.openxmlformats.org/drawingml/2006/chart" xmlns="" id="{B5C8E82C-2D8E-4C7F-9286-9D25F9762955}"/>
+                <a16:creationId xmlns="" xmlns:c="http://schemas.openxmlformats.org/drawingml/2006/chart" xmlns:cs="http://schemas.microsoft.com/office/drawing/2012/chartStyle" xmlns:ns1="http://schemas.openxmlformats.org/officeDocument/2006/extended-properties" xmlns:vt="http://schemas.openxmlformats.org/officeDocument/2006/docPropsVTypes" xmlns:a16="http://schemas.microsoft.com/office/drawing/2010/main" id="{B5C8E82C-2D8E-4C7F-9286-9D25F9762955}"/>
               </a:ext>
             </a:extLst>
           </p:cNvPr>
@@ -1955,7 +1955,7 @@
           <p:cNvPr id="5" name="Picture Placeholder 2">
             <a:extLst>
               <a:ext uri="{CC8C2EEC-8BD5-4AD8-9435-6F356E7826C5}">
-                <a16:creationId xmlns:a16="http://schemas.microsoft.com/office/drawing/2010/main" xmlns:vt="http://schemas.openxmlformats.org/officeDocument/2006/docPropsVTypes" xmlns:ns1="http://schemas.openxmlformats.org/officeDocument/2006/extended-properties" xmlns:cs="http://schemas.microsoft.com/office/drawing/2012/chartStyle" xmlns:c="http://schemas.openxmlformats.org/drawingml/2006/chart" xmlns="" id="{2D593B2D-66CF-4BE3-84BA-8BC3A7F85DAC}"/>
+                <a16:creationId xmlns="" xmlns:c="http://schemas.openxmlformats.org/drawingml/2006/chart" xmlns:cs="http://schemas.microsoft.com/office/drawing/2012/chartStyle" xmlns:ns1="http://schemas.openxmlformats.org/officeDocument/2006/extended-properties" xmlns:vt="http://schemas.openxmlformats.org/officeDocument/2006/docPropsVTypes" xmlns:a16="http://schemas.microsoft.com/office/drawing/2010/main" id="{2D593B2D-66CF-4BE3-84BA-8BC3A7F85DAC}"/>
               </a:ext>
             </a:extLst>
           </p:cNvPr>
@@ -2007,7 +2007,7 @@
           <p:cNvPr id="6" name="Picture Placeholder 2">
             <a:extLst>
               <a:ext uri="{CC64DFBA-8D05-407E-8E12-FC7A4D181686}">
-                <a16:creationId xmlns:a16="http://schemas.microsoft.com/office/drawing/2010/main" xmlns:vt="http://schemas.openxmlformats.org/officeDocument/2006/docPropsVTypes" xmlns:ns1="http://schemas.openxmlformats.org/officeDocument/2006/extended-properties" xmlns:cs="http://schemas.microsoft.com/office/drawing/2012/chartStyle" xmlns:c="http://schemas.openxmlformats.org/drawingml/2006/chart" xmlns="" id="{B8EEA6BD-5D64-45F3-A53F-F57087BFDACB}"/>
+                <a16:creationId xmlns="" xmlns:c="http://schemas.openxmlformats.org/drawingml/2006/chart" xmlns:cs="http://schemas.microsoft.com/office/drawing/2012/chartStyle" xmlns:ns1="http://schemas.openxmlformats.org/officeDocument/2006/extended-properties" xmlns:vt="http://schemas.openxmlformats.org/officeDocument/2006/docPropsVTypes" xmlns:a16="http://schemas.microsoft.com/office/drawing/2010/main" id="{B8EEA6BD-5D64-45F3-A53F-F57087BFDACB}"/>
               </a:ext>
             </a:extLst>
           </p:cNvPr>
@@ -2059,7 +2059,7 @@
           <p:cNvPr id="7" name="Picture Placeholder 2">
             <a:extLst>
               <a:ext uri="{DBB2910C-6316-44A2-BBD0-156164DADBAB}">
-                <a16:creationId xmlns:a16="http://schemas.microsoft.com/office/drawing/2010/main" xmlns:vt="http://schemas.openxmlformats.org/officeDocument/2006/docPropsVTypes" xmlns:ns1="http://schemas.openxmlformats.org/officeDocument/2006/extended-properties" xmlns:cs="http://schemas.microsoft.com/office/drawing/2012/chartStyle" xmlns:c="http://schemas.openxmlformats.org/drawingml/2006/chart" xmlns="" id="{AA7FE8E7-A1E9-4497-B1BA-FB6F64463348}"/>
+                <a16:creationId xmlns="" xmlns:c="http://schemas.openxmlformats.org/drawingml/2006/chart" xmlns:cs="http://schemas.microsoft.com/office/drawing/2012/chartStyle" xmlns:ns1="http://schemas.openxmlformats.org/officeDocument/2006/extended-properties" xmlns:vt="http://schemas.openxmlformats.org/officeDocument/2006/docPropsVTypes" xmlns:a16="http://schemas.microsoft.com/office/drawing/2010/main" id="{AA7FE8E7-A1E9-4497-B1BA-FB6F64463348}"/>
               </a:ext>
             </a:extLst>
           </p:cNvPr>
@@ -2111,7 +2111,7 @@
           <p:cNvPr id="8" name="Date Placeholder 1">
             <a:extLst>
               <a:ext uri="{98F5A306-009B-474D-AF39-CA6CC6BA26B5}">
-                <a16:creationId xmlns:a16="http://schemas.microsoft.com/office/drawing/2010/main" xmlns:vt="http://schemas.openxmlformats.org/officeDocument/2006/docPropsVTypes" xmlns:ns1="http://schemas.openxmlformats.org/officeDocument/2006/extended-properties" xmlns:cs="http://schemas.microsoft.com/office/drawing/2012/chartStyle" xmlns:c="http://schemas.openxmlformats.org/drawingml/2006/chart" xmlns="" id="{8E3D11A2-7DA5-451C-B38A-0F965A9649A3}"/>
+                <a16:creationId xmlns="" xmlns:c="http://schemas.openxmlformats.org/drawingml/2006/chart" xmlns:cs="http://schemas.microsoft.com/office/drawing/2012/chartStyle" xmlns:ns1="http://schemas.openxmlformats.org/officeDocument/2006/extended-properties" xmlns:vt="http://schemas.openxmlformats.org/officeDocument/2006/docPropsVTypes" xmlns:a16="http://schemas.microsoft.com/office/drawing/2010/main" id="{8E3D11A2-7DA5-451C-B38A-0F965A9649A3}"/>
               </a:ext>
             </a:extLst>
           </p:cNvPr>
@@ -2139,7 +2139,7 @@
           <p:cNvPr id="9" name="Footer Placeholder 3">
             <a:extLst>
               <a:ext uri="{264CA1BA-98E5-477F-AB22-56189D4443D1}">
-                <a16:creationId xmlns:a16="http://schemas.microsoft.com/office/drawing/2010/main" xmlns:vt="http://schemas.openxmlformats.org/officeDocument/2006/docPropsVTypes" xmlns:ns1="http://schemas.openxmlformats.org/officeDocument/2006/extended-properties" xmlns:cs="http://schemas.microsoft.com/office/drawing/2012/chartStyle" xmlns:c="http://schemas.openxmlformats.org/drawingml/2006/chart" xmlns="" id="{6D507AC2-3C7E-4B78-894B-4ADF9F49EFB1}"/>
+                <a16:creationId xmlns="" xmlns:c="http://schemas.openxmlformats.org/drawingml/2006/chart" xmlns:cs="http://schemas.microsoft.com/office/drawing/2012/chartStyle" xmlns:ns1="http://schemas.openxmlformats.org/officeDocument/2006/extended-properties" xmlns:vt="http://schemas.openxmlformats.org/officeDocument/2006/docPropsVTypes" xmlns:a16="http://schemas.microsoft.com/office/drawing/2010/main" id="{6D507AC2-3C7E-4B78-894B-4ADF9F49EFB1}"/>
               </a:ext>
             </a:extLst>
           </p:cNvPr>
@@ -2167,7 +2167,7 @@
           <p:cNvPr id="10" name="Slide Number Placeholder 4">
             <a:extLst>
               <a:ext uri="{7A1EC886-36B5-4CCD-8192-0F58304A5C70}">
-                <a16:creationId xmlns:a16="http://schemas.microsoft.com/office/drawing/2010/main" xmlns:vt="http://schemas.openxmlformats.org/officeDocument/2006/docPropsVTypes" xmlns:ns1="http://schemas.openxmlformats.org/officeDocument/2006/extended-properties" xmlns:cs="http://schemas.microsoft.com/office/drawing/2012/chartStyle" xmlns:c="http://schemas.openxmlformats.org/drawingml/2006/chart" xmlns="" id="{DC085015-B247-4014-A528-046013BB7091}"/>
+                <a16:creationId xmlns="" xmlns:c="http://schemas.openxmlformats.org/drawingml/2006/chart" xmlns:cs="http://schemas.microsoft.com/office/drawing/2012/chartStyle" xmlns:ns1="http://schemas.openxmlformats.org/officeDocument/2006/extended-properties" xmlns:vt="http://schemas.openxmlformats.org/officeDocument/2006/docPropsVTypes" xmlns:a16="http://schemas.microsoft.com/office/drawing/2010/main" id="{DC085015-B247-4014-A528-046013BB7091}"/>
               </a:ext>
             </a:extLst>
           </p:cNvPr>
@@ -2196,7 +2196,7 @@
     </p:custDataLst>
     <p:extLst>
       <p:ext uri="{5B7D3ED5-AB83-4AC5-9E98-60A028B871B4}">
-        <p14:creationId xmlns:p14="http://schemas.microsoft.com/office/powerpoint/2010/main" xmlns:vt="http://schemas.openxmlformats.org/officeDocument/2006/docPropsVTypes" xmlns:ns1="http://schemas.openxmlformats.org/officeDocument/2006/extended-properties" xmlns:cs="http://schemas.microsoft.com/office/drawing/2012/chartStyle" xmlns:c="http://schemas.openxmlformats.org/drawingml/2006/chart" xmlns="" val="1658769465802"/>
+        <p14:creationId xmlns="" xmlns:c="http://schemas.openxmlformats.org/drawingml/2006/chart" xmlns:cs="http://schemas.microsoft.com/office/drawing/2012/chartStyle" xmlns:ns1="http://schemas.openxmlformats.org/officeDocument/2006/extended-properties" xmlns:vt="http://schemas.openxmlformats.org/officeDocument/2006/docPropsVTypes" xmlns:p14="http://schemas.microsoft.com/office/powerpoint/2010/main" val="1658769465802"/>
       </p:ext>
     </p:extLst>
   </p:cSld>
@@ -2314,7 +2314,7 @@
           <a:lstStyle/>
           <a:p>
             <a:r>
-              <a:rPr lang="en-US" smtClean="0"/>
+              <a:rPr lang="en-US" dirty="0" smtClean="0"/>
               <a:t>Date</a:t>
             </a:r>
             <a:endParaRPr lang="en-US" dirty="0"/>
@@ -2337,7 +2337,7 @@
           <a:lstStyle/>
           <a:p>
             <a:r>
-              <a:rPr lang="en-US" smtClean="0"/>
+              <a:rPr lang="en-US" dirty="0" smtClean="0"/>
               <a:t>Footer</a:t>
             </a:r>
             <a:endParaRPr lang="en-US" dirty="0"/>
@@ -2360,7 +2360,7 @@
           <a:lstStyle/>
           <a:p>
             <a:r>
-              <a:rPr lang="en-US" smtClean="0"/>
+              <a:rPr lang="en-US" dirty="0" smtClean="0"/>
               <a:t>&lt;#&gt;</a:t>
             </a:r>
             <a:endParaRPr lang="en-US" dirty="0"/>
@@ -2572,7 +2572,7 @@
           <a:lstStyle/>
           <a:p>
             <a:r>
-              <a:rPr lang="en-US" smtClean="0"/>
+              <a:rPr lang="en-US" dirty="0" smtClean="0"/>
               <a:t>Date</a:t>
             </a:r>
             <a:endParaRPr lang="en-US" dirty="0"/>
@@ -2595,7 +2595,7 @@
           <a:lstStyle/>
           <a:p>
             <a:r>
-              <a:rPr lang="en-US" smtClean="0"/>
+              <a:rPr lang="en-US" dirty="0" smtClean="0"/>
               <a:t>Footer</a:t>
             </a:r>
             <a:endParaRPr lang="en-US" dirty="0"/>
@@ -2618,7 +2618,7 @@
           <a:lstStyle/>
           <a:p>
             <a:r>
-              <a:rPr lang="en-US" smtClean="0"/>
+              <a:rPr lang="en-US" dirty="0" smtClean="0"/>
               <a:t>&lt;#&gt;</a:t>
             </a:r>
             <a:endParaRPr lang="en-US" dirty="0"/>
@@ -2902,7 +2902,7 @@
           <a:lstStyle/>
           <a:p>
             <a:r>
-              <a:rPr lang="en-US" smtClean="0"/>
+              <a:rPr lang="en-US" dirty="0" smtClean="0"/>
               <a:t>Date</a:t>
             </a:r>
             <a:endParaRPr lang="en-US" dirty="0"/>
@@ -2925,7 +2925,7 @@
           <a:lstStyle/>
           <a:p>
             <a:r>
-              <a:rPr lang="en-US" smtClean="0"/>
+              <a:rPr lang="en-US" dirty="0" smtClean="0"/>
               <a:t>Footer</a:t>
             </a:r>
             <a:endParaRPr lang="en-US" dirty="0"/>
@@ -2948,7 +2948,7 @@
           <a:lstStyle/>
           <a:p>
             <a:r>
-              <a:rPr lang="en-US" smtClean="0"/>
+              <a:rPr lang="en-US" dirty="0" smtClean="0"/>
               <a:t>&lt;#&gt;</a:t>
             </a:r>
             <a:endParaRPr lang="en-US" dirty="0"/>
@@ -3357,7 +3357,7 @@
           <a:lstStyle/>
           <a:p>
             <a:r>
-              <a:rPr lang="en-US" smtClean="0"/>
+              <a:rPr lang="en-US" dirty="0" smtClean="0"/>
               <a:t>Date</a:t>
             </a:r>
             <a:endParaRPr lang="en-US" dirty="0"/>
@@ -3380,7 +3380,7 @@
           <a:lstStyle/>
           <a:p>
             <a:r>
-              <a:rPr lang="en-US" smtClean="0"/>
+              <a:rPr lang="en-US" dirty="0" smtClean="0"/>
               <a:t>Footer</a:t>
             </a:r>
             <a:endParaRPr lang="en-US" dirty="0"/>
@@ -3403,7 +3403,7 @@
           <a:lstStyle/>
           <a:p>
             <a:r>
-              <a:rPr lang="en-US" smtClean="0"/>
+              <a:rPr lang="en-US" dirty="0" smtClean="0"/>
               <a:t>&lt;#&gt;</a:t>
             </a:r>
             <a:endParaRPr lang="en-US" dirty="0"/>
@@ -3479,7 +3479,7 @@
           <a:lstStyle/>
           <a:p>
             <a:r>
-              <a:rPr lang="en-US" smtClean="0"/>
+              <a:rPr lang="en-US" dirty="0" smtClean="0"/>
               <a:t>Date</a:t>
             </a:r>
             <a:endParaRPr lang="en-US" dirty="0"/>
@@ -3502,7 +3502,7 @@
           <a:lstStyle/>
           <a:p>
             <a:r>
-              <a:rPr lang="en-US" smtClean="0"/>
+              <a:rPr lang="en-US" dirty="0" smtClean="0"/>
               <a:t>Footer</a:t>
             </a:r>
             <a:endParaRPr lang="en-US" dirty="0"/>
@@ -3525,7 +3525,7 @@
           <a:lstStyle/>
           <a:p>
             <a:r>
-              <a:rPr lang="en-US" smtClean="0"/>
+              <a:rPr lang="en-US" dirty="0" smtClean="0"/>
               <a:t>&lt;#&gt;</a:t>
             </a:r>
             <a:endParaRPr lang="en-US" dirty="0"/>
@@ -3578,7 +3578,7 @@
           <a:lstStyle/>
           <a:p>
             <a:r>
-              <a:rPr lang="en-US" smtClean="0"/>
+              <a:rPr lang="en-US" dirty="0" smtClean="0"/>
               <a:t>Date</a:t>
             </a:r>
             <a:endParaRPr lang="en-US" dirty="0"/>
@@ -3601,7 +3601,7 @@
           <a:lstStyle/>
           <a:p>
             <a:r>
-              <a:rPr lang="en-US" smtClean="0"/>
+              <a:rPr lang="en-US" dirty="0" smtClean="0"/>
               <a:t>Footer</a:t>
             </a:r>
             <a:endParaRPr lang="en-US" dirty="0"/>
@@ -3624,7 +3624,7 @@
           <a:lstStyle/>
           <a:p>
             <a:r>
-              <a:rPr lang="en-US" smtClean="0"/>
+              <a:rPr lang="en-US" dirty="0" smtClean="0"/>
               <a:t>&lt;#&gt;</a:t>
             </a:r>
             <a:endParaRPr lang="en-US" dirty="0"/>
@@ -3869,7 +3869,7 @@
           <a:lstStyle/>
           <a:p>
             <a:r>
-              <a:rPr lang="en-US" smtClean="0"/>
+              <a:rPr lang="en-US" dirty="0" smtClean="0"/>
               <a:t>Date</a:t>
             </a:r>
             <a:endParaRPr lang="en-US" dirty="0"/>
@@ -3892,7 +3892,7 @@
           <a:lstStyle/>
           <a:p>
             <a:r>
-              <a:rPr lang="en-US" smtClean="0"/>
+              <a:rPr lang="en-US" dirty="0" smtClean="0"/>
               <a:t>Footer</a:t>
             </a:r>
             <a:endParaRPr lang="en-US" dirty="0"/>
@@ -3915,7 +3915,7 @@
           <a:lstStyle/>
           <a:p>
             <a:r>
-              <a:rPr lang="en-US" smtClean="0"/>
+              <a:rPr lang="en-US" dirty="0" smtClean="0"/>
               <a:t>&lt;#&gt;</a:t>
             </a:r>
             <a:endParaRPr lang="en-US" dirty="0"/>
@@ -4093,7 +4093,7 @@
           </a:lstStyle>
           <a:p>
             <a:r>
-              <a:rPr lang="en-US" smtClean="0"/>
+              <a:rPr lang="en-US" dirty="0" smtClean="0"/>
               <a:t>Click icon to add picture</a:t>
             </a:r>
             <a:endParaRPr lang="en-US" dirty="0"/>
@@ -4195,7 +4195,7 @@
           <a:lstStyle/>
           <a:p>
             <a:r>
-              <a:rPr lang="en-US" smtClean="0"/>
+              <a:rPr lang="en-US" dirty="0" smtClean="0"/>
               <a:t>Date</a:t>
             </a:r>
             <a:endParaRPr lang="en-US" dirty="0"/>
@@ -4218,7 +4218,7 @@
           <a:lstStyle/>
           <a:p>
             <a:r>
-              <a:rPr lang="en-US" smtClean="0"/>
+              <a:rPr lang="en-US" dirty="0" smtClean="0"/>
               <a:t>Footer</a:t>
             </a:r>
             <a:endParaRPr lang="en-US" dirty="0"/>
@@ -4241,7 +4241,7 @@
           <a:lstStyle/>
           <a:p>
             <a:r>
-              <a:rPr lang="en-US" smtClean="0"/>
+              <a:rPr lang="en-US" dirty="0" smtClean="0"/>
               <a:t>&lt;#&gt;</a:t>
             </a:r>
             <a:endParaRPr lang="en-US" dirty="0"/>
@@ -4453,7 +4453,7 @@
           </a:lstStyle>
           <a:p>
             <a:r>
-              <a:rPr lang="en-US" smtClean="0"/>
+              <a:rPr lang="en-US" dirty="0" smtClean="0"/>
               <a:t>Date</a:t>
             </a:r>
             <a:endParaRPr lang="en-US" dirty="0"/>
@@ -4495,7 +4495,7 @@
           </a:lstStyle>
           <a:p>
             <a:r>
-              <a:rPr lang="en-US" smtClean="0"/>
+              <a:rPr lang="en-US" dirty="0" smtClean="0"/>
               <a:t>Footer</a:t>
             </a:r>
             <a:endParaRPr lang="en-US" dirty="0"/>
@@ -4539,7 +4539,7 @@
           </a:lstStyle>
           <a:p>
             <a:r>
-              <a:rPr lang="en-US" smtClean="0"/>
+              <a:rPr lang="en-US" dirty="0" smtClean="0"/>
               <a:t>&lt;#&gt;</a:t>
             </a:r>
             <a:endParaRPr lang="en-US" dirty="0"/>
@@ -4962,7 +4962,7 @@
           <p:cNvPr id="2" name="Title 1">
             <a:extLst>
               <a:ext uri="{FD990918-B5BA-4BBD-9635-1ED58745FD0D}">
-                <a16:creationId xmlns:a16="http://schemas.microsoft.com/office/drawing/2010/main" xmlns:vt="http://schemas.openxmlformats.org/officeDocument/2006/docPropsVTypes" xmlns:ns1="http://schemas.openxmlformats.org/officeDocument/2006/extended-properties" xmlns:cs="http://schemas.microsoft.com/office/drawing/2012/chartStyle" xmlns:c="http://schemas.openxmlformats.org/drawingml/2006/chart" xmlns="" id="{9D9215BA-8290-4B0A-AD03-A5A708B20771}"/>
+                <a16:creationId xmlns="" xmlns:c="http://schemas.openxmlformats.org/drawingml/2006/chart" xmlns:cs="http://schemas.microsoft.com/office/drawing/2012/chartStyle" xmlns:ns1="http://schemas.openxmlformats.org/officeDocument/2006/extended-properties" xmlns:vt="http://schemas.openxmlformats.org/officeDocument/2006/docPropsVTypes" xmlns:a16="http://schemas.microsoft.com/office/drawing/2010/main" id="{9D9215BA-8290-4B0A-AD03-A5A708B20771}"/>
               </a:ext>
             </a:extLst>
           </p:cNvPr>
@@ -5021,7 +5021,7 @@
           <p:cNvPr id="3" name="Subtitle 2">
             <a:extLst>
               <a:ext uri="{CBE2ECFA-E256-4000-960A-068719FD5052}">
-                <a16:creationId xmlns:a16="http://schemas.microsoft.com/office/drawing/2010/main" xmlns:vt="http://schemas.openxmlformats.org/officeDocument/2006/docPropsVTypes" xmlns:ns1="http://schemas.openxmlformats.org/officeDocument/2006/extended-properties" xmlns:cs="http://schemas.microsoft.com/office/drawing/2012/chartStyle" xmlns:c="http://schemas.openxmlformats.org/drawingml/2006/chart" xmlns="" id="{1B5ACD09-9EDA-4F31-9862-FCE6773E68F0}"/>
+                <a16:creationId xmlns="" xmlns:c="http://schemas.openxmlformats.org/drawingml/2006/chart" xmlns:cs="http://schemas.microsoft.com/office/drawing/2012/chartStyle" xmlns:ns1="http://schemas.openxmlformats.org/officeDocument/2006/extended-properties" xmlns:vt="http://schemas.openxmlformats.org/officeDocument/2006/docPropsVTypes" xmlns:a16="http://schemas.microsoft.com/office/drawing/2010/main" id="{1B5ACD09-9EDA-4F31-9862-FCE6773E68F0}"/>
               </a:ext>
             </a:extLst>
           </p:cNvPr>
@@ -5082,14 +5082,17 @@
           <a:p>
             <a:pPr algn="ctr"/>
             <a:r>
-              <a:rPr lang="en-US" sz="1400" b="1" dirty="0" err="1">
+              <a:rPr lang="en-US" sz="1400" b="1" dirty="0">
                 <a:solidFill>
                   <a:schemeClr val="tx1"/>
                 </a:solidFill>
                 <a:latin typeface="Calibri"/>
               </a:rPr>
-              <a:t>Nishant</a:t>
-            </a:r>
+              <a:t>Nishant Ashok Patil                    TU3F1920095</a:t>
+            </a:r>
+          </a:p>
+          <a:p>
+            <a:pPr algn="ctr"/>
             <a:r>
               <a:rPr lang="en-US" sz="1400" b="1" dirty="0">
                 <a:solidFill>
@@ -5097,28 +5100,7 @@
                 </a:solidFill>
                 <a:latin typeface="Calibri"/>
               </a:rPr>
-              <a:t> Ashok Patil                    TU3F1920095</a:t>
-            </a:r>
-          </a:p>
-          <a:p>
-            <a:pPr algn="ctr"/>
-            <a:r>
-              <a:rPr lang="en-US" sz="1400" b="1" dirty="0" err="1">
-                <a:solidFill>
-                  <a:schemeClr val="tx1"/>
-                </a:solidFill>
-                <a:latin typeface="Calibri"/>
-              </a:rPr>
-              <a:t>Omkar</a:t>
-            </a:r>
-            <a:r>
-              <a:rPr lang="en-US" sz="1400" b="1" dirty="0">
-                <a:solidFill>
-                  <a:schemeClr val="tx1"/>
-                </a:solidFill>
-                <a:latin typeface="Calibri"/>
-              </a:rPr>
-              <a:t> Prakash Mande              TU3F1920075  </a:t>
+              <a:t>Omkar Prakash Mande              TU3F1920075  </a:t>
             </a:r>
             <a:endParaRPr lang="en-US" sz="1400" b="1" dirty="0" smtClean="0">
               <a:solidFill>
@@ -5167,7 +5149,7 @@
           <p:cNvPr id="4" name="Picture 3">
             <a:extLst>
               <a:ext uri="{B2C0E9FC-4BB4-4276-A4B5-5D9AF9165DAD}">
-                <a16:creationId xmlns:a16="http://schemas.microsoft.com/office/drawing/2010/main" xmlns:vt="http://schemas.openxmlformats.org/officeDocument/2006/docPropsVTypes" xmlns:ns1="http://schemas.openxmlformats.org/officeDocument/2006/extended-properties" xmlns:cs="http://schemas.microsoft.com/office/drawing/2012/chartStyle" xmlns:c="http://schemas.openxmlformats.org/drawingml/2006/chart" xmlns="" id="{116D62F5-1C26-4148-BDC7-292D46E61D16}"/>
+                <a16:creationId xmlns="" xmlns:c="http://schemas.openxmlformats.org/drawingml/2006/chart" xmlns:cs="http://schemas.microsoft.com/office/drawing/2012/chartStyle" xmlns:ns1="http://schemas.openxmlformats.org/officeDocument/2006/extended-properties" xmlns:vt="http://schemas.openxmlformats.org/officeDocument/2006/docPropsVTypes" xmlns:a16="http://schemas.microsoft.com/office/drawing/2010/main" id="{116D62F5-1C26-4148-BDC7-292D46E61D16}"/>
               </a:ext>
             </a:extLst>
           </p:cNvPr>
@@ -5198,7 +5180,7 @@
           <p:cNvPr id="5" name="TextBox 4">
             <a:extLst>
               <a:ext uri="{FFB6901D-82D4-492C-9040-F6AEFE61211C}">
-                <a16:creationId xmlns:a16="http://schemas.microsoft.com/office/drawing/2010/main" xmlns:vt="http://schemas.openxmlformats.org/officeDocument/2006/docPropsVTypes" xmlns:ns1="http://schemas.openxmlformats.org/officeDocument/2006/extended-properties" xmlns:cs="http://schemas.microsoft.com/office/drawing/2012/chartStyle" xmlns:c="http://schemas.openxmlformats.org/drawingml/2006/chart" xmlns="" id="{60A440C1-6DBC-4266-A391-0926C0AE032A}"/>
+                <a16:creationId xmlns="" xmlns:c="http://schemas.openxmlformats.org/drawingml/2006/chart" xmlns:cs="http://schemas.microsoft.com/office/drawing/2012/chartStyle" xmlns:ns1="http://schemas.openxmlformats.org/officeDocument/2006/extended-properties" xmlns:vt="http://schemas.openxmlformats.org/officeDocument/2006/docPropsVTypes" xmlns:a16="http://schemas.microsoft.com/office/drawing/2010/main" id="{60A440C1-6DBC-4266-A391-0926C0AE032A}"/>
               </a:ext>
             </a:extLst>
           </p:cNvPr>
@@ -5224,28 +5206,10 @@
               <a:defRPr lang="en-US" sz="1400" dirty="0"/>
             </a:pPr>
             <a:r>
-              <a:rPr lang="en-US" sz="2200" b="1" dirty="0" err="1">
-                <a:latin typeface="Jura"/>
-              </a:rPr>
-              <a:t>Terna</a:t>
-            </a:r>
-            <a:r>
               <a:rPr lang="en-US" sz="2200" b="1" dirty="0">
                 <a:latin typeface="Jura"/>
               </a:rPr>
-              <a:t> Engineering College, </a:t>
-            </a:r>
-            <a:r>
-              <a:rPr lang="en-US" sz="2200" b="1" dirty="0" err="1">
-                <a:latin typeface="Jura"/>
-              </a:rPr>
-              <a:t>Nerul</a:t>
-            </a:r>
-            <a:r>
-              <a:rPr lang="en-US" sz="2200" b="1" dirty="0">
-                <a:latin typeface="Jura"/>
-              </a:rPr>
-              <a:t> </a:t>
+              <a:t>Terna Engineering College, Nerul </a:t>
             </a:r>
           </a:p>
           <a:p>
@@ -5264,7 +5228,7 @@
     </p:spTree>
     <p:extLst>
       <p:ext uri="{552D9A06-466C-4401-A957-73B44D61482C}">
-        <p14:creationId xmlns:p14="http://schemas.microsoft.com/office/powerpoint/2010/main" xmlns:vt="http://schemas.openxmlformats.org/officeDocument/2006/docPropsVTypes" xmlns:ns1="http://schemas.openxmlformats.org/officeDocument/2006/extended-properties" xmlns:cs="http://schemas.microsoft.com/office/drawing/2012/chartStyle" xmlns:c="http://schemas.openxmlformats.org/drawingml/2006/chart" xmlns="" val="1658769465809"/>
+        <p14:creationId xmlns="" xmlns:c="http://schemas.openxmlformats.org/drawingml/2006/chart" xmlns:cs="http://schemas.microsoft.com/office/drawing/2012/chartStyle" xmlns:ns1="http://schemas.openxmlformats.org/officeDocument/2006/extended-properties" xmlns:vt="http://schemas.openxmlformats.org/officeDocument/2006/docPropsVTypes" xmlns:p14="http://schemas.microsoft.com/office/powerpoint/2010/main" val="1658769465809"/>
       </p:ext>
     </p:extLst>
   </p:cSld>
@@ -7210,7 +7174,7 @@
                 <a:spcPct val="100000"/>
               </a:lnSpc>
               <a:spcBef>
-                <a:spcPts val="1200"/>
+                <a:spcPts val="0"/>
               </a:spcBef>
               <a:spcAft>
                 <a:spcPts val="0"/>
@@ -7223,17 +7187,15 @@
               <a:buChar char="•"/>
             </a:pPr>
             <a:r>
-              <a:rPr lang="en-US" sz="2000" b="1" dirty="0">
-                <a:solidFill>
-                  <a:schemeClr val="tx2">
-                    <a:lumMod val="50000"/>
-                  </a:schemeClr>
+              <a:rPr lang="en-US" sz="2000" b="0" dirty="0" smtClean="0">
+                <a:solidFill>
+                  <a:schemeClr val="dk1"/>
                 </a:solidFill>
                 <a:ea typeface="Roboto Light"/>
                 <a:cs typeface="Calibri" panose="020F0502020204030204" pitchFamily="34" charset="0"/>
                 <a:sym typeface="Roboto Light"/>
               </a:rPr>
-              <a:t>Smartphones</a:t>
+              <a:t>Attendance </a:t>
             </a:r>
             <a:r>
               <a:rPr lang="en-US" sz="2000" b="0" dirty="0">
@@ -7244,17 +7206,65 @@
                 <a:cs typeface="Calibri" panose="020F0502020204030204" pitchFamily="34" charset="0"/>
                 <a:sym typeface="Roboto Light"/>
               </a:rPr>
-              <a:t> have become increasingly popular among teenagers and are always with them. </a:t>
-            </a:r>
-            <a:endParaRPr sz="2000" dirty="0">
+              <a:t>tracking can </a:t>
+            </a:r>
+            <a:r>
+              <a:rPr lang="en-US" sz="2000" b="0" dirty="0" smtClean="0">
+                <a:solidFill>
+                  <a:schemeClr val="dk1"/>
+                </a:solidFill>
+                <a:ea typeface="Roboto Light"/>
+                <a:cs typeface="Calibri" panose="020F0502020204030204" pitchFamily="34" charset="0"/>
+                <a:sym typeface="Roboto Light"/>
+              </a:rPr>
+              <a:t>be upgraded using </a:t>
+            </a:r>
+            <a:r>
+              <a:rPr lang="en-US" sz="2000" b="0" dirty="0">
+                <a:solidFill>
+                  <a:schemeClr val="dk1"/>
+                </a:solidFill>
+                <a:ea typeface="Roboto Light"/>
+                <a:cs typeface="Calibri" panose="020F0502020204030204" pitchFamily="34" charset="0"/>
+                <a:sym typeface="Roboto Light"/>
+              </a:rPr>
+              <a:t>new technologies like </a:t>
+            </a:r>
+            <a:r>
+              <a:rPr lang="en-US" sz="2000" b="1" dirty="0" smtClean="0">
+                <a:solidFill>
+                  <a:schemeClr val="tx2">
+                    <a:lumMod val="50000"/>
+                  </a:schemeClr>
+                </a:solidFill>
+                <a:ea typeface="Roboto Light"/>
+                <a:cs typeface="Calibri" panose="020F0502020204030204" pitchFamily="34" charset="0"/>
+                <a:sym typeface="Roboto Light"/>
+              </a:rPr>
+              <a:t>geo-fencing</a:t>
+            </a:r>
+            <a:r>
+              <a:rPr lang="en-US" sz="2000" b="0" dirty="0" smtClean="0">
+                <a:solidFill>
+                  <a:schemeClr val="dk1"/>
+                </a:solidFill>
+                <a:ea typeface="Roboto Light"/>
+                <a:cs typeface="Calibri" panose="020F0502020204030204" pitchFamily="34" charset="0"/>
+                <a:sym typeface="Roboto Light"/>
+              </a:rPr>
+              <a:t> that use smartphones. </a:t>
+            </a:r>
+            <a:endParaRPr lang="en-US" sz="2000" b="0" dirty="0" smtClean="0">
               <a:solidFill>
                 <a:schemeClr val="dk1"/>
               </a:solidFill>
+              <a:ea typeface="Roboto Light"/>
               <a:cs typeface="Calibri" panose="020F0502020204030204" pitchFamily="34" charset="0"/>
+              <a:sym typeface="Roboto Light"/>
             </a:endParaRPr>
           </a:p>
           <a:p>
-            <a:pPr marL="342900" lvl="0" indent="-355600" algn="just" rtl="0">
+            <a:pPr marL="0" lvl="0" indent="0" algn="just" rtl="0">
               <a:lnSpc>
                 <a:spcPct val="100000"/>
               </a:lnSpc>
@@ -7268,66 +7278,8 @@
                 <a:schemeClr val="dk1"/>
               </a:buClr>
               <a:buSzPts val="2000"/>
-              <a:buFont typeface="Roboto Light"/>
-              <a:buChar char="•"/>
+              <a:buNone/>
             </a:pPr>
-            <a:r>
-              <a:rPr lang="en-US" sz="2000" b="0" dirty="0">
-                <a:solidFill>
-                  <a:schemeClr val="dk1"/>
-                </a:solidFill>
-                <a:ea typeface="Roboto Light"/>
-                <a:cs typeface="Calibri" panose="020F0502020204030204" pitchFamily="34" charset="0"/>
-                <a:sym typeface="Roboto Light"/>
-              </a:rPr>
-              <a:t>Attendance tracking can </a:t>
-            </a:r>
-            <a:r>
-              <a:rPr lang="en-US" sz="2000" b="0" dirty="0" smtClean="0">
-                <a:solidFill>
-                  <a:schemeClr val="dk1"/>
-                </a:solidFill>
-                <a:ea typeface="Roboto Light"/>
-                <a:cs typeface="Calibri" panose="020F0502020204030204" pitchFamily="34" charset="0"/>
-                <a:sym typeface="Roboto Light"/>
-              </a:rPr>
-              <a:t>be upgraded using </a:t>
-            </a:r>
-            <a:r>
-              <a:rPr lang="en-US" sz="2000" b="0" dirty="0">
-                <a:solidFill>
-                  <a:schemeClr val="dk1"/>
-                </a:solidFill>
-                <a:ea typeface="Roboto Light"/>
-                <a:cs typeface="Calibri" panose="020F0502020204030204" pitchFamily="34" charset="0"/>
-                <a:sym typeface="Roboto Light"/>
-              </a:rPr>
-              <a:t>new technologies like </a:t>
-            </a:r>
-            <a:r>
-              <a:rPr lang="en-US" sz="2000" b="1" dirty="0" smtClean="0">
-                <a:solidFill>
-                  <a:schemeClr val="tx2">
-                    <a:lumMod val="50000"/>
-                  </a:schemeClr>
-                </a:solidFill>
-                <a:ea typeface="Roboto Light"/>
-                <a:cs typeface="Calibri" panose="020F0502020204030204" pitchFamily="34" charset="0"/>
-                <a:sym typeface="Roboto Light"/>
-              </a:rPr>
-              <a:t>geo-fencing</a:t>
-            </a:r>
-            <a:r>
-              <a:rPr lang="en-US" sz="2000" b="0" dirty="0" smtClean="0">
-                <a:solidFill>
-                  <a:schemeClr val="dk1"/>
-                </a:solidFill>
-                <a:ea typeface="Roboto Light"/>
-                <a:cs typeface="Calibri" panose="020F0502020204030204" pitchFamily="34" charset="0"/>
-                <a:sym typeface="Roboto Light"/>
-              </a:rPr>
-              <a:t> that use smartphones. </a:t>
-            </a:r>
             <a:endParaRPr sz="2000" b="0" dirty="0">
               <a:solidFill>
                 <a:schemeClr val="dk1"/>
@@ -7361,8 +7313,34 @@
                 <a:cs typeface="Calibri" panose="020F0502020204030204" pitchFamily="34" charset="0"/>
                 <a:sym typeface="Roboto Light"/>
               </a:rPr>
-              <a:t>System aims to capture attendance smartly by determining students location.</a:t>
-            </a:r>
+              <a:t>System aims to capture attendance smartly by determining students location</a:t>
+            </a:r>
+            <a:r>
+              <a:rPr lang="en-US" sz="2000" b="0" dirty="0" smtClean="0">
+                <a:solidFill>
+                  <a:schemeClr val="dk1"/>
+                </a:solidFill>
+                <a:ea typeface="Roboto Light"/>
+                <a:cs typeface="Calibri" panose="020F0502020204030204" pitchFamily="34" charset="0"/>
+                <a:sym typeface="Roboto Light"/>
+              </a:rPr>
+              <a:t>.</a:t>
+            </a:r>
+          </a:p>
+          <a:p>
+            <a:pPr marL="0" lvl="0" indent="0" algn="just" rtl="0">
+              <a:spcBef>
+                <a:spcPts val="0"/>
+              </a:spcBef>
+              <a:spcAft>
+                <a:spcPts val="0"/>
+              </a:spcAft>
+              <a:buClr>
+                <a:schemeClr val="dk1"/>
+              </a:buClr>
+              <a:buSzPts val="2000"/>
+              <a:buNone/>
+            </a:pPr>
             <a:endParaRPr sz="2000" b="0" dirty="0">
               <a:solidFill>
                 <a:schemeClr val="dk1"/>
@@ -7633,7 +7611,7 @@
               <a:buNone/>
             </a:pPr>
             <a:r>
-              <a:rPr lang="en-US" sz="2400" dirty="0" smtClean="0">
+              <a:rPr lang="en-US" sz="2000" dirty="0" smtClean="0">
                 <a:solidFill>
                   <a:schemeClr val="dk1"/>
                 </a:solidFill>
@@ -7642,7 +7620,7 @@
               <a:t>Keeping track of attendance in any </a:t>
             </a:r>
             <a:r>
-              <a:rPr lang="en-US" sz="2400" b="1" dirty="0" smtClean="0">
+              <a:rPr lang="en-US" sz="2000" b="1" dirty="0" smtClean="0">
                 <a:solidFill>
                   <a:schemeClr val="tx2">
                     <a:lumMod val="50000"/>
@@ -7653,7 +7631,7 @@
               <a:t>educational organization </a:t>
             </a:r>
             <a:r>
-              <a:rPr lang="en-US" sz="2400" dirty="0" smtClean="0">
+              <a:rPr lang="en-US" sz="2000" dirty="0" smtClean="0">
                 <a:solidFill>
                   <a:schemeClr val="dk1"/>
                 </a:solidFill>
@@ -7662,31 +7640,47 @@
               <a:t>has been challenging for many reasons. For decades, colleges and schools have been using traditional methods which are incomplete and/or inefficient in their core. </a:t>
             </a:r>
             <a:r>
-              <a:rPr lang="en-US" sz="2400" dirty="0"/>
+              <a:rPr lang="en-US" sz="2000" dirty="0"/>
               <a:t>The </a:t>
             </a:r>
             <a:r>
-              <a:rPr lang="en-US" sz="2400" dirty="0" smtClean="0"/>
+              <a:rPr lang="en-US" sz="2000" dirty="0" smtClean="0"/>
               <a:t>proposed application aims at transforming </a:t>
             </a:r>
             <a:r>
-              <a:rPr lang="en-US" sz="2400" dirty="0"/>
-              <a:t>current attendance </a:t>
-            </a:r>
-            <a:r>
-              <a:rPr lang="en-US" sz="2400" dirty="0" smtClean="0"/>
-              <a:t>	                   tracking systems </a:t>
-            </a:r>
-            <a:r>
-              <a:rPr lang="en-US" sz="2400" dirty="0"/>
+              <a:rPr lang="en-US" sz="2000" dirty="0"/>
+              <a:t>current </a:t>
+            </a:r>
+            <a:r>
+              <a:rPr lang="en-US" sz="2000" dirty="0" smtClean="0"/>
+              <a:t>attendance tracking </a:t>
+            </a:r>
+            <a:r>
+              <a:rPr lang="en-US" sz="2000" dirty="0" smtClean="0"/>
+              <a:t>systems </a:t>
+            </a:r>
+            <a:r>
+              <a:rPr lang="en-US" sz="2000" dirty="0"/>
               <a:t>by involving and </a:t>
             </a:r>
             <a:r>
-              <a:rPr lang="en-US" sz="2400" dirty="0" smtClean="0"/>
-              <a:t>			   combining latest standard 				   	   technologies and advancements in 			   </a:t>
-            </a:r>
-            <a:r>
-              <a:rPr lang="en-US" sz="2400" b="1" dirty="0" smtClean="0">
+              <a:rPr lang="en-US" sz="2000" dirty="0" smtClean="0"/>
+              <a:t>combining </a:t>
+            </a:r>
+            <a:r>
+              <a:rPr lang="en-US" sz="2000" dirty="0" smtClean="0"/>
+              <a:t>latest standard </a:t>
+            </a:r>
+            <a:r>
+              <a:rPr lang="en-US" sz="2000" dirty="0" smtClean="0"/>
+              <a:t>technologies </a:t>
+            </a:r>
+            <a:r>
+              <a:rPr lang="en-US" sz="2000" dirty="0" smtClean="0"/>
+              <a:t>and advancements in </a:t>
+            </a:r>
+            <a:r>
+              <a:rPr lang="en-US" sz="2000" b="1" dirty="0" smtClean="0">
                 <a:solidFill>
                   <a:schemeClr val="tx2">
                     <a:lumMod val="50000"/>
@@ -7696,10 +7690,10 @@
               <a:t>geo-fencing</a:t>
             </a:r>
             <a:r>
-              <a:rPr lang="en-US" sz="2400" dirty="0" smtClean="0"/>
+              <a:rPr lang="en-US" sz="2000" dirty="0" smtClean="0"/>
               <a:t>. </a:t>
             </a:r>
-            <a:endParaRPr lang="en-US" sz="2400" dirty="0" smtClean="0">
+            <a:endParaRPr lang="en-US" sz="2000" dirty="0" smtClean="0">
               <a:solidFill>
                 <a:schemeClr val="dk1"/>
               </a:solidFill>
@@ -7845,7 +7839,7 @@
           <p:nvPr>
             <p:extLst>
               <p:ext uri="{D42A27DB-BD31-4B8C-83A1-F6EECF244321}">
-                <p14:modId xmlns:p14="http://schemas.microsoft.com/office/powerpoint/2010/main" val="1383142354"/>
+                <p14:modId xmlns:p14="http://schemas.microsoft.com/office/powerpoint/2010/main" val="2150165853"/>
               </p:ext>
             </p:extLst>
           </p:nvPr>
@@ -8166,17 +8160,6 @@
                     <a:lstStyle/>
                     <a:p>
                       <a:r>
-                        <a:rPr lang="en-US" sz="1400" b="0" i="0" u="none" strike="noStrike" baseline="0" dirty="0" err="1" smtClean="0">
-                          <a:solidFill>
-                            <a:schemeClr val="dk1"/>
-                          </a:solidFill>
-                          <a:latin typeface="+mn-lt"/>
-                          <a:ea typeface="+mn-ea"/>
-                          <a:cs typeface="+mn-cs"/>
-                        </a:rPr>
-                        <a:t>Aayushi</a:t>
-                      </a:r>
-                      <a:r>
                         <a:rPr lang="en-US" sz="1400" b="0" i="0" u="none" strike="noStrike" baseline="0" dirty="0" smtClean="0">
                           <a:solidFill>
                             <a:schemeClr val="dk1"/>
@@ -8185,29 +8168,7 @@
                           <a:ea typeface="+mn-ea"/>
                           <a:cs typeface="+mn-cs"/>
                         </a:rPr>
-                        <a:t> Singh, Tanya </a:t>
-                      </a:r>
-                      <a:r>
-                        <a:rPr lang="en-US" sz="1400" b="0" i="0" u="none" strike="noStrike" baseline="0" dirty="0" err="1" smtClean="0">
-                          <a:solidFill>
-                            <a:schemeClr val="dk1"/>
-                          </a:solidFill>
-                          <a:latin typeface="+mn-lt"/>
-                          <a:ea typeface="+mn-ea"/>
-                          <a:cs typeface="+mn-cs"/>
-                        </a:rPr>
-                        <a:t>Goel</a:t>
-                      </a:r>
-                      <a:r>
-                        <a:rPr lang="en-US" sz="1400" b="0" i="0" u="none" strike="noStrike" baseline="0" dirty="0" smtClean="0">
-                          <a:solidFill>
-                            <a:schemeClr val="dk1"/>
-                          </a:solidFill>
-                          <a:latin typeface="+mn-lt"/>
-                          <a:ea typeface="+mn-ea"/>
-                          <a:cs typeface="+mn-cs"/>
-                        </a:rPr>
-                        <a:t>, </a:t>
+                        <a:t>Aayushi Singh, Tanya Goel, </a:t>
                       </a:r>
                       <a:endParaRPr lang="en-US" sz="1600" b="0" i="0" u="none" strike="noStrike" baseline="0" dirty="0" smtClean="0">
                         <a:solidFill>
@@ -8220,17 +8181,6 @@
                     </a:p>
                     <a:p>
                       <a:r>
-                        <a:rPr lang="en-US" sz="1400" b="0" i="0" u="none" strike="noStrike" baseline="0" dirty="0" err="1" smtClean="0">
-                          <a:solidFill>
-                            <a:schemeClr val="dk1"/>
-                          </a:solidFill>
-                          <a:latin typeface="+mn-lt"/>
-                          <a:ea typeface="+mn-ea"/>
-                          <a:cs typeface="+mn-cs"/>
-                        </a:rPr>
-                        <a:t>Astha</a:t>
-                      </a:r>
-                      <a:r>
                         <a:rPr lang="en-US" sz="1400" b="0" i="0" u="none" strike="noStrike" baseline="0" dirty="0" smtClean="0">
                           <a:solidFill>
                             <a:schemeClr val="dk1"/>
@@ -8239,7 +8189,7 @@
                           <a:ea typeface="+mn-ea"/>
                           <a:cs typeface="+mn-cs"/>
                         </a:rPr>
-                        <a:t> Singh </a:t>
+                        <a:t>Astha Singh </a:t>
                       </a:r>
                     </a:p>
                     <a:p>
@@ -8329,7 +8279,15 @@
                             <a:schemeClr val="tx1"/>
                           </a:solidFill>
                         </a:rPr>
-                        <a:t>Real time live tracking for students not</a:t>
+                        <a:t>Real time live tracking </a:t>
+                      </a:r>
+                      <a:r>
+                        <a:rPr lang="en-US" sz="1400" dirty="0" smtClean="0">
+                          <a:solidFill>
+                            <a:schemeClr val="tx1"/>
+                          </a:solidFill>
+                        </a:rPr>
+                        <a:t>not</a:t>
                       </a:r>
                       <a:r>
                         <a:rPr lang="en-US" sz="1400" baseline="0" dirty="0" smtClean="0">
@@ -8337,7 +8295,23 @@
                             <a:schemeClr val="tx1"/>
                           </a:solidFill>
                         </a:rPr>
-                        <a:t> included.</a:t>
+                        <a:t> </a:t>
+                      </a:r>
+                      <a:r>
+                        <a:rPr lang="en-US" sz="1400" baseline="0" dirty="0" smtClean="0">
+                          <a:solidFill>
+                            <a:schemeClr val="tx1"/>
+                          </a:solidFill>
+                        </a:rPr>
+                        <a:t>included</a:t>
+                      </a:r>
+                      <a:r>
+                        <a:rPr lang="en-US" sz="1400" baseline="0" dirty="0" smtClean="0">
+                          <a:solidFill>
+                            <a:schemeClr val="tx1"/>
+                          </a:solidFill>
+                        </a:rPr>
+                        <a:t>. Focused on biometric verification.</a:t>
                       </a:r>
                       <a:endParaRPr lang="en-US" sz="1400" dirty="0">
                         <a:solidFill>
@@ -8417,29 +8391,7 @@
                           <a:ea typeface="+mn-ea"/>
                           <a:cs typeface="+mn-cs"/>
                         </a:rPr>
-                        <a:t>A.O, </a:t>
-                      </a:r>
-                      <a:r>
-                        <a:rPr lang="en-US" sz="1400" b="0" i="0" u="none" strike="noStrike" baseline="0" dirty="0" err="1" smtClean="0">
-                          <a:solidFill>
-                            <a:schemeClr val="dk1"/>
-                          </a:solidFill>
-                          <a:latin typeface="+mn-lt"/>
-                          <a:ea typeface="+mn-ea"/>
-                          <a:cs typeface="+mn-cs"/>
-                        </a:rPr>
-                        <a:t>Dosumu</a:t>
-                      </a:r>
-                      <a:r>
-                        <a:rPr lang="en-US" sz="1400" b="0" i="0" u="none" strike="noStrike" baseline="0" dirty="0" smtClean="0">
-                          <a:solidFill>
-                            <a:schemeClr val="dk1"/>
-                          </a:solidFill>
-                          <a:latin typeface="+mn-lt"/>
-                          <a:ea typeface="+mn-ea"/>
-                          <a:cs typeface="+mn-cs"/>
-                        </a:rPr>
-                        <a:t> </a:t>
+                        <a:t>A.O, Dosumu </a:t>
                       </a:r>
                     </a:p>
                     <a:p>
@@ -8637,28 +8589,8 @@
                     <a:lstStyle/>
                     <a:p>
                       <a:r>
-                        <a:rPr lang="en-US" sz="1400" dirty="0" err="1" smtClean="0"/>
-                        <a:t>Aagy</a:t>
-                      </a:r>
-                      <a:r>
                         <a:rPr lang="en-US" sz="1400" dirty="0" smtClean="0"/>
-                        <a:t> </a:t>
-                      </a:r>
-                      <a:r>
-                        <a:rPr lang="en-US" sz="1400" dirty="0" err="1" smtClean="0"/>
-                        <a:t>Paulose</a:t>
-                      </a:r>
-                      <a:r>
-                        <a:rPr lang="en-US" sz="1400" dirty="0" smtClean="0"/>
-                        <a:t>, </a:t>
-                      </a:r>
-                      <a:r>
-                        <a:rPr lang="en-US" sz="1400" dirty="0" err="1" smtClean="0"/>
-                        <a:t>Nurjahan</a:t>
-                      </a:r>
-                      <a:r>
-                        <a:rPr lang="en-US" sz="1400" dirty="0" smtClean="0"/>
-                        <a:t> V A</a:t>
+                        <a:t>Aagy Paulose, Nurjahan V A</a:t>
                       </a:r>
                     </a:p>
                     <a:p>
@@ -8972,73 +8904,6 @@
           </a:bodyPr>
           <a:lstStyle/>
           <a:p>
-            <a:pPr algn="just"/>
-            <a:r>
-              <a:rPr lang="en-US" sz="1200" dirty="0"/>
-              <a:t>Creating a virtual geo fence boundary of the campus/workplace  using longitude/latitude data and marking it on maps</a:t>
-            </a:r>
-          </a:p>
-          <a:p>
-            <a:pPr algn="just"/>
-            <a:r>
-              <a:rPr lang="en-US" sz="1200" dirty="0"/>
-              <a:t>Creating a user app which streams user location to server once app is turned on. Server checks if the location co-ordinates lie </a:t>
-            </a:r>
-            <a:r>
-              <a:rPr lang="en-US" sz="1200" dirty="0" smtClean="0"/>
-              <a:t>within </a:t>
-            </a:r>
-            <a:r>
-              <a:rPr lang="en-US" sz="1200" dirty="0"/>
-              <a:t>the geo-fence</a:t>
-            </a:r>
-          </a:p>
-          <a:p>
-            <a:pPr algn="just"/>
-            <a:r>
-              <a:rPr lang="en-US" sz="1200" dirty="0"/>
-              <a:t>If the user's longitude and latitude falls under the range of specified classroom/workplace then the attendance is considered to be valid. </a:t>
-            </a:r>
-          </a:p>
-          <a:p>
-            <a:pPr algn="just"/>
-            <a:r>
-              <a:rPr lang="en-US" sz="1200" dirty="0"/>
-              <a:t>Creating a Admin side application which allows admin to view active users within the boundary</a:t>
-            </a:r>
-            <a:r>
-              <a:rPr lang="en-US" sz="1200" dirty="0" smtClean="0"/>
-              <a:t>, name, age, timestamp, last </a:t>
-            </a:r>
-            <a:r>
-              <a:rPr lang="en-US" sz="1200" dirty="0"/>
-              <a:t>seen location of the user inside the campus, check-in/checkout time of the user,</a:t>
-            </a:r>
-          </a:p>
-          <a:p>
-            <a:pPr algn="just"/>
-            <a:r>
-              <a:rPr lang="en-US" sz="1200" dirty="0"/>
-              <a:t>Further user side app can be improvised to add schedule updates, attendance notifications etc.</a:t>
-            </a:r>
-          </a:p>
-          <a:p>
-            <a:r>
-              <a:rPr lang="en-US" sz="1200" dirty="0"/>
-              <a:t>The admin can generate attendance which are stored in the database in graphical ways which helps in proper analytics. </a:t>
-            </a:r>
-            <a:br>
-              <a:rPr lang="en-US" sz="1200" dirty="0"/>
-            </a:br>
-            <a:endParaRPr lang="en-US" sz="1200" dirty="0"/>
-          </a:p>
-          <a:p>
-            <a:endParaRPr lang="en-US" sz="1200" dirty="0"/>
-          </a:p>
-          <a:p>
-            <a:endParaRPr lang="en-US" sz="1200" dirty="0"/>
-          </a:p>
-          <a:p>
             <a:pPr marL="342900" lvl="0" indent="-355600" algn="just" rtl="0">
               <a:lnSpc>
                 <a:spcPct val="100000"/>
@@ -9056,7 +8921,91 @@
               <a:buFont typeface="Roboto Light"/>
               <a:buChar char="•"/>
             </a:pPr>
-            <a:endParaRPr lang="en-US" sz="1200" dirty="0" smtClean="0">
+            <a:r>
+              <a:rPr lang="en-US" sz="2000" dirty="0" smtClean="0">
+                <a:solidFill>
+                  <a:schemeClr val="dk1"/>
+                </a:solidFill>
+                <a:cs typeface="Calibri" panose="020F0502020204030204" pitchFamily="34" charset="0"/>
+              </a:rPr>
+              <a:t>The first survey paper focused on biometric verification of all candidates. We propose an app based login and verification for all students and teachers.</a:t>
+            </a:r>
+          </a:p>
+          <a:p>
+            <a:pPr marL="342900" lvl="0" indent="-355600" algn="just" rtl="0">
+              <a:lnSpc>
+                <a:spcPct val="100000"/>
+              </a:lnSpc>
+              <a:spcBef>
+                <a:spcPts val="1200"/>
+              </a:spcBef>
+              <a:spcAft>
+                <a:spcPts val="0"/>
+              </a:spcAft>
+              <a:buClr>
+                <a:schemeClr val="dk1"/>
+              </a:buClr>
+              <a:buSzPts val="2000"/>
+              <a:buFont typeface="Roboto Light"/>
+              <a:buChar char="•"/>
+            </a:pPr>
+            <a:r>
+              <a:rPr lang="en-US" sz="2000" dirty="0" smtClean="0">
+                <a:solidFill>
+                  <a:schemeClr val="dk1"/>
+                </a:solidFill>
+                <a:cs typeface="Calibri" panose="020F0502020204030204" pitchFamily="34" charset="0"/>
+              </a:rPr>
+              <a:t>The proposed system will have an accuracy of approximately 11.1 meters. The accuracy metric is derived from paper 2 with data collected up to 6 decimal places.</a:t>
+            </a:r>
+          </a:p>
+          <a:p>
+            <a:pPr marL="342900" lvl="0" indent="-355600" algn="just" rtl="0">
+              <a:lnSpc>
+                <a:spcPct val="100000"/>
+              </a:lnSpc>
+              <a:spcBef>
+                <a:spcPts val="1200"/>
+              </a:spcBef>
+              <a:spcAft>
+                <a:spcPts val="0"/>
+              </a:spcAft>
+              <a:buClr>
+                <a:schemeClr val="dk1"/>
+              </a:buClr>
+              <a:buSzPts val="2000"/>
+              <a:buFont typeface="Roboto Light"/>
+              <a:buChar char="•"/>
+            </a:pPr>
+            <a:r>
+              <a:rPr lang="en-US" sz="2000" dirty="0" smtClean="0">
+                <a:solidFill>
+                  <a:schemeClr val="dk1"/>
+                </a:solidFill>
+                <a:cs typeface="Calibri" panose="020F0502020204030204" pitchFamily="34" charset="0"/>
+              </a:rPr>
+              <a:t>The existing system is focused on large organizations tracking attendance for their employees. We aim to achieve similar success at educational</a:t>
+            </a:r>
+          </a:p>
+          <a:p>
+            <a:pPr marL="342900" lvl="0" indent="-355600" algn="just" rtl="0">
+              <a:lnSpc>
+                <a:spcPct val="100000"/>
+              </a:lnSpc>
+              <a:spcBef>
+                <a:spcPts val="1200"/>
+              </a:spcBef>
+              <a:spcAft>
+                <a:spcPts val="0"/>
+              </a:spcAft>
+              <a:buClr>
+                <a:schemeClr val="dk1"/>
+              </a:buClr>
+              <a:buSzPts val="2000"/>
+              <a:buFont typeface="Roboto Light"/>
+              <a:buChar char="•"/>
+            </a:pPr>
+            <a:endParaRPr lang="en-US" sz="2000" dirty="0" smtClean="0">
               <a:solidFill>
                 <a:schemeClr val="dk1"/>
               </a:solidFill>
@@ -9081,13 +9030,13 @@
               </a:ext>
             </a:extLst>
           </a:blip>
-          <a:srcRect b="43630"/>
+          <a:srcRect l="6321" b="43630"/>
           <a:stretch/>
         </p:blipFill>
         <p:spPr>
           <a:xfrm>
-            <a:off x="1" y="5144384"/>
-            <a:ext cx="8463064" cy="1723344"/>
+            <a:off x="0" y="5261115"/>
+            <a:ext cx="7928047" cy="1723345"/>
           </a:xfrm>
           <a:prstGeom prst="rect">
             <a:avLst/>
